--- a/Profiling in Go.pptx
+++ b/Profiling in Go.pptx
@@ -5,46 +5,48 @@
     <p:sldMasterId id="2147483648" r:id="rId1"/>
   </p:sldMasterIdLst>
   <p:notesMasterIdLst>
-    <p:notesMasterId r:id="rId17"/>
+    <p:notesMasterId r:id="rId19"/>
   </p:notesMasterIdLst>
   <p:handoutMasterIdLst>
-    <p:handoutMasterId r:id="rId18"/>
+    <p:handoutMasterId r:id="rId20"/>
   </p:handoutMasterIdLst>
   <p:sldIdLst>
     <p:sldId id="267" r:id="rId2"/>
     <p:sldId id="276" r:id="rId3"/>
-    <p:sldId id="277" r:id="rId4"/>
-    <p:sldId id="278" r:id="rId5"/>
-    <p:sldId id="279" r:id="rId6"/>
-    <p:sldId id="280" r:id="rId7"/>
-    <p:sldId id="281" r:id="rId8"/>
-    <p:sldId id="285" r:id="rId9"/>
-    <p:sldId id="282" r:id="rId10"/>
-    <p:sldId id="283" r:id="rId11"/>
-    <p:sldId id="284" r:id="rId12"/>
-    <p:sldId id="286" r:id="rId13"/>
-    <p:sldId id="288" r:id="rId14"/>
-    <p:sldId id="268" r:id="rId15"/>
-    <p:sldId id="289" r:id="rId16"/>
+    <p:sldId id="291" r:id="rId4"/>
+    <p:sldId id="290" r:id="rId5"/>
+    <p:sldId id="277" r:id="rId6"/>
+    <p:sldId id="278" r:id="rId7"/>
+    <p:sldId id="279" r:id="rId8"/>
+    <p:sldId id="280" r:id="rId9"/>
+    <p:sldId id="281" r:id="rId10"/>
+    <p:sldId id="285" r:id="rId11"/>
+    <p:sldId id="282" r:id="rId12"/>
+    <p:sldId id="283" r:id="rId13"/>
+    <p:sldId id="284" r:id="rId14"/>
+    <p:sldId id="286" r:id="rId15"/>
+    <p:sldId id="288" r:id="rId16"/>
+    <p:sldId id="268" r:id="rId17"/>
+    <p:sldId id="289" r:id="rId18"/>
   </p:sldIdLst>
   <p:sldSz cx="12192000" cy="6858000"/>
   <p:notesSz cx="6858000" cy="9144000"/>
   <p:embeddedFontLst>
     <p:embeddedFont>
       <p:font typeface="MetricHPE" panose="020B0604020202020204" charset="0"/>
-      <p:regular r:id="rId19"/>
-      <p:bold r:id="rId20"/>
-      <p:italic r:id="rId21"/>
-      <p:boldItalic r:id="rId22"/>
+      <p:regular r:id="rId21"/>
+      <p:bold r:id="rId22"/>
+      <p:italic r:id="rId23"/>
+      <p:boldItalic r:id="rId24"/>
     </p:embeddedFont>
     <p:embeddedFont>
       <p:font typeface="MetricHPE Black" panose="020B0604020202020204" charset="0"/>
-      <p:bold r:id="rId23"/>
-      <p:boldItalic r:id="rId24"/>
+      <p:bold r:id="rId25"/>
+      <p:boldItalic r:id="rId26"/>
     </p:embeddedFont>
   </p:embeddedFontLst>
   <p:custDataLst>
-    <p:tags r:id="rId25"/>
+    <p:tags r:id="rId27"/>
   </p:custDataLst>
   <p:defaultTextStyle>
     <a:defPPr>
@@ -148,6 +150,8 @@
           <p14:sldIdLst>
             <p14:sldId id="267"/>
             <p14:sldId id="276"/>
+            <p14:sldId id="291"/>
+            <p14:sldId id="290"/>
             <p14:sldId id="277"/>
             <p14:sldId id="278"/>
             <p14:sldId id="279"/>
@@ -232,7 +236,7 @@
 <file path=ppt/revisionInfo.xml><?xml version="1.0" encoding="utf-8"?>
 <p1510:revInfo xmlns:a="http://schemas.openxmlformats.org/drawingml/2006/main" xmlns:r="http://schemas.openxmlformats.org/officeDocument/2006/relationships" xmlns:p1510="http://schemas.microsoft.com/office/powerpoint/2015/10/main">
   <p1510:revLst>
-    <p1510:client id="{A1EEDEB1-80C9-4D26-966A-AC49717B1B3F}" v="149" dt="2023-08-31T18:33:47.993"/>
+    <p1510:client id="{A1EEDEB1-80C9-4D26-966A-AC49717B1B3F}" v="1829" dt="2023-09-18T13:01:58.516"/>
   </p1510:revLst>
 </p1510:revInfo>
 </file>
@@ -242,7 +246,7 @@
   <pc:docChgLst>
     <pc:chgData name="Totty, Stephen" userId="9729d117-b798-40b7-b915-6213522e6aff" providerId="ADAL" clId="{A1EEDEB1-80C9-4D26-966A-AC49717B1B3F}"/>
     <pc:docChg chg="undo custSel addSld delSld modSld modSection">
-      <pc:chgData name="Totty, Stephen" userId="9729d117-b798-40b7-b915-6213522e6aff" providerId="ADAL" clId="{A1EEDEB1-80C9-4D26-966A-AC49717B1B3F}" dt="2023-08-31T18:38:51.370" v="2062" actId="20577"/>
+      <pc:chgData name="Totty, Stephen" userId="9729d117-b798-40b7-b915-6213522e6aff" providerId="ADAL" clId="{A1EEDEB1-80C9-4D26-966A-AC49717B1B3F}" dt="2023-09-18T13:02:34.247" v="4124" actId="20577"/>
       <pc:docMkLst>
         <pc:docMk/>
       </pc:docMkLst>
@@ -317,14 +321,14 @@
           <pc:sldMk cId="397067388" sldId="275"/>
         </pc:sldMkLst>
       </pc:sldChg>
-      <pc:sldChg chg="modSp mod">
-        <pc:chgData name="Totty, Stephen" userId="9729d117-b798-40b7-b915-6213522e6aff" providerId="ADAL" clId="{A1EEDEB1-80C9-4D26-966A-AC49717B1B3F}" dt="2023-08-31T14:46:28.393" v="272" actId="20577"/>
+      <pc:sldChg chg="modSp mod modNotes modNotesTx">
+        <pc:chgData name="Totty, Stephen" userId="9729d117-b798-40b7-b915-6213522e6aff" providerId="ADAL" clId="{A1EEDEB1-80C9-4D26-966A-AC49717B1B3F}" dt="2023-09-18T12:54:49.323" v="4037" actId="20577"/>
         <pc:sldMkLst>
           <pc:docMk/>
           <pc:sldMk cId="2944893655" sldId="276"/>
         </pc:sldMkLst>
         <pc:spChg chg="mod">
-          <ac:chgData name="Totty, Stephen" userId="9729d117-b798-40b7-b915-6213522e6aff" providerId="ADAL" clId="{A1EEDEB1-80C9-4D26-966A-AC49717B1B3F}" dt="2023-08-31T14:46:28.393" v="272" actId="20577"/>
+          <ac:chgData name="Totty, Stephen" userId="9729d117-b798-40b7-b915-6213522e6aff" providerId="ADAL" clId="{A1EEDEB1-80C9-4D26-966A-AC49717B1B3F}" dt="2023-09-18T12:37:33.119" v="3397" actId="20577"/>
           <ac:spMkLst>
             <pc:docMk/>
             <pc:sldMk cId="2944893655" sldId="276"/>
@@ -332,7 +336,7 @@
           </ac:spMkLst>
         </pc:spChg>
         <pc:spChg chg="mod">
-          <ac:chgData name="Totty, Stephen" userId="9729d117-b798-40b7-b915-6213522e6aff" providerId="ADAL" clId="{A1EEDEB1-80C9-4D26-966A-AC49717B1B3F}" dt="2023-08-31T14:45:44.218" v="239" actId="20577"/>
+          <ac:chgData name="Totty, Stephen" userId="9729d117-b798-40b7-b915-6213522e6aff" providerId="ADAL" clId="{A1EEDEB1-80C9-4D26-966A-AC49717B1B3F}" dt="2023-09-18T12:54:12.063" v="4035"/>
           <ac:spMkLst>
             <pc:docMk/>
             <pc:sldMk cId="2944893655" sldId="276"/>
@@ -340,8 +344,8 @@
           </ac:spMkLst>
         </pc:spChg>
       </pc:sldChg>
-      <pc:sldChg chg="modSp mod">
-        <pc:chgData name="Totty, Stephen" userId="9729d117-b798-40b7-b915-6213522e6aff" providerId="ADAL" clId="{A1EEDEB1-80C9-4D26-966A-AC49717B1B3F}" dt="2023-08-31T14:46:41.541" v="292" actId="20577"/>
+      <pc:sldChg chg="modSp mod modNotes modNotesTx">
+        <pc:chgData name="Totty, Stephen" userId="9729d117-b798-40b7-b915-6213522e6aff" providerId="ADAL" clId="{A1EEDEB1-80C9-4D26-966A-AC49717B1B3F}" dt="2023-09-18T13:02:34.247" v="4124" actId="20577"/>
         <pc:sldMkLst>
           <pc:docMk/>
           <pc:sldMk cId="929245069" sldId="277"/>
@@ -363,8 +367,8 @@
           </ac:spMkLst>
         </pc:spChg>
       </pc:sldChg>
-      <pc:sldChg chg="modSp new mod modAnim">
-        <pc:chgData name="Totty, Stephen" userId="9729d117-b798-40b7-b915-6213522e6aff" providerId="ADAL" clId="{A1EEDEB1-80C9-4D26-966A-AC49717B1B3F}" dt="2023-08-31T18:29:27.472" v="1890" actId="2"/>
+      <pc:sldChg chg="modSp new mod modAnim modNotes">
+        <pc:chgData name="Totty, Stephen" userId="9729d117-b798-40b7-b915-6213522e6aff" providerId="ADAL" clId="{A1EEDEB1-80C9-4D26-966A-AC49717B1B3F}" dt="2023-09-01T14:21:16.407" v="3184" actId="20577"/>
         <pc:sldMkLst>
           <pc:docMk/>
           <pc:sldMk cId="2494040663" sldId="278"/>
@@ -386,8 +390,8 @@
           </ac:spMkLst>
         </pc:spChg>
       </pc:sldChg>
-      <pc:sldChg chg="addSp delSp modSp new mod">
-        <pc:chgData name="Totty, Stephen" userId="9729d117-b798-40b7-b915-6213522e6aff" providerId="ADAL" clId="{A1EEDEB1-80C9-4D26-966A-AC49717B1B3F}" dt="2023-08-31T18:29:34.192" v="1899" actId="2"/>
+      <pc:sldChg chg="addSp delSp modSp new mod modNotes">
+        <pc:chgData name="Totty, Stephen" userId="9729d117-b798-40b7-b915-6213522e6aff" providerId="ADAL" clId="{A1EEDEB1-80C9-4D26-966A-AC49717B1B3F}" dt="2023-09-01T14:23:07.879" v="3375" actId="20577"/>
         <pc:sldMkLst>
           <pc:docMk/>
           <pc:sldMk cId="2222293107" sldId="279"/>
@@ -456,8 +460,8 @@
           </ac:spMkLst>
         </pc:spChg>
       </pc:sldChg>
-      <pc:sldChg chg="modSp new mod">
-        <pc:chgData name="Totty, Stephen" userId="9729d117-b798-40b7-b915-6213522e6aff" providerId="ADAL" clId="{A1EEDEB1-80C9-4D26-966A-AC49717B1B3F}" dt="2023-08-31T18:38:51.370" v="2062" actId="20577"/>
+      <pc:sldChg chg="modSp new mod modNotes">
+        <pc:chgData name="Totty, Stephen" userId="9729d117-b798-40b7-b915-6213522e6aff" providerId="ADAL" clId="{A1EEDEB1-80C9-4D26-966A-AC49717B1B3F}" dt="2023-09-01T14:29:13.917" v="3376" actId="5793"/>
         <pc:sldMkLst>
           <pc:docMk/>
           <pc:sldMk cId="3163953615" sldId="281"/>
@@ -655,6 +659,28 @@
           <pc:sldMk cId="1962338532" sldId="289"/>
         </pc:sldMkLst>
       </pc:sldChg>
+      <pc:sldChg chg="add">
+        <pc:chgData name="Totty, Stephen" userId="9729d117-b798-40b7-b915-6213522e6aff" providerId="ADAL" clId="{A1EEDEB1-80C9-4D26-966A-AC49717B1B3F}" dt="2023-09-18T12:37:15.711" v="3377" actId="2890"/>
+        <pc:sldMkLst>
+          <pc:docMk/>
+          <pc:sldMk cId="1896763167" sldId="290"/>
+        </pc:sldMkLst>
+      </pc:sldChg>
+      <pc:sldChg chg="modSp add mod modTransition modAnim modNotesTx">
+        <pc:chgData name="Totty, Stephen" userId="9729d117-b798-40b7-b915-6213522e6aff" providerId="ADAL" clId="{A1EEDEB1-80C9-4D26-966A-AC49717B1B3F}" dt="2023-09-18T12:54:41.438" v="4036" actId="20577"/>
+        <pc:sldMkLst>
+          <pc:docMk/>
+          <pc:sldMk cId="2227894808" sldId="291"/>
+        </pc:sldMkLst>
+        <pc:spChg chg="mod">
+          <ac:chgData name="Totty, Stephen" userId="9729d117-b798-40b7-b915-6213522e6aff" providerId="ADAL" clId="{A1EEDEB1-80C9-4D26-966A-AC49717B1B3F}" dt="2023-09-18T12:47:13.061" v="3917" actId="20577"/>
+          <ac:spMkLst>
+            <pc:docMk/>
+            <pc:sldMk cId="2227894808" sldId="291"/>
+            <ac:spMk id="22" creationId="{0D133FAF-811B-408A-B501-743027382189}"/>
+          </ac:spMkLst>
+        </pc:spChg>
+      </pc:sldChg>
     </pc:docChg>
   </pc:docChgLst>
 </pc:chgInfo>
@@ -746,7 +772,7 @@
               <a:rPr lang="en-US">
                 <a:latin typeface="MetricHPE" panose="020B0503030202060203" pitchFamily="34" charset="-18"/>
               </a:rPr>
-              <a:t>8/31/2023</a:t>
+              <a:t>9/15/2023</a:t>
             </a:fld>
             <a:endParaRPr dirty="0">
               <a:latin typeface="MetricHPE" panose="020B0503030202060203" pitchFamily="34" charset="-18"/>
@@ -1188,6 +1214,1283 @@
     </a:lvl9pPr>
   </p:notesStyle>
 </p:notesMaster>
+</file>
+
+<file path=ppt/notesSlides/notesSlide1.xml><?xml version="1.0" encoding="utf-8"?>
+<p:notes xmlns:a="http://schemas.openxmlformats.org/drawingml/2006/main" xmlns:r="http://schemas.openxmlformats.org/officeDocument/2006/relationships" xmlns:p="http://schemas.openxmlformats.org/presentationml/2006/main">
+  <p:cSld>
+    <p:spTree>
+      <p:nvGrpSpPr>
+        <p:cNvPr id="1" name=""/>
+        <p:cNvGrpSpPr/>
+        <p:nvPr/>
+      </p:nvGrpSpPr>
+      <p:grpSpPr>
+        <a:xfrm>
+          <a:off x="0" y="0"/>
+          <a:ext cx="0" cy="0"/>
+          <a:chOff x="0" y="0"/>
+          <a:chExt cx="0" cy="0"/>
+        </a:xfrm>
+      </p:grpSpPr>
+      <p:sp>
+        <p:nvSpPr>
+          <p:cNvPr id="2" name="Slide Image Placeholder 1"/>
+          <p:cNvSpPr>
+            <a:spLocks noGrp="1" noRot="1" noChangeAspect="1"/>
+          </p:cNvSpPr>
+          <p:nvPr>
+            <p:ph type="sldImg"/>
+          </p:nvPr>
+        </p:nvSpPr>
+        <p:spPr/>
+      </p:sp>
+      <p:sp>
+        <p:nvSpPr>
+          <p:cNvPr id="3" name="Notes Placeholder 2"/>
+          <p:cNvSpPr>
+            <a:spLocks noGrp="1"/>
+          </p:cNvSpPr>
+          <p:nvPr>
+            <p:ph type="body" idx="1"/>
+          </p:nvPr>
+        </p:nvSpPr>
+        <p:spPr/>
+        <p:txBody>
+          <a:bodyPr/>
+          <a:lstStyle/>
+          <a:p>
+            <a:endParaRPr lang="en-GB"/>
+          </a:p>
+        </p:txBody>
+      </p:sp>
+      <p:sp>
+        <p:nvSpPr>
+          <p:cNvPr id="4" name="Slide Number Placeholder 3"/>
+          <p:cNvSpPr>
+            <a:spLocks noGrp="1"/>
+          </p:cNvSpPr>
+          <p:nvPr>
+            <p:ph type="sldNum" sz="quarter" idx="5"/>
+          </p:nvPr>
+        </p:nvSpPr>
+        <p:spPr/>
+        <p:txBody>
+          <a:bodyPr/>
+          <a:lstStyle/>
+          <a:p>
+            <a:fld id="{5BFEAE42-E3FE-4405-B7FC-4425D05B92A0}" type="slidenum">
+              <a:rPr lang="en-US" smtClean="0"/>
+              <a:pPr/>
+              <a:t>1</a:t>
+            </a:fld>
+            <a:endParaRPr lang="en-US" dirty="0"/>
+          </a:p>
+        </p:txBody>
+      </p:sp>
+    </p:spTree>
+    <p:extLst>
+      <p:ext uri="{BB962C8B-B14F-4D97-AF65-F5344CB8AC3E}">
+        <p14:creationId xmlns:p14="http://schemas.microsoft.com/office/powerpoint/2010/main" val="1169884240"/>
+      </p:ext>
+    </p:extLst>
+  </p:cSld>
+  <p:clrMapOvr>
+    <a:masterClrMapping/>
+  </p:clrMapOvr>
+</p:notes>
+</file>
+
+<file path=ppt/notesSlides/notesSlide10.xml><?xml version="1.0" encoding="utf-8"?>
+<p:notes xmlns:a="http://schemas.openxmlformats.org/drawingml/2006/main" xmlns:r="http://schemas.openxmlformats.org/officeDocument/2006/relationships" xmlns:p="http://schemas.openxmlformats.org/presentationml/2006/main">
+  <p:cSld>
+    <p:spTree>
+      <p:nvGrpSpPr>
+        <p:cNvPr id="1" name=""/>
+        <p:cNvGrpSpPr/>
+        <p:nvPr/>
+      </p:nvGrpSpPr>
+      <p:grpSpPr>
+        <a:xfrm>
+          <a:off x="0" y="0"/>
+          <a:ext cx="0" cy="0"/>
+          <a:chOff x="0" y="0"/>
+          <a:chExt cx="0" cy="0"/>
+        </a:xfrm>
+      </p:grpSpPr>
+      <p:sp>
+        <p:nvSpPr>
+          <p:cNvPr id="2" name="Slide Image Placeholder 1"/>
+          <p:cNvSpPr>
+            <a:spLocks noGrp="1" noRot="1" noChangeAspect="1"/>
+          </p:cNvSpPr>
+          <p:nvPr>
+            <p:ph type="sldImg"/>
+          </p:nvPr>
+        </p:nvSpPr>
+        <p:spPr>
+          <a:xfrm>
+            <a:off x="381000" y="381000"/>
+            <a:ext cx="4572000" cy="2573338"/>
+          </a:xfrm>
+        </p:spPr>
+      </p:sp>
+      <p:sp>
+        <p:nvSpPr>
+          <p:cNvPr id="3" name="Notes Placeholder 2"/>
+          <p:cNvSpPr>
+            <a:spLocks noGrp="1"/>
+          </p:cNvSpPr>
+          <p:nvPr>
+            <p:ph type="body" idx="1"/>
+          </p:nvPr>
+        </p:nvSpPr>
+        <p:spPr/>
+        <p:txBody>
+          <a:bodyPr/>
+          <a:lstStyle/>
+          <a:p>
+            <a:r>
+              <a:rPr lang="en-US" dirty="0" err="1"/>
+              <a:t>Goland</a:t>
+            </a:r>
+            <a:r>
+              <a:rPr lang="en-US" baseline="0" dirty="0"/>
+              <a:t> exposes many of the same tools mentioned earlier.  Maybe slightly easier to run and view the output.</a:t>
+            </a:r>
+            <a:endParaRPr lang="en-GB" dirty="0"/>
+          </a:p>
+        </p:txBody>
+      </p:sp>
+      <p:sp>
+        <p:nvSpPr>
+          <p:cNvPr id="4" name="Slide Number Placeholder 3"/>
+          <p:cNvSpPr>
+            <a:spLocks noGrp="1"/>
+          </p:cNvSpPr>
+          <p:nvPr>
+            <p:ph type="sldNum" sz="quarter" idx="5"/>
+          </p:nvPr>
+        </p:nvSpPr>
+        <p:spPr/>
+        <p:txBody>
+          <a:bodyPr/>
+          <a:lstStyle/>
+          <a:p>
+            <a:fld id="{5BFEAE42-E3FE-4405-B7FC-4425D05B92A0}" type="slidenum">
+              <a:rPr lang="en-US" smtClean="0"/>
+              <a:pPr/>
+              <a:t>10</a:t>
+            </a:fld>
+            <a:endParaRPr lang="en-US" dirty="0"/>
+          </a:p>
+        </p:txBody>
+      </p:sp>
+    </p:spTree>
+    <p:extLst>
+      <p:ext uri="{BB962C8B-B14F-4D97-AF65-F5344CB8AC3E}">
+        <p14:creationId xmlns:p14="http://schemas.microsoft.com/office/powerpoint/2010/main" val="557771050"/>
+      </p:ext>
+    </p:extLst>
+  </p:cSld>
+  <p:clrMapOvr>
+    <a:masterClrMapping/>
+  </p:clrMapOvr>
+</p:notes>
+</file>
+
+<file path=ppt/notesSlides/notesSlide11.xml><?xml version="1.0" encoding="utf-8"?>
+<p:notes xmlns:a="http://schemas.openxmlformats.org/drawingml/2006/main" xmlns:r="http://schemas.openxmlformats.org/officeDocument/2006/relationships" xmlns:p="http://schemas.openxmlformats.org/presentationml/2006/main">
+  <p:cSld>
+    <p:spTree>
+      <p:nvGrpSpPr>
+        <p:cNvPr id="1" name=""/>
+        <p:cNvGrpSpPr/>
+        <p:nvPr/>
+      </p:nvGrpSpPr>
+      <p:grpSpPr>
+        <a:xfrm>
+          <a:off x="0" y="0"/>
+          <a:ext cx="0" cy="0"/>
+          <a:chOff x="0" y="0"/>
+          <a:chExt cx="0" cy="0"/>
+        </a:xfrm>
+      </p:grpSpPr>
+      <p:sp>
+        <p:nvSpPr>
+          <p:cNvPr id="2" name="Slide Image Placeholder 1"/>
+          <p:cNvSpPr>
+            <a:spLocks noGrp="1" noRot="1" noChangeAspect="1"/>
+          </p:cNvSpPr>
+          <p:nvPr>
+            <p:ph type="sldImg"/>
+          </p:nvPr>
+        </p:nvSpPr>
+        <p:spPr>
+          <a:xfrm>
+            <a:off x="381000" y="381000"/>
+            <a:ext cx="4572000" cy="2573338"/>
+          </a:xfrm>
+        </p:spPr>
+      </p:sp>
+      <p:sp>
+        <p:nvSpPr>
+          <p:cNvPr id="3" name="Notes Placeholder 2"/>
+          <p:cNvSpPr>
+            <a:spLocks noGrp="1"/>
+          </p:cNvSpPr>
+          <p:nvPr>
+            <p:ph type="body" idx="1"/>
+          </p:nvPr>
+        </p:nvSpPr>
+        <p:spPr/>
+        <p:txBody>
+          <a:bodyPr/>
+          <a:lstStyle/>
+          <a:p>
+            <a:r>
+              <a:rPr lang="en-US" baseline="0" dirty="0"/>
+              <a:t>Many times, you wish you had a profile of something that has already run.  You can embed profile creation into your executable.  You can even hide the code from being executed behind flags.</a:t>
+            </a:r>
+            <a:endParaRPr lang="en-GB" dirty="0"/>
+          </a:p>
+        </p:txBody>
+      </p:sp>
+      <p:sp>
+        <p:nvSpPr>
+          <p:cNvPr id="4" name="Slide Number Placeholder 3"/>
+          <p:cNvSpPr>
+            <a:spLocks noGrp="1"/>
+          </p:cNvSpPr>
+          <p:nvPr>
+            <p:ph type="sldNum" sz="quarter" idx="5"/>
+          </p:nvPr>
+        </p:nvSpPr>
+        <p:spPr/>
+        <p:txBody>
+          <a:bodyPr/>
+          <a:lstStyle/>
+          <a:p>
+            <a:fld id="{5BFEAE42-E3FE-4405-B7FC-4425D05B92A0}" type="slidenum">
+              <a:rPr lang="en-US" smtClean="0"/>
+              <a:pPr/>
+              <a:t>11</a:t>
+            </a:fld>
+            <a:endParaRPr lang="en-US" dirty="0"/>
+          </a:p>
+        </p:txBody>
+      </p:sp>
+    </p:spTree>
+    <p:extLst>
+      <p:ext uri="{BB962C8B-B14F-4D97-AF65-F5344CB8AC3E}">
+        <p14:creationId xmlns:p14="http://schemas.microsoft.com/office/powerpoint/2010/main" val="1494564822"/>
+      </p:ext>
+    </p:extLst>
+  </p:cSld>
+  <p:clrMapOvr>
+    <a:masterClrMapping/>
+  </p:clrMapOvr>
+</p:notes>
+</file>
+
+<file path=ppt/notesSlides/notesSlide12.xml><?xml version="1.0" encoding="utf-8"?>
+<p:notes xmlns:a="http://schemas.openxmlformats.org/drawingml/2006/main" xmlns:r="http://schemas.openxmlformats.org/officeDocument/2006/relationships" xmlns:p="http://schemas.openxmlformats.org/presentationml/2006/main">
+  <p:cSld>
+    <p:spTree>
+      <p:nvGrpSpPr>
+        <p:cNvPr id="1" name=""/>
+        <p:cNvGrpSpPr/>
+        <p:nvPr/>
+      </p:nvGrpSpPr>
+      <p:grpSpPr>
+        <a:xfrm>
+          <a:off x="0" y="0"/>
+          <a:ext cx="0" cy="0"/>
+          <a:chOff x="0" y="0"/>
+          <a:chExt cx="0" cy="0"/>
+        </a:xfrm>
+      </p:grpSpPr>
+      <p:sp>
+        <p:nvSpPr>
+          <p:cNvPr id="2" name="Slide Image Placeholder 1"/>
+          <p:cNvSpPr>
+            <a:spLocks noGrp="1" noRot="1" noChangeAspect="1"/>
+          </p:cNvSpPr>
+          <p:nvPr>
+            <p:ph type="sldImg"/>
+          </p:nvPr>
+        </p:nvSpPr>
+        <p:spPr>
+          <a:xfrm>
+            <a:off x="381000" y="381000"/>
+            <a:ext cx="4572000" cy="2573338"/>
+          </a:xfrm>
+        </p:spPr>
+      </p:sp>
+      <p:sp>
+        <p:nvSpPr>
+          <p:cNvPr id="3" name="Notes Placeholder 2"/>
+          <p:cNvSpPr>
+            <a:spLocks noGrp="1"/>
+          </p:cNvSpPr>
+          <p:nvPr>
+            <p:ph type="body" idx="1"/>
+          </p:nvPr>
+        </p:nvSpPr>
+        <p:spPr/>
+        <p:txBody>
+          <a:bodyPr/>
+          <a:lstStyle/>
+          <a:p>
+            <a:r>
+              <a:rPr lang="en-US" dirty="0"/>
+              <a:t>You can also embed a webhook</a:t>
+            </a:r>
+            <a:r>
+              <a:rPr lang="en-US" baseline="0" dirty="0"/>
+              <a:t> into your code.  All of the magic happens by simply adding the import statement.</a:t>
+            </a:r>
+            <a:endParaRPr lang="en-GB" dirty="0"/>
+          </a:p>
+        </p:txBody>
+      </p:sp>
+      <p:sp>
+        <p:nvSpPr>
+          <p:cNvPr id="4" name="Slide Number Placeholder 3"/>
+          <p:cNvSpPr>
+            <a:spLocks noGrp="1"/>
+          </p:cNvSpPr>
+          <p:nvPr>
+            <p:ph type="sldNum" sz="quarter" idx="5"/>
+          </p:nvPr>
+        </p:nvSpPr>
+        <p:spPr/>
+        <p:txBody>
+          <a:bodyPr/>
+          <a:lstStyle/>
+          <a:p>
+            <a:fld id="{5BFEAE42-E3FE-4405-B7FC-4425D05B92A0}" type="slidenum">
+              <a:rPr lang="en-US" smtClean="0"/>
+              <a:pPr/>
+              <a:t>13</a:t>
+            </a:fld>
+            <a:endParaRPr lang="en-US" dirty="0"/>
+          </a:p>
+        </p:txBody>
+      </p:sp>
+    </p:spTree>
+    <p:extLst>
+      <p:ext uri="{BB962C8B-B14F-4D97-AF65-F5344CB8AC3E}">
+        <p14:creationId xmlns:p14="http://schemas.microsoft.com/office/powerpoint/2010/main" val="4073769173"/>
+      </p:ext>
+    </p:extLst>
+  </p:cSld>
+  <p:clrMapOvr>
+    <a:masterClrMapping/>
+  </p:clrMapOvr>
+</p:notes>
+</file>
+
+<file path=ppt/notesSlides/notesSlide13.xml><?xml version="1.0" encoding="utf-8"?>
+<p:notes xmlns:a="http://schemas.openxmlformats.org/drawingml/2006/main" xmlns:r="http://schemas.openxmlformats.org/officeDocument/2006/relationships" xmlns:p="http://schemas.openxmlformats.org/presentationml/2006/main">
+  <p:cSld>
+    <p:spTree>
+      <p:nvGrpSpPr>
+        <p:cNvPr id="1" name=""/>
+        <p:cNvGrpSpPr/>
+        <p:nvPr/>
+      </p:nvGrpSpPr>
+      <p:grpSpPr>
+        <a:xfrm>
+          <a:off x="0" y="0"/>
+          <a:ext cx="0" cy="0"/>
+          <a:chOff x="0" y="0"/>
+          <a:chExt cx="0" cy="0"/>
+        </a:xfrm>
+      </p:grpSpPr>
+      <p:sp>
+        <p:nvSpPr>
+          <p:cNvPr id="2" name="Slide Image Placeholder 1"/>
+          <p:cNvSpPr>
+            <a:spLocks noGrp="1" noRot="1" noChangeAspect="1"/>
+          </p:cNvSpPr>
+          <p:nvPr>
+            <p:ph type="sldImg"/>
+          </p:nvPr>
+        </p:nvSpPr>
+        <p:spPr>
+          <a:xfrm>
+            <a:off x="381000" y="381000"/>
+            <a:ext cx="4572000" cy="2573338"/>
+          </a:xfrm>
+        </p:spPr>
+      </p:sp>
+      <p:sp>
+        <p:nvSpPr>
+          <p:cNvPr id="3" name="Notes Placeholder 2"/>
+          <p:cNvSpPr>
+            <a:spLocks noGrp="1"/>
+          </p:cNvSpPr>
+          <p:nvPr>
+            <p:ph type="body" idx="1"/>
+          </p:nvPr>
+        </p:nvSpPr>
+        <p:spPr/>
+        <p:txBody>
+          <a:bodyPr/>
+          <a:lstStyle/>
+          <a:p>
+            <a:r>
+              <a:rPr lang="en-US" dirty="0"/>
+              <a:t>Go</a:t>
+            </a:r>
+            <a:r>
+              <a:rPr lang="en-US" baseline="0" dirty="0"/>
+              <a:t> provides lot of documentation on profiling.  If you like videos, the Dave Cheney talk from 2019 </a:t>
+            </a:r>
+            <a:r>
+              <a:rPr lang="en-US" baseline="0" dirty="0" err="1"/>
+              <a:t>Gophercon</a:t>
+            </a:r>
+            <a:r>
+              <a:rPr lang="en-US" baseline="0" dirty="0"/>
+              <a:t> is highly recommended.  He gives some nice nuggets about how go interacts with the native operating system.  The workshop also has lots of info.  Much of Brad Fitzpatrick’s 2015 talk is still </a:t>
+            </a:r>
+            <a:r>
+              <a:rPr lang="en-US" baseline="0"/>
+              <a:t>very relevant. </a:t>
+            </a:r>
+            <a:endParaRPr lang="en-GB" dirty="0"/>
+          </a:p>
+        </p:txBody>
+      </p:sp>
+      <p:sp>
+        <p:nvSpPr>
+          <p:cNvPr id="4" name="Slide Number Placeholder 3"/>
+          <p:cNvSpPr>
+            <a:spLocks noGrp="1"/>
+          </p:cNvSpPr>
+          <p:nvPr>
+            <p:ph type="sldNum" sz="quarter" idx="5"/>
+          </p:nvPr>
+        </p:nvSpPr>
+        <p:spPr/>
+        <p:txBody>
+          <a:bodyPr/>
+          <a:lstStyle/>
+          <a:p>
+            <a:fld id="{5BFEAE42-E3FE-4405-B7FC-4425D05B92A0}" type="slidenum">
+              <a:rPr lang="en-US" smtClean="0"/>
+              <a:pPr/>
+              <a:t>14</a:t>
+            </a:fld>
+            <a:endParaRPr lang="en-US" dirty="0"/>
+          </a:p>
+        </p:txBody>
+      </p:sp>
+    </p:spTree>
+    <p:extLst>
+      <p:ext uri="{BB962C8B-B14F-4D97-AF65-F5344CB8AC3E}">
+        <p14:creationId xmlns:p14="http://schemas.microsoft.com/office/powerpoint/2010/main" val="2938850707"/>
+      </p:ext>
+    </p:extLst>
+  </p:cSld>
+  <p:clrMapOvr>
+    <a:masterClrMapping/>
+  </p:clrMapOvr>
+</p:notes>
+</file>
+
+<file path=ppt/notesSlides/notesSlide2.xml><?xml version="1.0" encoding="utf-8"?>
+<p:notes xmlns:a="http://schemas.openxmlformats.org/drawingml/2006/main" xmlns:r="http://schemas.openxmlformats.org/officeDocument/2006/relationships" xmlns:p="http://schemas.openxmlformats.org/presentationml/2006/main">
+  <p:cSld>
+    <p:spTree>
+      <p:nvGrpSpPr>
+        <p:cNvPr id="1" name=""/>
+        <p:cNvGrpSpPr/>
+        <p:nvPr/>
+      </p:nvGrpSpPr>
+      <p:grpSpPr>
+        <a:xfrm>
+          <a:off x="0" y="0"/>
+          <a:ext cx="0" cy="0"/>
+          <a:chOff x="0" y="0"/>
+          <a:chExt cx="0" cy="0"/>
+        </a:xfrm>
+      </p:grpSpPr>
+      <p:sp>
+        <p:nvSpPr>
+          <p:cNvPr id="2" name="Slide Image Placeholder 1"/>
+          <p:cNvSpPr>
+            <a:spLocks noGrp="1" noRot="1" noChangeAspect="1"/>
+          </p:cNvSpPr>
+          <p:nvPr>
+            <p:ph type="sldImg"/>
+          </p:nvPr>
+        </p:nvSpPr>
+        <p:spPr>
+          <a:xfrm>
+            <a:off x="381000" y="381000"/>
+            <a:ext cx="4572000" cy="2573338"/>
+          </a:xfrm>
+        </p:spPr>
+      </p:sp>
+      <p:sp>
+        <p:nvSpPr>
+          <p:cNvPr id="3" name="Notes Placeholder 2"/>
+          <p:cNvSpPr>
+            <a:spLocks noGrp="1"/>
+          </p:cNvSpPr>
+          <p:nvPr>
+            <p:ph type="body" idx="1"/>
+          </p:nvPr>
+        </p:nvSpPr>
+        <p:spPr/>
+        <p:txBody>
+          <a:bodyPr/>
+          <a:lstStyle/>
+          <a:p>
+            <a:endParaRPr lang="en-GB" dirty="0"/>
+          </a:p>
+        </p:txBody>
+      </p:sp>
+      <p:sp>
+        <p:nvSpPr>
+          <p:cNvPr id="4" name="Slide Number Placeholder 3"/>
+          <p:cNvSpPr>
+            <a:spLocks noGrp="1"/>
+          </p:cNvSpPr>
+          <p:nvPr>
+            <p:ph type="sldNum" sz="quarter" idx="5"/>
+          </p:nvPr>
+        </p:nvSpPr>
+        <p:spPr/>
+        <p:txBody>
+          <a:bodyPr/>
+          <a:lstStyle/>
+          <a:p>
+            <a:fld id="{5BFEAE42-E3FE-4405-B7FC-4425D05B92A0}" type="slidenum">
+              <a:rPr lang="en-US" smtClean="0"/>
+              <a:pPr/>
+              <a:t>2</a:t>
+            </a:fld>
+            <a:endParaRPr lang="en-US" dirty="0"/>
+          </a:p>
+        </p:txBody>
+      </p:sp>
+    </p:spTree>
+    <p:extLst>
+      <p:ext uri="{BB962C8B-B14F-4D97-AF65-F5344CB8AC3E}">
+        <p14:creationId xmlns:p14="http://schemas.microsoft.com/office/powerpoint/2010/main" val="2296299467"/>
+      </p:ext>
+    </p:extLst>
+  </p:cSld>
+  <p:clrMapOvr>
+    <a:masterClrMapping/>
+  </p:clrMapOvr>
+</p:notes>
+</file>
+
+<file path=ppt/notesSlides/notesSlide3.xml><?xml version="1.0" encoding="utf-8"?>
+<p:notes xmlns:a="http://schemas.openxmlformats.org/drawingml/2006/main" xmlns:r="http://schemas.openxmlformats.org/officeDocument/2006/relationships" xmlns:p="http://schemas.openxmlformats.org/presentationml/2006/main">
+  <p:cSld>
+    <p:spTree>
+      <p:nvGrpSpPr>
+        <p:cNvPr id="1" name=""/>
+        <p:cNvGrpSpPr/>
+        <p:nvPr/>
+      </p:nvGrpSpPr>
+      <p:grpSpPr>
+        <a:xfrm>
+          <a:off x="0" y="0"/>
+          <a:ext cx="0" cy="0"/>
+          <a:chOff x="0" y="0"/>
+          <a:chExt cx="0" cy="0"/>
+        </a:xfrm>
+      </p:grpSpPr>
+      <p:sp>
+        <p:nvSpPr>
+          <p:cNvPr id="2" name="Slide Image Placeholder 1"/>
+          <p:cNvSpPr>
+            <a:spLocks noGrp="1" noRot="1" noChangeAspect="1"/>
+          </p:cNvSpPr>
+          <p:nvPr>
+            <p:ph type="sldImg"/>
+          </p:nvPr>
+        </p:nvSpPr>
+        <p:spPr>
+          <a:xfrm>
+            <a:off x="381000" y="381000"/>
+            <a:ext cx="4572000" cy="2573338"/>
+          </a:xfrm>
+        </p:spPr>
+      </p:sp>
+      <p:sp>
+        <p:nvSpPr>
+          <p:cNvPr id="3" name="Notes Placeholder 2"/>
+          <p:cNvSpPr>
+            <a:spLocks noGrp="1"/>
+          </p:cNvSpPr>
+          <p:nvPr>
+            <p:ph type="body" idx="1"/>
+          </p:nvPr>
+        </p:nvSpPr>
+        <p:spPr/>
+        <p:txBody>
+          <a:bodyPr/>
+          <a:lstStyle/>
+          <a:p>
+            <a:endParaRPr lang="en-GB" dirty="0"/>
+          </a:p>
+        </p:txBody>
+      </p:sp>
+      <p:sp>
+        <p:nvSpPr>
+          <p:cNvPr id="4" name="Slide Number Placeholder 3"/>
+          <p:cNvSpPr>
+            <a:spLocks noGrp="1"/>
+          </p:cNvSpPr>
+          <p:nvPr>
+            <p:ph type="sldNum" sz="quarter" idx="5"/>
+          </p:nvPr>
+        </p:nvSpPr>
+        <p:spPr/>
+        <p:txBody>
+          <a:bodyPr/>
+          <a:lstStyle/>
+          <a:p>
+            <a:fld id="{5BFEAE42-E3FE-4405-B7FC-4425D05B92A0}" type="slidenum">
+              <a:rPr lang="en-US" smtClean="0"/>
+              <a:pPr/>
+              <a:t>3</a:t>
+            </a:fld>
+            <a:endParaRPr lang="en-US" dirty="0"/>
+          </a:p>
+        </p:txBody>
+      </p:sp>
+    </p:spTree>
+    <p:extLst>
+      <p:ext uri="{BB962C8B-B14F-4D97-AF65-F5344CB8AC3E}">
+        <p14:creationId xmlns:p14="http://schemas.microsoft.com/office/powerpoint/2010/main" val="3169744979"/>
+      </p:ext>
+    </p:extLst>
+  </p:cSld>
+  <p:clrMapOvr>
+    <a:masterClrMapping/>
+  </p:clrMapOvr>
+</p:notes>
+</file>
+
+<file path=ppt/notesSlides/notesSlide4.xml><?xml version="1.0" encoding="utf-8"?>
+<p:notes xmlns:a="http://schemas.openxmlformats.org/drawingml/2006/main" xmlns:r="http://schemas.openxmlformats.org/officeDocument/2006/relationships" xmlns:p="http://schemas.openxmlformats.org/presentationml/2006/main">
+  <p:cSld>
+    <p:spTree>
+      <p:nvGrpSpPr>
+        <p:cNvPr id="1" name=""/>
+        <p:cNvGrpSpPr/>
+        <p:nvPr/>
+      </p:nvGrpSpPr>
+      <p:grpSpPr>
+        <a:xfrm>
+          <a:off x="0" y="0"/>
+          <a:ext cx="0" cy="0"/>
+          <a:chOff x="0" y="0"/>
+          <a:chExt cx="0" cy="0"/>
+        </a:xfrm>
+      </p:grpSpPr>
+      <p:sp>
+        <p:nvSpPr>
+          <p:cNvPr id="2" name="Slide Image Placeholder 1"/>
+          <p:cNvSpPr>
+            <a:spLocks noGrp="1" noRot="1" noChangeAspect="1"/>
+          </p:cNvSpPr>
+          <p:nvPr>
+            <p:ph type="sldImg"/>
+          </p:nvPr>
+        </p:nvSpPr>
+        <p:spPr>
+          <a:xfrm>
+            <a:off x="381000" y="381000"/>
+            <a:ext cx="4572000" cy="2573338"/>
+          </a:xfrm>
+        </p:spPr>
+      </p:sp>
+      <p:sp>
+        <p:nvSpPr>
+          <p:cNvPr id="3" name="Notes Placeholder 2"/>
+          <p:cNvSpPr>
+            <a:spLocks noGrp="1"/>
+          </p:cNvSpPr>
+          <p:nvPr>
+            <p:ph type="body" idx="1"/>
+          </p:nvPr>
+        </p:nvSpPr>
+        <p:spPr/>
+        <p:txBody>
+          <a:bodyPr/>
+          <a:lstStyle/>
+          <a:p>
+            <a:r>
+              <a:rPr lang="en-US" dirty="0"/>
+              <a:t>Locally is the best place to do profiling.  You have full access to the source code and any tool that you may want to use.  Also, during this step, you may find some low hanging fruit that you can fix pretty quickly.  Lastly, you may find the organization of your code can be optimized for benchmarking and profiling.  </a:t>
+            </a:r>
+            <a:endParaRPr lang="en-GB" dirty="0"/>
+          </a:p>
+        </p:txBody>
+      </p:sp>
+      <p:sp>
+        <p:nvSpPr>
+          <p:cNvPr id="4" name="Slide Number Placeholder 3"/>
+          <p:cNvSpPr>
+            <a:spLocks noGrp="1"/>
+          </p:cNvSpPr>
+          <p:nvPr>
+            <p:ph type="sldNum" sz="quarter" idx="5"/>
+          </p:nvPr>
+        </p:nvSpPr>
+        <p:spPr/>
+        <p:txBody>
+          <a:bodyPr/>
+          <a:lstStyle/>
+          <a:p>
+            <a:fld id="{5BFEAE42-E3FE-4405-B7FC-4425D05B92A0}" type="slidenum">
+              <a:rPr lang="en-US" smtClean="0"/>
+              <a:pPr/>
+              <a:t>4</a:t>
+            </a:fld>
+            <a:endParaRPr lang="en-US" dirty="0"/>
+          </a:p>
+        </p:txBody>
+      </p:sp>
+    </p:spTree>
+    <p:extLst>
+      <p:ext uri="{BB962C8B-B14F-4D97-AF65-F5344CB8AC3E}">
+        <p14:creationId xmlns:p14="http://schemas.microsoft.com/office/powerpoint/2010/main" val="2680992853"/>
+      </p:ext>
+    </p:extLst>
+  </p:cSld>
+  <p:clrMapOvr>
+    <a:masterClrMapping/>
+  </p:clrMapOvr>
+</p:notes>
+</file>
+
+<file path=ppt/notesSlides/notesSlide5.xml><?xml version="1.0" encoding="utf-8"?>
+<p:notes xmlns:a="http://schemas.openxmlformats.org/drawingml/2006/main" xmlns:r="http://schemas.openxmlformats.org/officeDocument/2006/relationships" xmlns:p="http://schemas.openxmlformats.org/presentationml/2006/main">
+  <p:cSld>
+    <p:spTree>
+      <p:nvGrpSpPr>
+        <p:cNvPr id="1" name=""/>
+        <p:cNvGrpSpPr/>
+        <p:nvPr/>
+      </p:nvGrpSpPr>
+      <p:grpSpPr>
+        <a:xfrm>
+          <a:off x="0" y="0"/>
+          <a:ext cx="0" cy="0"/>
+          <a:chOff x="0" y="0"/>
+          <a:chExt cx="0" cy="0"/>
+        </a:xfrm>
+      </p:grpSpPr>
+      <p:sp>
+        <p:nvSpPr>
+          <p:cNvPr id="2" name="Slide Image Placeholder 1"/>
+          <p:cNvSpPr>
+            <a:spLocks noGrp="1" noRot="1" noChangeAspect="1"/>
+          </p:cNvSpPr>
+          <p:nvPr>
+            <p:ph type="sldImg"/>
+          </p:nvPr>
+        </p:nvSpPr>
+        <p:spPr>
+          <a:xfrm>
+            <a:off x="381000" y="381000"/>
+            <a:ext cx="4572000" cy="2573338"/>
+          </a:xfrm>
+        </p:spPr>
+      </p:sp>
+      <p:sp>
+        <p:nvSpPr>
+          <p:cNvPr id="3" name="Notes Placeholder 2"/>
+          <p:cNvSpPr>
+            <a:spLocks noGrp="1"/>
+          </p:cNvSpPr>
+          <p:nvPr>
+            <p:ph type="body" idx="1"/>
+          </p:nvPr>
+        </p:nvSpPr>
+        <p:spPr/>
+        <p:txBody>
+          <a:bodyPr/>
+          <a:lstStyle/>
+          <a:p>
+            <a:r>
+              <a:rPr lang="en-US" dirty="0"/>
+              <a:t>In the QA clusters, you will have less access to tools and will only have access to the executables that are already built.  You may have several storage limitations depending on your container setup.  With newer Kubernetes updates now applied, we can </a:t>
+            </a:r>
+            <a:r>
+              <a:rPr lang="en-US"/>
+              <a:t>use ephemeral </a:t>
+            </a:r>
+            <a:r>
+              <a:rPr lang="en-US" dirty="0"/>
+              <a:t>debug containers.</a:t>
+            </a:r>
+            <a:endParaRPr lang="en-GB" dirty="0"/>
+          </a:p>
+        </p:txBody>
+      </p:sp>
+      <p:sp>
+        <p:nvSpPr>
+          <p:cNvPr id="4" name="Slide Number Placeholder 3"/>
+          <p:cNvSpPr>
+            <a:spLocks noGrp="1"/>
+          </p:cNvSpPr>
+          <p:nvPr>
+            <p:ph type="sldNum" sz="quarter" idx="5"/>
+          </p:nvPr>
+        </p:nvSpPr>
+        <p:spPr/>
+        <p:txBody>
+          <a:bodyPr/>
+          <a:lstStyle/>
+          <a:p>
+            <a:fld id="{5BFEAE42-E3FE-4405-B7FC-4425D05B92A0}" type="slidenum">
+              <a:rPr lang="en-US" smtClean="0"/>
+              <a:pPr/>
+              <a:t>5</a:t>
+            </a:fld>
+            <a:endParaRPr lang="en-US" dirty="0"/>
+          </a:p>
+        </p:txBody>
+      </p:sp>
+    </p:spTree>
+    <p:extLst>
+      <p:ext uri="{BB962C8B-B14F-4D97-AF65-F5344CB8AC3E}">
+        <p14:creationId xmlns:p14="http://schemas.microsoft.com/office/powerpoint/2010/main" val="856072688"/>
+      </p:ext>
+    </p:extLst>
+  </p:cSld>
+  <p:clrMapOvr>
+    <a:masterClrMapping/>
+  </p:clrMapOvr>
+</p:notes>
+</file>
+
+<file path=ppt/notesSlides/notesSlide6.xml><?xml version="1.0" encoding="utf-8"?>
+<p:notes xmlns:a="http://schemas.openxmlformats.org/drawingml/2006/main" xmlns:r="http://schemas.openxmlformats.org/officeDocument/2006/relationships" xmlns:p="http://schemas.openxmlformats.org/presentationml/2006/main">
+  <p:cSld>
+    <p:spTree>
+      <p:nvGrpSpPr>
+        <p:cNvPr id="1" name=""/>
+        <p:cNvGrpSpPr/>
+        <p:nvPr/>
+      </p:nvGrpSpPr>
+      <p:grpSpPr>
+        <a:xfrm>
+          <a:off x="0" y="0"/>
+          <a:ext cx="0" cy="0"/>
+          <a:chOff x="0" y="0"/>
+          <a:chExt cx="0" cy="0"/>
+        </a:xfrm>
+      </p:grpSpPr>
+      <p:sp>
+        <p:nvSpPr>
+          <p:cNvPr id="2" name="Slide Image Placeholder 1"/>
+          <p:cNvSpPr>
+            <a:spLocks noGrp="1" noRot="1" noChangeAspect="1"/>
+          </p:cNvSpPr>
+          <p:nvPr>
+            <p:ph type="sldImg"/>
+          </p:nvPr>
+        </p:nvSpPr>
+        <p:spPr>
+          <a:xfrm>
+            <a:off x="381000" y="381000"/>
+            <a:ext cx="4572000" cy="2573338"/>
+          </a:xfrm>
+        </p:spPr>
+      </p:sp>
+      <p:sp>
+        <p:nvSpPr>
+          <p:cNvPr id="3" name="Notes Placeholder 2"/>
+          <p:cNvSpPr>
+            <a:spLocks noGrp="1"/>
+          </p:cNvSpPr>
+          <p:nvPr>
+            <p:ph type="body" idx="1"/>
+          </p:nvPr>
+        </p:nvSpPr>
+        <p:spPr/>
+        <p:txBody>
+          <a:bodyPr/>
+          <a:lstStyle/>
+          <a:p>
+            <a:r>
+              <a:rPr lang="en-US" dirty="0"/>
+              <a:t>At this point, you will have no access to the physical system.  This is where logging and metrics will hopefully give you enough clues to reproduce the problem elsewhere.</a:t>
+            </a:r>
+            <a:endParaRPr lang="en-GB" dirty="0"/>
+          </a:p>
+        </p:txBody>
+      </p:sp>
+      <p:sp>
+        <p:nvSpPr>
+          <p:cNvPr id="4" name="Slide Number Placeholder 3"/>
+          <p:cNvSpPr>
+            <a:spLocks noGrp="1"/>
+          </p:cNvSpPr>
+          <p:nvPr>
+            <p:ph type="sldNum" sz="quarter" idx="5"/>
+          </p:nvPr>
+        </p:nvSpPr>
+        <p:spPr/>
+        <p:txBody>
+          <a:bodyPr/>
+          <a:lstStyle/>
+          <a:p>
+            <a:fld id="{5BFEAE42-E3FE-4405-B7FC-4425D05B92A0}" type="slidenum">
+              <a:rPr lang="en-US" smtClean="0"/>
+              <a:pPr/>
+              <a:t>6</a:t>
+            </a:fld>
+            <a:endParaRPr lang="en-US" dirty="0"/>
+          </a:p>
+        </p:txBody>
+      </p:sp>
+    </p:spTree>
+    <p:extLst>
+      <p:ext uri="{BB962C8B-B14F-4D97-AF65-F5344CB8AC3E}">
+        <p14:creationId xmlns:p14="http://schemas.microsoft.com/office/powerpoint/2010/main" val="1482243180"/>
+      </p:ext>
+    </p:extLst>
+  </p:cSld>
+  <p:clrMapOvr>
+    <a:masterClrMapping/>
+  </p:clrMapOvr>
+</p:notes>
+</file>
+
+<file path=ppt/notesSlides/notesSlide7.xml><?xml version="1.0" encoding="utf-8"?>
+<p:notes xmlns:a="http://schemas.openxmlformats.org/drawingml/2006/main" xmlns:r="http://schemas.openxmlformats.org/officeDocument/2006/relationships" xmlns:p="http://schemas.openxmlformats.org/presentationml/2006/main">
+  <p:cSld>
+    <p:spTree>
+      <p:nvGrpSpPr>
+        <p:cNvPr id="1" name=""/>
+        <p:cNvGrpSpPr/>
+        <p:nvPr/>
+      </p:nvGrpSpPr>
+      <p:grpSpPr>
+        <a:xfrm>
+          <a:off x="0" y="0"/>
+          <a:ext cx="0" cy="0"/>
+          <a:chOff x="0" y="0"/>
+          <a:chExt cx="0" cy="0"/>
+        </a:xfrm>
+      </p:grpSpPr>
+      <p:sp>
+        <p:nvSpPr>
+          <p:cNvPr id="2" name="Slide Image Placeholder 1"/>
+          <p:cNvSpPr>
+            <a:spLocks noGrp="1" noRot="1" noChangeAspect="1"/>
+          </p:cNvSpPr>
+          <p:nvPr>
+            <p:ph type="sldImg"/>
+          </p:nvPr>
+        </p:nvSpPr>
+        <p:spPr>
+          <a:xfrm>
+            <a:off x="381000" y="381000"/>
+            <a:ext cx="4572000" cy="2573338"/>
+          </a:xfrm>
+        </p:spPr>
+      </p:sp>
+      <p:sp>
+        <p:nvSpPr>
+          <p:cNvPr id="3" name="Notes Placeholder 2"/>
+          <p:cNvSpPr>
+            <a:spLocks noGrp="1"/>
+          </p:cNvSpPr>
+          <p:nvPr>
+            <p:ph type="body" idx="1"/>
+          </p:nvPr>
+        </p:nvSpPr>
+        <p:spPr/>
+        <p:txBody>
+          <a:bodyPr/>
+          <a:lstStyle/>
+          <a:p>
+            <a:r>
+              <a:rPr lang="en-US" dirty="0"/>
+              <a:t>You will start to see a pattern in the </a:t>
+            </a:r>
+            <a:r>
+              <a:rPr lang="en-US" dirty="0" err="1"/>
+              <a:t>pprof</a:t>
+            </a:r>
+            <a:r>
+              <a:rPr lang="en-US" dirty="0"/>
+              <a:t> calls, unit test calls, the </a:t>
+            </a:r>
+            <a:r>
+              <a:rPr lang="en-US" dirty="0" err="1"/>
+              <a:t>Goland</a:t>
+            </a:r>
+            <a:r>
+              <a:rPr lang="en-US" dirty="0"/>
+              <a:t> debug options.  They all share the same underlying library calls under the covers.</a:t>
+            </a:r>
+            <a:endParaRPr lang="en-GB" dirty="0"/>
+          </a:p>
+        </p:txBody>
+      </p:sp>
+      <p:sp>
+        <p:nvSpPr>
+          <p:cNvPr id="4" name="Slide Number Placeholder 3"/>
+          <p:cNvSpPr>
+            <a:spLocks noGrp="1"/>
+          </p:cNvSpPr>
+          <p:nvPr>
+            <p:ph type="sldNum" sz="quarter" idx="5"/>
+          </p:nvPr>
+        </p:nvSpPr>
+        <p:spPr/>
+        <p:txBody>
+          <a:bodyPr/>
+          <a:lstStyle/>
+          <a:p>
+            <a:fld id="{5BFEAE42-E3FE-4405-B7FC-4425D05B92A0}" type="slidenum">
+              <a:rPr lang="en-US" smtClean="0"/>
+              <a:pPr/>
+              <a:t>7</a:t>
+            </a:fld>
+            <a:endParaRPr lang="en-US" dirty="0"/>
+          </a:p>
+        </p:txBody>
+      </p:sp>
+    </p:spTree>
+    <p:extLst>
+      <p:ext uri="{BB962C8B-B14F-4D97-AF65-F5344CB8AC3E}">
+        <p14:creationId xmlns:p14="http://schemas.microsoft.com/office/powerpoint/2010/main" val="449617541"/>
+      </p:ext>
+    </p:extLst>
+  </p:cSld>
+  <p:clrMapOvr>
+    <a:masterClrMapping/>
+  </p:clrMapOvr>
+</p:notes>
+</file>
+
+<file path=ppt/notesSlides/notesSlide8.xml><?xml version="1.0" encoding="utf-8"?>
+<p:notes xmlns:a="http://schemas.openxmlformats.org/drawingml/2006/main" xmlns:r="http://schemas.openxmlformats.org/officeDocument/2006/relationships" xmlns:p="http://schemas.openxmlformats.org/presentationml/2006/main">
+  <p:cSld>
+    <p:spTree>
+      <p:nvGrpSpPr>
+        <p:cNvPr id="1" name=""/>
+        <p:cNvGrpSpPr/>
+        <p:nvPr/>
+      </p:nvGrpSpPr>
+      <p:grpSpPr>
+        <a:xfrm>
+          <a:off x="0" y="0"/>
+          <a:ext cx="0" cy="0"/>
+          <a:chOff x="0" y="0"/>
+          <a:chExt cx="0" cy="0"/>
+        </a:xfrm>
+      </p:grpSpPr>
+      <p:sp>
+        <p:nvSpPr>
+          <p:cNvPr id="2" name="Slide Image Placeholder 1"/>
+          <p:cNvSpPr>
+            <a:spLocks noGrp="1" noRot="1" noChangeAspect="1"/>
+          </p:cNvSpPr>
+          <p:nvPr>
+            <p:ph type="sldImg"/>
+          </p:nvPr>
+        </p:nvSpPr>
+        <p:spPr>
+          <a:xfrm>
+            <a:off x="381000" y="381000"/>
+            <a:ext cx="4572000" cy="2573338"/>
+          </a:xfrm>
+        </p:spPr>
+      </p:sp>
+      <p:sp>
+        <p:nvSpPr>
+          <p:cNvPr id="3" name="Notes Placeholder 2"/>
+          <p:cNvSpPr>
+            <a:spLocks noGrp="1"/>
+          </p:cNvSpPr>
+          <p:nvPr>
+            <p:ph type="body" idx="1"/>
+          </p:nvPr>
+        </p:nvSpPr>
+        <p:spPr/>
+        <p:txBody>
+          <a:bodyPr/>
+          <a:lstStyle/>
+          <a:p>
+            <a:r>
+              <a:rPr lang="en-US" dirty="0"/>
+              <a:t>After</a:t>
+            </a:r>
+            <a:r>
+              <a:rPr lang="en-US" baseline="0" dirty="0"/>
+              <a:t> all the tests run, the benchmarks then will start running. </a:t>
+            </a:r>
+            <a:r>
+              <a:rPr lang="en-US" dirty="0"/>
+              <a:t>Benchmarks</a:t>
+            </a:r>
+            <a:r>
+              <a:rPr lang="en-US" baseline="0" dirty="0"/>
+              <a:t> works by calling the test code several times.  You can even compare the output of two benchmark runs to see the difference in execution times. </a:t>
+            </a:r>
+            <a:endParaRPr lang="en-GB" dirty="0"/>
+          </a:p>
+        </p:txBody>
+      </p:sp>
+      <p:sp>
+        <p:nvSpPr>
+          <p:cNvPr id="4" name="Slide Number Placeholder 3"/>
+          <p:cNvSpPr>
+            <a:spLocks noGrp="1"/>
+          </p:cNvSpPr>
+          <p:nvPr>
+            <p:ph type="sldNum" sz="quarter" idx="5"/>
+          </p:nvPr>
+        </p:nvSpPr>
+        <p:spPr/>
+        <p:txBody>
+          <a:bodyPr/>
+          <a:lstStyle/>
+          <a:p>
+            <a:fld id="{5BFEAE42-E3FE-4405-B7FC-4425D05B92A0}" type="slidenum">
+              <a:rPr lang="en-US" smtClean="0"/>
+              <a:pPr/>
+              <a:t>8</a:t>
+            </a:fld>
+            <a:endParaRPr lang="en-US" dirty="0"/>
+          </a:p>
+        </p:txBody>
+      </p:sp>
+    </p:spTree>
+    <p:extLst>
+      <p:ext uri="{BB962C8B-B14F-4D97-AF65-F5344CB8AC3E}">
+        <p14:creationId xmlns:p14="http://schemas.microsoft.com/office/powerpoint/2010/main" val="883401945"/>
+      </p:ext>
+    </p:extLst>
+  </p:cSld>
+  <p:clrMapOvr>
+    <a:masterClrMapping/>
+  </p:clrMapOvr>
+</p:notes>
+</file>
+
+<file path=ppt/notesSlides/notesSlide9.xml><?xml version="1.0" encoding="utf-8"?>
+<p:notes xmlns:a="http://schemas.openxmlformats.org/drawingml/2006/main" xmlns:r="http://schemas.openxmlformats.org/officeDocument/2006/relationships" xmlns:p="http://schemas.openxmlformats.org/presentationml/2006/main">
+  <p:cSld>
+    <p:spTree>
+      <p:nvGrpSpPr>
+        <p:cNvPr id="1" name=""/>
+        <p:cNvGrpSpPr/>
+        <p:nvPr/>
+      </p:nvGrpSpPr>
+      <p:grpSpPr>
+        <a:xfrm>
+          <a:off x="0" y="0"/>
+          <a:ext cx="0" cy="0"/>
+          <a:chOff x="0" y="0"/>
+          <a:chExt cx="0" cy="0"/>
+        </a:xfrm>
+      </p:grpSpPr>
+      <p:sp>
+        <p:nvSpPr>
+          <p:cNvPr id="2" name="Slide Image Placeholder 1"/>
+          <p:cNvSpPr>
+            <a:spLocks noGrp="1" noRot="1" noChangeAspect="1"/>
+          </p:cNvSpPr>
+          <p:nvPr>
+            <p:ph type="sldImg"/>
+          </p:nvPr>
+        </p:nvSpPr>
+        <p:spPr>
+          <a:xfrm>
+            <a:off x="381000" y="381000"/>
+            <a:ext cx="4572000" cy="2573338"/>
+          </a:xfrm>
+        </p:spPr>
+      </p:sp>
+      <p:sp>
+        <p:nvSpPr>
+          <p:cNvPr id="3" name="Notes Placeholder 2"/>
+          <p:cNvSpPr>
+            <a:spLocks noGrp="1"/>
+          </p:cNvSpPr>
+          <p:nvPr>
+            <p:ph type="body" idx="1"/>
+          </p:nvPr>
+        </p:nvSpPr>
+        <p:spPr/>
+        <p:txBody>
+          <a:bodyPr/>
+          <a:lstStyle/>
+          <a:p>
+            <a:r>
+              <a:rPr lang="en-US" dirty="0"/>
+              <a:t>Most output</a:t>
+            </a:r>
+            <a:r>
+              <a:rPr lang="en-US" baseline="0" dirty="0"/>
+              <a:t> is viewable running </a:t>
+            </a:r>
+            <a:r>
+              <a:rPr lang="en-US" baseline="0" dirty="0" err="1"/>
+              <a:t>pprof</a:t>
+            </a:r>
+            <a:r>
+              <a:rPr lang="en-US" baseline="0" dirty="0"/>
+              <a:t>.  The easiest by far is using the –http option.  But if you like, you can view it via the command line.  Traces, are different.  It has to be viewed differently using the trace tool.</a:t>
+            </a:r>
+            <a:endParaRPr lang="en-GB" dirty="0"/>
+          </a:p>
+        </p:txBody>
+      </p:sp>
+      <p:sp>
+        <p:nvSpPr>
+          <p:cNvPr id="4" name="Slide Number Placeholder 3"/>
+          <p:cNvSpPr>
+            <a:spLocks noGrp="1"/>
+          </p:cNvSpPr>
+          <p:nvPr>
+            <p:ph type="sldNum" sz="quarter" idx="5"/>
+          </p:nvPr>
+        </p:nvSpPr>
+        <p:spPr/>
+        <p:txBody>
+          <a:bodyPr/>
+          <a:lstStyle/>
+          <a:p>
+            <a:fld id="{5BFEAE42-E3FE-4405-B7FC-4425D05B92A0}" type="slidenum">
+              <a:rPr lang="en-US" smtClean="0"/>
+              <a:pPr/>
+              <a:t>9</a:t>
+            </a:fld>
+            <a:endParaRPr lang="en-US" dirty="0"/>
+          </a:p>
+        </p:txBody>
+      </p:sp>
+    </p:spTree>
+    <p:extLst>
+      <p:ext uri="{BB962C8B-B14F-4D97-AF65-F5344CB8AC3E}">
+        <p14:creationId xmlns:p14="http://schemas.microsoft.com/office/powerpoint/2010/main" val="4055715661"/>
+      </p:ext>
+    </p:extLst>
+  </p:cSld>
+  <p:clrMapOvr>
+    <a:masterClrMapping/>
+  </p:clrMapOvr>
+</p:notes>
 </file>
 
 <file path=ppt/slideLayouts/slideLayout1.xml><?xml version="1.0" encoding="utf-8"?>
@@ -26818,7 +28121,7 @@
           <p:cNvPr id="2" name="Footer Placeholder 1">
             <a:extLst>
               <a:ext uri="{FF2B5EF4-FFF2-40B4-BE49-F238E27FC236}">
-                <a16:creationId xmlns:a16="http://schemas.microsoft.com/office/drawing/2014/main" id="{D394F284-18B4-5084-6352-4B18FDAECBC0}"/>
+                <a16:creationId xmlns:a16="http://schemas.microsoft.com/office/drawing/2014/main" id="{200714A0-BD76-9D53-8013-F92BB37B2E7F}"/>
               </a:ext>
             </a:extLst>
           </p:cNvPr>
@@ -26847,7 +28150,7 @@
           <p:cNvPr id="3" name="Slide Number Placeholder 2">
             <a:extLst>
               <a:ext uri="{FF2B5EF4-FFF2-40B4-BE49-F238E27FC236}">
-                <a16:creationId xmlns:a16="http://schemas.microsoft.com/office/drawing/2014/main" id="{2AF236A6-F397-878C-D80D-81ACA7E32D17}"/>
+                <a16:creationId xmlns:a16="http://schemas.microsoft.com/office/drawing/2014/main" id="{7A1F8A47-9F40-43A4-8A63-C19CAB7352BA}"/>
               </a:ext>
             </a:extLst>
           </p:cNvPr>
@@ -26866,7 +28169,7 @@
             <a:pPr defTabSz="1088421">
               <a:buFontTx/>
               <a:buBlip>
-                <a:blip r:embed="rId2"/>
+                <a:blip r:embed="rId3"/>
               </a:buBlip>
             </a:pPr>
             <a:fld id="{104FC826-72BB-4AF1-BA01-A94F7396A7DC}" type="slidenum">
@@ -26874,7 +28177,7 @@
               <a:pPr defTabSz="1088421">
                 <a:buFontTx/>
                 <a:buBlip>
-                  <a:blip r:embed="rId2"/>
+                  <a:blip r:embed="rId3"/>
                 </a:buBlip>
               </a:pPr>
               <a:t>10</a:t>
@@ -26888,7 +28191,7 @@
           <p:cNvPr id="4" name="Content Placeholder 3">
             <a:extLst>
               <a:ext uri="{FF2B5EF4-FFF2-40B4-BE49-F238E27FC236}">
-                <a16:creationId xmlns:a16="http://schemas.microsoft.com/office/drawing/2014/main" id="{08F47ADB-4326-CA48-C9FD-B72BCE9F35B1}"/>
+                <a16:creationId xmlns:a16="http://schemas.microsoft.com/office/drawing/2014/main" id="{A5B25A63-838F-726E-A5F3-390A1EC5586D}"/>
               </a:ext>
             </a:extLst>
           </p:cNvPr>
@@ -26905,106 +28208,27 @@
           <a:lstStyle/>
           <a:p>
             <a:r>
-              <a:rPr lang="en-GB" sz="2400" dirty="0"/>
-              <a:t>Special functions in </a:t>
-            </a:r>
-            <a:r>
-              <a:rPr lang="en-GB" sz="2400" b="0" dirty="0">
-                <a:effectLst/>
-              </a:rPr>
-              <a:t>"runtime"</a:t>
-            </a:r>
-          </a:p>
-          <a:p>
-            <a:pPr lvl="1"/>
-            <a:r>
-              <a:rPr lang="en-GB" sz="2400" b="0" dirty="0" err="1">
-                <a:effectLst/>
-              </a:rPr>
-              <a:t>runtime.SetMutexProfileFraction</a:t>
-            </a:r>
-            <a:r>
-              <a:rPr lang="en-GB" sz="2400" b="0" dirty="0">
-                <a:effectLst/>
-              </a:rPr>
-              <a:t>(100)</a:t>
-            </a:r>
-          </a:p>
-          <a:p>
-            <a:pPr lvl="1"/>
-            <a:r>
-              <a:rPr lang="en-GB" sz="2400" b="0" dirty="0" err="1">
-                <a:effectLst/>
-              </a:rPr>
-              <a:t>runtime.SetBlockProfileRate</a:t>
-            </a:r>
-            <a:r>
-              <a:rPr lang="en-GB" sz="2400" b="0" dirty="0">
-                <a:effectLst/>
-              </a:rPr>
-              <a:t>(100000000)</a:t>
-            </a:r>
-          </a:p>
-          <a:p>
-            <a:r>
-              <a:rPr lang="en-GB" sz="2400" dirty="0"/>
-              <a:t>Special functions in </a:t>
-            </a:r>
-            <a:r>
-              <a:rPr lang="en-GB" sz="2400" b="0" dirty="0">
-                <a:effectLst/>
-              </a:rPr>
-              <a:t>"runtime/trace“</a:t>
-            </a:r>
-            <a:endParaRPr lang="en-GB" sz="2400" dirty="0"/>
-          </a:p>
-          <a:p>
-            <a:pPr lvl="1"/>
-            <a:r>
-              <a:rPr lang="en-GB" sz="2400" b="0" dirty="0" err="1">
-                <a:effectLst/>
-              </a:rPr>
-              <a:t>trace.Start</a:t>
-            </a:r>
-            <a:r>
-              <a:rPr lang="en-GB" sz="2400" b="0" dirty="0">
-                <a:effectLst/>
-              </a:rPr>
-              <a:t>(</a:t>
-            </a:r>
-            <a:r>
-              <a:rPr lang="en-GB" sz="2400" b="0" dirty="0" err="1">
-                <a:effectLst/>
-              </a:rPr>
-              <a:t>traceFile</a:t>
-            </a:r>
-            <a:r>
-              <a:rPr lang="en-GB" sz="2400" b="0" dirty="0">
-                <a:effectLst/>
-              </a:rPr>
-              <a:t>) and </a:t>
-            </a:r>
-            <a:r>
-              <a:rPr lang="en-GB" sz="2400" b="0" dirty="0" err="1">
-                <a:effectLst/>
-              </a:rPr>
-              <a:t>trace.Stop</a:t>
-            </a:r>
-            <a:r>
-              <a:rPr lang="en-GB" sz="2400" b="0" dirty="0">
-                <a:effectLst/>
-              </a:rPr>
-              <a:t>()</a:t>
-            </a:r>
-          </a:p>
-          <a:p>
-            <a:endParaRPr lang="en-GB" b="0" dirty="0">
-              <a:solidFill>
-                <a:srgbClr val="CCCCCC"/>
-              </a:solidFill>
-              <a:effectLst/>
-              <a:latin typeface="Droid Sans Mono"/>
-            </a:endParaRPr>
+              <a:rPr lang="en-US" dirty="0" err="1"/>
+              <a:t>Goland</a:t>
+            </a:r>
+            <a:r>
+              <a:rPr lang="en-US" dirty="0"/>
+              <a:t> uses </a:t>
+            </a:r>
+            <a:r>
+              <a:rPr lang="en-US" dirty="0" err="1"/>
+              <a:t>pprof</a:t>
+            </a:r>
+            <a:r>
+              <a:rPr lang="en-US" dirty="0"/>
+              <a:t> under the covers</a:t>
+            </a:r>
+          </a:p>
+          <a:p>
+            <a:r>
+              <a:rPr lang="en-US" dirty="0"/>
+              <a:t>“Click on test file” -&gt; ”More Run/Debug” -&gt; “Profile With …”</a:t>
+            </a:r>
           </a:p>
           <a:p>
             <a:endParaRPr lang="en-GB" dirty="0"/>
@@ -27016,7 +28240,7 @@
           <p:cNvPr id="5" name="Title 4">
             <a:extLst>
               <a:ext uri="{FF2B5EF4-FFF2-40B4-BE49-F238E27FC236}">
-                <a16:creationId xmlns:a16="http://schemas.microsoft.com/office/drawing/2014/main" id="{B3F83949-3841-3440-1062-804D9395D350}"/>
+                <a16:creationId xmlns:a16="http://schemas.microsoft.com/office/drawing/2014/main" id="{CCE08579-8F9B-7788-2CDA-518D492D8B96}"/>
               </a:ext>
             </a:extLst>
           </p:cNvPr>
@@ -27034,24 +28258,56 @@
           <a:p>
             <a:r>
               <a:rPr lang="en-US" dirty="0"/>
-              <a:t>Embedding profile creation (</a:t>
+              <a:t>Profiling tests with </a:t>
             </a:r>
             <a:r>
               <a:rPr lang="en-US" dirty="0" err="1"/>
-              <a:t>cont</a:t>
-            </a:r>
-            <a:r>
-              <a:rPr lang="en-US" dirty="0"/>
-              <a:t>)</a:t>
+              <a:t>Goland</a:t>
             </a:r>
             <a:endParaRPr lang="en-GB" dirty="0"/>
           </a:p>
         </p:txBody>
       </p:sp>
+      <p:pic>
+        <p:nvPicPr>
+          <p:cNvPr id="7" name="Picture 6" descr="A screenshot of a computer program&#10;&#10;Description automatically generated">
+            <a:extLst>
+              <a:ext uri="{FF2B5EF4-FFF2-40B4-BE49-F238E27FC236}">
+                <a16:creationId xmlns:a16="http://schemas.microsoft.com/office/drawing/2014/main" id="{708AEA45-BE07-3EBD-2CF5-E161A0154A2F}"/>
+              </a:ext>
+            </a:extLst>
+          </p:cNvPr>
+          <p:cNvPicPr>
+            <a:picLocks noChangeAspect="1"/>
+          </p:cNvPicPr>
+          <p:nvPr/>
+        </p:nvPicPr>
+        <p:blipFill>
+          <a:blip r:embed="rId4">
+            <a:extLst>
+              <a:ext uri="{28A0092B-C50C-407E-A947-70E740481C1C}">
+                <a14:useLocalDpi xmlns:a14="http://schemas.microsoft.com/office/drawing/2010/main" val="0"/>
+              </a:ext>
+            </a:extLst>
+          </a:blip>
+          <a:stretch>
+            <a:fillRect/>
+          </a:stretch>
+        </p:blipFill>
+        <p:spPr>
+          <a:xfrm>
+            <a:off x="381600" y="1943548"/>
+            <a:ext cx="8183902" cy="4191647"/>
+          </a:xfrm>
+          <a:prstGeom prst="rect">
+            <a:avLst/>
+          </a:prstGeom>
+        </p:spPr>
+      </p:pic>
     </p:spTree>
     <p:extLst>
       <p:ext uri="{BB962C8B-B14F-4D97-AF65-F5344CB8AC3E}">
-        <p14:creationId xmlns:p14="http://schemas.microsoft.com/office/powerpoint/2010/main" val="1005760956"/>
+        <p14:creationId xmlns:p14="http://schemas.microsoft.com/office/powerpoint/2010/main" val="2764030272"/>
       </p:ext>
     </p:extLst>
   </p:cSld>
@@ -27095,7 +28351,7 @@
           <p:cNvPr id="2" name="Footer Placeholder 1">
             <a:extLst>
               <a:ext uri="{FF2B5EF4-FFF2-40B4-BE49-F238E27FC236}">
-                <a16:creationId xmlns:a16="http://schemas.microsoft.com/office/drawing/2014/main" id="{471E7451-6F69-56A4-0CCB-A4A3AA746A39}"/>
+                <a16:creationId xmlns:a16="http://schemas.microsoft.com/office/drawing/2014/main" id="{04018728-81AE-98DC-7CD0-FBB4CEFA6AA2}"/>
               </a:ext>
             </a:extLst>
           </p:cNvPr>
@@ -27124,7 +28380,7 @@
           <p:cNvPr id="3" name="Slide Number Placeholder 2">
             <a:extLst>
               <a:ext uri="{FF2B5EF4-FFF2-40B4-BE49-F238E27FC236}">
-                <a16:creationId xmlns:a16="http://schemas.microsoft.com/office/drawing/2014/main" id="{E687727A-FFE2-29A6-0D08-F11D01CADEF7}"/>
+                <a16:creationId xmlns:a16="http://schemas.microsoft.com/office/drawing/2014/main" id="{D13529D0-B832-ACCF-FE30-33F7E41AE057}"/>
               </a:ext>
             </a:extLst>
           </p:cNvPr>
@@ -27143,7 +28399,7 @@
             <a:pPr defTabSz="1088421">
               <a:buFontTx/>
               <a:buBlip>
-                <a:blip r:embed="rId2"/>
+                <a:blip r:embed="rId3"/>
               </a:buBlip>
             </a:pPr>
             <a:fld id="{104FC826-72BB-4AF1-BA01-A94F7396A7DC}" type="slidenum">
@@ -27151,7 +28407,7 @@
               <a:pPr defTabSz="1088421">
                 <a:buFontTx/>
                 <a:buBlip>
-                  <a:blip r:embed="rId2"/>
+                  <a:blip r:embed="rId3"/>
                 </a:buBlip>
               </a:pPr>
               <a:t>11</a:t>
@@ -27165,7 +28421,7 @@
           <p:cNvPr id="4" name="Content Placeholder 3">
             <a:extLst>
               <a:ext uri="{FF2B5EF4-FFF2-40B4-BE49-F238E27FC236}">
-                <a16:creationId xmlns:a16="http://schemas.microsoft.com/office/drawing/2014/main" id="{80231E20-B7A4-1BA1-DE45-39C57FD626D1}"/>
+                <a16:creationId xmlns:a16="http://schemas.microsoft.com/office/drawing/2014/main" id="{9DF2E7E2-3CBD-7182-0BD2-8803E67331E3}"/>
               </a:ext>
             </a:extLst>
           </p:cNvPr>
@@ -27178,14 +28434,20 @@
         </p:nvSpPr>
         <p:spPr/>
         <p:txBody>
-          <a:bodyPr/>
+          <a:bodyPr>
+            <a:normAutofit/>
+          </a:bodyPr>
           <a:lstStyle/>
           <a:p>
+            <a:r>
+              <a:rPr lang="en-GB" sz="2400" dirty="0"/>
+              <a:t>Profiles in </a:t>
+            </a:r>
             <a:r>
               <a:rPr lang="en-GB" sz="2400" b="0" dirty="0">
                 <a:effectLst/>
               </a:rPr>
-              <a:t>_ "net/http/</a:t>
+              <a:t>"runtime/</a:t>
             </a:r>
             <a:r>
               <a:rPr lang="en-GB" sz="2400" b="0" dirty="0" err="1">
@@ -27197,68 +28459,280 @@
               <a:rPr lang="en-GB" sz="2400" b="0" dirty="0">
                 <a:effectLst/>
               </a:rPr>
-              <a:t>“</a:t>
-            </a:r>
-          </a:p>
-          <a:p>
-            <a:r>
-              <a:rPr lang="en-GB" sz="2400" dirty="0"/>
-              <a:t>Add the following code:</a:t>
-            </a:r>
-            <a:endParaRPr lang="en-GB" sz="2400" b="0" dirty="0">
-              <a:effectLst/>
-            </a:endParaRPr>
-          </a:p>
-          <a:p>
-            <a:pPr marL="0" indent="0">
-              <a:buNone/>
-            </a:pPr>
-            <a:r>
-              <a:rPr lang="pl-PL" sz="2400" b="0" dirty="0">
+              <a:t>“   // returns *</a:t>
+            </a:r>
+            <a:r>
+              <a:rPr lang="en-GB" sz="2400" b="0" dirty="0" err="1">
                 <a:effectLst/>
               </a:rPr>
-              <a:t>go func() {</a:t>
-            </a:r>
-          </a:p>
-          <a:p>
-            <a:pPr marL="0" indent="0">
-              <a:buNone/>
-            </a:pPr>
-            <a:r>
-              <a:rPr lang="en-US" sz="2400" dirty="0"/>
-              <a:t>	</a:t>
-            </a:r>
-            <a:r>
-              <a:rPr lang="pl-PL" sz="2400" b="0" dirty="0">
-                <a:effectLst/>
-              </a:rPr>
-              <a:t>log.Println(http.ListenAndServe("localhost:6060", nil))</a:t>
-            </a:r>
-          </a:p>
-          <a:p>
-            <a:pPr marL="0" indent="0">
-              <a:buNone/>
-            </a:pPr>
-            <a:r>
-              <a:rPr lang="pl-PL" sz="2400" b="0" dirty="0">
-                <a:effectLst/>
-              </a:rPr>
-              <a:t>}()</a:t>
-            </a:r>
-            <a:endParaRPr lang="en-US" sz="2400" b="0" dirty="0">
-              <a:effectLst/>
-            </a:endParaRPr>
-          </a:p>
-          <a:p>
-            <a:r>
-              <a:rPr lang="en-US" sz="2400" dirty="0"/>
-              <a:t>Visit </a:t>
+              <a:t>pprof</a:t>
             </a:r>
             <a:r>
               <a:rPr lang="en-GB" sz="2400" b="0" dirty="0">
                 <a:effectLst/>
               </a:rPr>
-              <a:t>http://localhost:6060/debug/pprof/</a:t>
+              <a:t> .Profile</a:t>
+            </a:r>
+            <a:endParaRPr lang="en-GB" sz="2400" dirty="0"/>
+          </a:p>
+          <a:p>
+            <a:pPr lvl="1"/>
+            <a:r>
+              <a:rPr lang="en-GB" sz="2400" b="0" dirty="0" err="1">
+                <a:effectLst/>
+              </a:rPr>
+              <a:t>pprof.Lookup</a:t>
+            </a:r>
+            <a:r>
+              <a:rPr lang="en-GB" sz="2400" b="0" dirty="0">
+                <a:effectLst/>
+              </a:rPr>
+              <a:t>("goroutine").</a:t>
+            </a:r>
+            <a:r>
+              <a:rPr lang="en-GB" sz="2400" b="0" dirty="0" err="1">
+                <a:effectLst/>
+              </a:rPr>
+              <a:t>WriteTo</a:t>
+            </a:r>
+            <a:r>
+              <a:rPr lang="en-GB" sz="2400" b="0" dirty="0">
+                <a:effectLst/>
+              </a:rPr>
+              <a:t>(f, 0)</a:t>
+            </a:r>
+          </a:p>
+          <a:p>
+            <a:pPr lvl="1"/>
+            <a:r>
+              <a:rPr lang="en-GB" sz="2400" b="0" dirty="0" err="1">
+                <a:effectLst/>
+              </a:rPr>
+              <a:t>pprof.Lookup</a:t>
+            </a:r>
+            <a:r>
+              <a:rPr lang="en-GB" sz="2400" b="0" dirty="0">
+                <a:effectLst/>
+              </a:rPr>
+              <a:t>("</a:t>
+            </a:r>
+            <a:r>
+              <a:rPr lang="en-GB" sz="2400" dirty="0" err="1"/>
+              <a:t>threadcreate</a:t>
+            </a:r>
+            <a:r>
+              <a:rPr lang="en-GB" sz="2400" b="0" dirty="0">
+                <a:effectLst/>
+              </a:rPr>
+              <a:t>").</a:t>
+            </a:r>
+            <a:r>
+              <a:rPr lang="en-GB" sz="2400" b="0" dirty="0" err="1">
+                <a:effectLst/>
+              </a:rPr>
+              <a:t>WriteTo</a:t>
+            </a:r>
+            <a:r>
+              <a:rPr lang="en-GB" sz="2400" b="0" dirty="0">
+                <a:effectLst/>
+              </a:rPr>
+              <a:t>(f, 0)</a:t>
+            </a:r>
+          </a:p>
+          <a:p>
+            <a:pPr lvl="1"/>
+            <a:r>
+              <a:rPr lang="en-GB" sz="2400" b="0" dirty="0" err="1">
+                <a:effectLst/>
+              </a:rPr>
+              <a:t>pprof.Lookup</a:t>
+            </a:r>
+            <a:r>
+              <a:rPr lang="en-GB" sz="2400" b="0" dirty="0">
+                <a:effectLst/>
+              </a:rPr>
+              <a:t>("</a:t>
+            </a:r>
+            <a:r>
+              <a:rPr lang="en-GB" sz="2400" dirty="0"/>
+              <a:t>heap</a:t>
+            </a:r>
+            <a:r>
+              <a:rPr lang="en-GB" sz="2400" b="0" dirty="0">
+                <a:effectLst/>
+              </a:rPr>
+              <a:t>").</a:t>
+            </a:r>
+            <a:r>
+              <a:rPr lang="en-GB" sz="2400" b="0" dirty="0" err="1">
+                <a:effectLst/>
+              </a:rPr>
+              <a:t>WriteTo</a:t>
+            </a:r>
+            <a:r>
+              <a:rPr lang="en-GB" sz="2400" b="0" dirty="0">
+                <a:effectLst/>
+              </a:rPr>
+              <a:t>(f, 0)</a:t>
+            </a:r>
+          </a:p>
+          <a:p>
+            <a:pPr lvl="1"/>
+            <a:r>
+              <a:rPr lang="en-GB" sz="2400" b="0" dirty="0" err="1">
+                <a:effectLst/>
+              </a:rPr>
+              <a:t>pprof.Lookup</a:t>
+            </a:r>
+            <a:r>
+              <a:rPr lang="en-GB" sz="2400" b="0" dirty="0">
+                <a:effectLst/>
+              </a:rPr>
+              <a:t>("</a:t>
+            </a:r>
+            <a:r>
+              <a:rPr lang="en-GB" sz="2400" dirty="0" err="1"/>
+              <a:t>allocs</a:t>
+            </a:r>
+            <a:r>
+              <a:rPr lang="en-GB" sz="2400" b="0" dirty="0">
+                <a:effectLst/>
+              </a:rPr>
+              <a:t>").</a:t>
+            </a:r>
+            <a:r>
+              <a:rPr lang="en-GB" sz="2400" b="0" dirty="0" err="1">
+                <a:effectLst/>
+              </a:rPr>
+              <a:t>WriteTo</a:t>
+            </a:r>
+            <a:r>
+              <a:rPr lang="en-GB" sz="2400" b="0" dirty="0">
+                <a:effectLst/>
+              </a:rPr>
+              <a:t>(f, 0)</a:t>
+            </a:r>
+          </a:p>
+          <a:p>
+            <a:pPr lvl="1"/>
+            <a:r>
+              <a:rPr lang="en-GB" sz="2400" b="0" dirty="0" err="1">
+                <a:effectLst/>
+              </a:rPr>
+              <a:t>pprof.Lookup</a:t>
+            </a:r>
+            <a:r>
+              <a:rPr lang="en-GB" sz="2400" b="0" dirty="0">
+                <a:effectLst/>
+              </a:rPr>
+              <a:t>("block").</a:t>
+            </a:r>
+            <a:r>
+              <a:rPr lang="en-GB" sz="2400" b="0" dirty="0" err="1">
+                <a:effectLst/>
+              </a:rPr>
+              <a:t>WriteTo</a:t>
+            </a:r>
+            <a:r>
+              <a:rPr lang="en-GB" sz="2400" b="0" dirty="0">
+                <a:effectLst/>
+              </a:rPr>
+              <a:t>(f, 0)</a:t>
+            </a:r>
+          </a:p>
+          <a:p>
+            <a:pPr lvl="1"/>
+            <a:r>
+              <a:rPr lang="en-GB" sz="2400" b="0" dirty="0" err="1">
+                <a:effectLst/>
+              </a:rPr>
+              <a:t>pprof.Lookup</a:t>
+            </a:r>
+            <a:r>
+              <a:rPr lang="en-GB" sz="2400" b="0" dirty="0">
+                <a:effectLst/>
+              </a:rPr>
+              <a:t>("mutex").</a:t>
+            </a:r>
+            <a:r>
+              <a:rPr lang="en-GB" sz="2400" b="0" dirty="0" err="1">
+                <a:effectLst/>
+              </a:rPr>
+              <a:t>WriteTo</a:t>
+            </a:r>
+            <a:r>
+              <a:rPr lang="en-GB" sz="2400" b="0" dirty="0">
+                <a:effectLst/>
+              </a:rPr>
+              <a:t>(f, 0)</a:t>
+            </a:r>
+            <a:endParaRPr lang="en-GB" sz="2400" dirty="0"/>
+          </a:p>
+          <a:p>
+            <a:r>
+              <a:rPr lang="en-GB" sz="2400" dirty="0"/>
+              <a:t>Special functions in </a:t>
+            </a:r>
+            <a:r>
+              <a:rPr lang="en-GB" sz="2400" b="0" dirty="0">
+                <a:effectLst/>
+              </a:rPr>
+              <a:t>"runtime/</a:t>
+            </a:r>
+            <a:r>
+              <a:rPr lang="en-GB" sz="2400" b="0" dirty="0" err="1">
+                <a:effectLst/>
+              </a:rPr>
+              <a:t>pprof</a:t>
+            </a:r>
+            <a:r>
+              <a:rPr lang="en-GB" sz="2400" b="0" dirty="0">
+                <a:effectLst/>
+              </a:rPr>
+              <a:t>"</a:t>
+            </a:r>
+            <a:endParaRPr lang="en-GB" sz="2400" dirty="0"/>
+          </a:p>
+          <a:p>
+            <a:pPr lvl="1"/>
+            <a:r>
+              <a:rPr lang="en-GB" sz="2400" b="0" dirty="0" err="1">
+                <a:effectLst/>
+              </a:rPr>
+              <a:t>pprof.StartCPUProfile</a:t>
+            </a:r>
+            <a:r>
+              <a:rPr lang="en-GB" sz="2400" b="0" dirty="0">
+                <a:effectLst/>
+              </a:rPr>
+              <a:t>(f)  and </a:t>
+            </a:r>
+            <a:r>
+              <a:rPr lang="en-GB" sz="2400" b="0" dirty="0" err="1">
+                <a:effectLst/>
+              </a:rPr>
+              <a:t>pprof.StopCPUProfile</a:t>
+            </a:r>
+            <a:r>
+              <a:rPr lang="en-GB" sz="2400" b="0" dirty="0">
+                <a:effectLst/>
+              </a:rPr>
+              <a:t>()</a:t>
+            </a:r>
+          </a:p>
+          <a:p>
+            <a:pPr lvl="1"/>
+            <a:r>
+              <a:rPr lang="en-GB" sz="2400" b="0" dirty="0" err="1">
+                <a:effectLst/>
+              </a:rPr>
+              <a:t>pprof.WriteHeapProfile</a:t>
+            </a:r>
+            <a:r>
+              <a:rPr lang="en-GB" sz="2400" b="0" dirty="0">
+                <a:effectLst/>
+              </a:rPr>
+              <a:t>(f)</a:t>
             </a:r>
           </a:p>
         </p:txBody>
@@ -27268,7 +28742,7 @@
           <p:cNvPr id="5" name="Title 4">
             <a:extLst>
               <a:ext uri="{FF2B5EF4-FFF2-40B4-BE49-F238E27FC236}">
-                <a16:creationId xmlns:a16="http://schemas.microsoft.com/office/drawing/2014/main" id="{671474A8-575D-07B1-2C9D-A95113469ECC}"/>
+                <a16:creationId xmlns:a16="http://schemas.microsoft.com/office/drawing/2014/main" id="{89EE10FD-3F9C-58BB-3850-E81694DF8D6C}"/>
               </a:ext>
             </a:extLst>
           </p:cNvPr>
@@ -27286,7 +28760,7 @@
           <a:p>
             <a:r>
               <a:rPr lang="en-US" dirty="0"/>
-              <a:t>Embedding profile endpoint</a:t>
+              <a:t>Embedding profile creation</a:t>
             </a:r>
             <a:endParaRPr lang="en-GB" dirty="0"/>
           </a:p>
@@ -27295,7 +28769,7 @@
     </p:spTree>
     <p:extLst>
       <p:ext uri="{BB962C8B-B14F-4D97-AF65-F5344CB8AC3E}">
-        <p14:creationId xmlns:p14="http://schemas.microsoft.com/office/powerpoint/2010/main" val="2906831153"/>
+        <p14:creationId xmlns:p14="http://schemas.microsoft.com/office/powerpoint/2010/main" val="1640591542"/>
       </p:ext>
     </p:extLst>
   </p:cSld>
@@ -27339,7 +28813,7 @@
           <p:cNvPr id="2" name="Footer Placeholder 1">
             <a:extLst>
               <a:ext uri="{FF2B5EF4-FFF2-40B4-BE49-F238E27FC236}">
-                <a16:creationId xmlns:a16="http://schemas.microsoft.com/office/drawing/2014/main" id="{3C065AFD-52BE-7C06-BEAE-C712A45234CB}"/>
+                <a16:creationId xmlns:a16="http://schemas.microsoft.com/office/drawing/2014/main" id="{D394F284-18B4-5084-6352-4B18FDAECBC0}"/>
               </a:ext>
             </a:extLst>
           </p:cNvPr>
@@ -27368,7 +28842,7 @@
           <p:cNvPr id="3" name="Slide Number Placeholder 2">
             <a:extLst>
               <a:ext uri="{FF2B5EF4-FFF2-40B4-BE49-F238E27FC236}">
-                <a16:creationId xmlns:a16="http://schemas.microsoft.com/office/drawing/2014/main" id="{7A9E35F9-C2F1-A92F-05DF-7D3532B86D08}"/>
+                <a16:creationId xmlns:a16="http://schemas.microsoft.com/office/drawing/2014/main" id="{2AF236A6-F397-878C-D80D-81ACA7E32D17}"/>
               </a:ext>
             </a:extLst>
           </p:cNvPr>
@@ -27409,7 +28883,7 @@
           <p:cNvPr id="4" name="Content Placeholder 3">
             <a:extLst>
               <a:ext uri="{FF2B5EF4-FFF2-40B4-BE49-F238E27FC236}">
-                <a16:creationId xmlns:a16="http://schemas.microsoft.com/office/drawing/2014/main" id="{326D25FF-C9FD-1D90-9FCD-7EF0D120567D}"/>
+                <a16:creationId xmlns:a16="http://schemas.microsoft.com/office/drawing/2014/main" id="{08F47ADB-4326-CA48-C9FD-B72BCE9F35B1}"/>
               </a:ext>
             </a:extLst>
           </p:cNvPr>
@@ -27426,370 +28900,106 @@
           <a:lstStyle/>
           <a:p>
             <a:r>
-              <a:rPr lang="en-US" sz="2000" dirty="0"/>
-              <a:t>Go </a:t>
-            </a:r>
-            <a:r>
-              <a:rPr lang="en-GB" sz="2000" dirty="0"/>
-              <a:t>Diagnostics</a:t>
-            </a:r>
-            <a:r>
-              <a:rPr lang="en-US" sz="2000" dirty="0"/>
-              <a:t>		</a:t>
-            </a:r>
-            <a:r>
-              <a:rPr lang="en-GB" sz="2000" u="sng" dirty="0">
-                <a:solidFill>
-                  <a:srgbClr val="0070C0"/>
-                </a:solidFill>
+              <a:rPr lang="en-GB" sz="2400" dirty="0"/>
+              <a:t>Special functions in </a:t>
+            </a:r>
+            <a:r>
+              <a:rPr lang="en-GB" sz="2400" b="0" dirty="0">
                 <a:effectLst/>
               </a:rPr>
-              <a:t>https://go.dev/doc/diagnostics</a:t>
-            </a:r>
-            <a:endParaRPr lang="en-GB" sz="2000" dirty="0">
+              <a:t>"runtime"</a:t>
+            </a:r>
+          </a:p>
+          <a:p>
+            <a:pPr lvl="1"/>
+            <a:r>
+              <a:rPr lang="en-GB" sz="2400" b="0" dirty="0" err="1">
+                <a:effectLst/>
+              </a:rPr>
+              <a:t>runtime.SetMutexProfileFraction</a:t>
+            </a:r>
+            <a:r>
+              <a:rPr lang="en-GB" sz="2400" b="0" dirty="0">
+                <a:effectLst/>
+              </a:rPr>
+              <a:t>(100)</a:t>
+            </a:r>
+          </a:p>
+          <a:p>
+            <a:pPr lvl="1"/>
+            <a:r>
+              <a:rPr lang="en-GB" sz="2400" b="0" dirty="0" err="1">
+                <a:effectLst/>
+              </a:rPr>
+              <a:t>runtime.SetBlockProfileRate</a:t>
+            </a:r>
+            <a:r>
+              <a:rPr lang="en-GB" sz="2400" b="0" dirty="0">
+                <a:effectLst/>
+              </a:rPr>
+              <a:t>(100000000)</a:t>
+            </a:r>
+          </a:p>
+          <a:p>
+            <a:r>
+              <a:rPr lang="en-GB" sz="2400" dirty="0"/>
+              <a:t>Special functions in </a:t>
+            </a:r>
+            <a:r>
+              <a:rPr lang="en-GB" sz="2400" b="0" dirty="0">
+                <a:effectLst/>
+              </a:rPr>
+              <a:t>"runtime/trace“</a:t>
+            </a:r>
+            <a:endParaRPr lang="en-GB" sz="2400" dirty="0"/>
+          </a:p>
+          <a:p>
+            <a:pPr lvl="1"/>
+            <a:r>
+              <a:rPr lang="en-GB" sz="2400" b="0" dirty="0" err="1">
+                <a:effectLst/>
+              </a:rPr>
+              <a:t>trace.Start</a:t>
+            </a:r>
+            <a:r>
+              <a:rPr lang="en-GB" sz="2400" b="0" dirty="0">
+                <a:effectLst/>
+              </a:rPr>
+              <a:t>(</a:t>
+            </a:r>
+            <a:r>
+              <a:rPr lang="en-GB" sz="2400" b="0" dirty="0" err="1">
+                <a:effectLst/>
+              </a:rPr>
+              <a:t>traceFile</a:t>
+            </a:r>
+            <a:r>
+              <a:rPr lang="en-GB" sz="2400" b="0" dirty="0">
+                <a:effectLst/>
+              </a:rPr>
+              <a:t>) and </a:t>
+            </a:r>
+            <a:r>
+              <a:rPr lang="en-GB" sz="2400" b="0" dirty="0" err="1">
+                <a:effectLst/>
+              </a:rPr>
+              <a:t>trace.Stop</a:t>
+            </a:r>
+            <a:r>
+              <a:rPr lang="en-GB" sz="2400" b="0" dirty="0">
+                <a:effectLst/>
+              </a:rPr>
+              <a:t>()</a:t>
+            </a:r>
+          </a:p>
+          <a:p>
+            <a:endParaRPr lang="en-GB" b="0" dirty="0">
               <a:solidFill>
-                <a:srgbClr val="0070C0"/>
+                <a:srgbClr val="CCCCCC"/>
               </a:solidFill>
               <a:effectLst/>
+              <a:latin typeface="Droid Sans Mono"/>
             </a:endParaRPr>
-          </a:p>
-          <a:p>
-            <a:r>
-              <a:rPr lang="en-GB" sz="2000" dirty="0"/>
-              <a:t>Profiling Go Programs	</a:t>
-            </a:r>
-            <a:r>
-              <a:rPr lang="en-GB" sz="2000" dirty="0">
-                <a:solidFill>
-                  <a:srgbClr val="0070C0"/>
-                </a:solidFill>
-                <a:hlinkClick r:id="rId3">
-                  <a:extLst>
-                    <a:ext uri="{A12FA001-AC4F-418D-AE19-62706E023703}">
-                      <ahyp:hlinkClr xmlns:ahyp="http://schemas.microsoft.com/office/drawing/2018/hyperlinkcolor" val="tx"/>
-                    </a:ext>
-                  </a:extLst>
-                </a:hlinkClick>
-              </a:rPr>
-              <a:t>https://go.dev/blog/pprof</a:t>
-            </a:r>
-            <a:endParaRPr lang="en-GB" sz="2000" dirty="0">
-              <a:solidFill>
-                <a:srgbClr val="0070C0"/>
-              </a:solidFill>
-            </a:endParaRPr>
-          </a:p>
-          <a:p>
-            <a:r>
-              <a:rPr lang="en-GB" sz="2000" dirty="0">
-                <a:effectLst/>
-              </a:rPr>
-              <a:t>Testing flags		</a:t>
-            </a:r>
-            <a:r>
-              <a:rPr lang="en-GB" sz="2000" dirty="0">
-                <a:solidFill>
-                  <a:srgbClr val="0070C0"/>
-                </a:solidFill>
-                <a:effectLst/>
-                <a:hlinkClick r:id="rId4">
-                  <a:extLst>
-                    <a:ext uri="{A12FA001-AC4F-418D-AE19-62706E023703}">
-                      <ahyp:hlinkClr xmlns:ahyp="http://schemas.microsoft.com/office/drawing/2018/hyperlinkcolor" val="tx"/>
-                    </a:ext>
-                  </a:extLst>
-                </a:hlinkClick>
-              </a:rPr>
-              <a:t>https://pkg.go.dev/cmd/go#hdr-Testing_flags</a:t>
-            </a:r>
-            <a:endParaRPr lang="en-GB" sz="2000" dirty="0">
-              <a:solidFill>
-                <a:srgbClr val="0070C0"/>
-              </a:solidFill>
-              <a:effectLst/>
-            </a:endParaRPr>
-          </a:p>
-          <a:p>
-            <a:r>
-              <a:rPr lang="en-GB" sz="2000" dirty="0"/>
-              <a:t>Runtime </a:t>
-            </a:r>
-            <a:r>
-              <a:rPr lang="en-GB" sz="2000" dirty="0" err="1"/>
-              <a:t>pprof</a:t>
-            </a:r>
-            <a:r>
-              <a:rPr lang="en-GB" sz="2000" dirty="0"/>
-              <a:t>		</a:t>
-            </a:r>
-            <a:r>
-              <a:rPr lang="en-GB" sz="2000" u="sng" dirty="0">
-                <a:solidFill>
-                  <a:srgbClr val="0070C0"/>
-                </a:solidFill>
-              </a:rPr>
-              <a:t>https://pkg.go.dev/runtime/pprof</a:t>
-            </a:r>
-          </a:p>
-          <a:p>
-            <a:r>
-              <a:rPr lang="en-GB" sz="2000" dirty="0"/>
-              <a:t>Web </a:t>
-            </a:r>
-            <a:r>
-              <a:rPr lang="en-GB" sz="2000" dirty="0" err="1"/>
-              <a:t>pprof</a:t>
-            </a:r>
-            <a:r>
-              <a:rPr lang="en-GB" sz="2000" dirty="0"/>
-              <a:t>		</a:t>
-            </a:r>
-            <a:r>
-              <a:rPr lang="en-GB" sz="2000" dirty="0">
-                <a:solidFill>
-                  <a:srgbClr val="0070C0"/>
-                </a:solidFill>
-                <a:effectLst/>
-                <a:hlinkClick r:id="rId5">
-                  <a:extLst>
-                    <a:ext uri="{A12FA001-AC4F-418D-AE19-62706E023703}">
-                      <ahyp:hlinkClr xmlns:ahyp="http://schemas.microsoft.com/office/drawing/2018/hyperlinkcolor" val="tx"/>
-                    </a:ext>
-                  </a:extLst>
-                </a:hlinkClick>
-              </a:rPr>
-              <a:t>https://pkg.go.dev/net/http/pprof</a:t>
-            </a:r>
-            <a:endParaRPr lang="en-GB" sz="2000" dirty="0">
-              <a:solidFill>
-                <a:srgbClr val="0070C0"/>
-              </a:solidFill>
-              <a:effectLst/>
-            </a:endParaRPr>
-          </a:p>
-          <a:p>
-            <a:r>
-              <a:rPr lang="en-GB" sz="2000" dirty="0"/>
-              <a:t>Go tools (see </a:t>
-            </a:r>
-            <a:r>
-              <a:rPr lang="en-GB" sz="2000" dirty="0" err="1"/>
-              <a:t>cmd</a:t>
-            </a:r>
-            <a:r>
-              <a:rPr lang="en-GB" sz="2000" dirty="0"/>
-              <a:t>)</a:t>
-            </a:r>
-            <a:r>
-              <a:rPr lang="en-GB" sz="2000" dirty="0">
-                <a:solidFill>
-                  <a:srgbClr val="0070C0"/>
-                </a:solidFill>
-              </a:rPr>
-              <a:t>	https://pkg.go.dev/golang.org/x/tools</a:t>
-            </a:r>
-            <a:endParaRPr lang="en-GB" sz="2000" dirty="0">
-              <a:solidFill>
-                <a:srgbClr val="0070C0"/>
-              </a:solidFill>
-              <a:effectLst/>
-            </a:endParaRPr>
-          </a:p>
-          <a:p>
-            <a:r>
-              <a:rPr lang="en-GB" sz="2000" dirty="0">
-                <a:effectLst/>
-              </a:rPr>
-              <a:t>Dave Cheney talk 	</a:t>
-            </a:r>
-            <a:r>
-              <a:rPr lang="en-GB" sz="2000" u="sng" dirty="0">
-                <a:solidFill>
-                  <a:srgbClr val="0070C0"/>
-                </a:solidFill>
-                <a:effectLst/>
-              </a:rPr>
-              <a:t>https://www.youtube.com/watch?v=nok0aYiGiYA</a:t>
-            </a:r>
-            <a:endParaRPr lang="en-GB" sz="2000" dirty="0">
-              <a:solidFill>
-                <a:srgbClr val="0070C0"/>
-              </a:solidFill>
-              <a:effectLst/>
-            </a:endParaRPr>
-          </a:p>
-          <a:p>
-            <a:r>
-              <a:rPr lang="en-GB" sz="2000" dirty="0">
-                <a:effectLst/>
-              </a:rPr>
-              <a:t>Dave Cheney workshop 	</a:t>
-            </a:r>
-            <a:r>
-              <a:rPr lang="en-GB" sz="2000" u="sng" dirty="0">
-                <a:solidFill>
-                  <a:srgbClr val="0070C0"/>
-                </a:solidFill>
-                <a:effectLst/>
-              </a:rPr>
-              <a:t>https://dave.cheney.net/high-performance-go-workshop/dotgo-paris.html</a:t>
-            </a:r>
-            <a:endParaRPr lang="en-GB" sz="2000" dirty="0">
-              <a:solidFill>
-                <a:srgbClr val="0070C0"/>
-              </a:solidFill>
-              <a:effectLst/>
-            </a:endParaRPr>
-          </a:p>
-          <a:p>
-            <a:r>
-              <a:rPr lang="en-GB" sz="2000" dirty="0"/>
-              <a:t>Brad Fitzpatrick (2015)	</a:t>
-            </a:r>
-            <a:r>
-              <a:rPr lang="en-GB" sz="2000" dirty="0">
-                <a:solidFill>
-                  <a:srgbClr val="0070C0"/>
-                </a:solidFill>
-                <a:effectLst/>
-                <a:hlinkClick r:id="rId6">
-                  <a:extLst>
-                    <a:ext uri="{A12FA001-AC4F-418D-AE19-62706E023703}">
-                      <ahyp:hlinkClr xmlns:ahyp="http://schemas.microsoft.com/office/drawing/2018/hyperlinkcolor" val="tx"/>
-                    </a:ext>
-                  </a:extLst>
-                </a:hlinkClick>
-              </a:rPr>
-              <a:t>https://www.youtube.com/watch?v=xxDZuPEgbBU</a:t>
-            </a:r>
-            <a:endParaRPr lang="en-GB" sz="2000" dirty="0">
-              <a:effectLst/>
-            </a:endParaRPr>
-          </a:p>
-          <a:p>
-            <a:r>
-              <a:rPr lang="en-GB" sz="2000" dirty="0" err="1">
-                <a:effectLst/>
-              </a:rPr>
-              <a:t>DataDog</a:t>
-            </a:r>
-            <a:r>
-              <a:rPr lang="en-GB" sz="2000" dirty="0">
-                <a:effectLst/>
-              </a:rPr>
-              <a:t> 		</a:t>
-            </a:r>
-            <a:r>
-              <a:rPr lang="en-GB" sz="2000" u="sng" dirty="0">
-                <a:solidFill>
-                  <a:srgbClr val="0070C0"/>
-                </a:solidFill>
-                <a:effectLst/>
-              </a:rPr>
-              <a:t>https://github.com/DataDog/go-profiler-notes/blob/main/guide/README.md</a:t>
-            </a:r>
-            <a:endParaRPr lang="en-GB" sz="2000" dirty="0">
-              <a:solidFill>
-                <a:srgbClr val="0070C0"/>
-              </a:solidFill>
-              <a:effectLst/>
-            </a:endParaRPr>
-          </a:p>
-          <a:p>
-            <a:r>
-              <a:rPr lang="en-GB" sz="2000" dirty="0" err="1">
-                <a:effectLst/>
-              </a:rPr>
-              <a:t>Goland</a:t>
-            </a:r>
-            <a:r>
-              <a:rPr lang="en-GB" sz="2000" dirty="0">
-                <a:effectLst/>
-              </a:rPr>
-              <a:t> (</a:t>
-            </a:r>
-            <a:r>
-              <a:rPr lang="en-GB" sz="2000" dirty="0" err="1">
-                <a:effectLst/>
-              </a:rPr>
-              <a:t>jetbrains</a:t>
-            </a:r>
-            <a:r>
-              <a:rPr lang="en-GB" sz="2000" dirty="0">
-                <a:effectLst/>
-              </a:rPr>
-              <a:t>)	</a:t>
-            </a:r>
-            <a:r>
-              <a:rPr lang="en-GB" sz="2000" dirty="0">
-                <a:solidFill>
-                  <a:srgbClr val="0070C0"/>
-                </a:solidFill>
-                <a:effectLst/>
-              </a:rPr>
-              <a:t>https://blog.jetbrains.com/go/2023/02/02/profiling-go-code-with-goland/</a:t>
-            </a:r>
-          </a:p>
-          <a:p>
-            <a:r>
-              <a:rPr lang="en-GB" sz="2000" b="0" dirty="0">
-                <a:effectLst/>
-              </a:rPr>
-              <a:t>Older </a:t>
-            </a:r>
-            <a:r>
-              <a:rPr lang="en-GB" sz="2000" b="0" dirty="0" err="1">
-                <a:effectLst/>
-              </a:rPr>
-              <a:t>Goland</a:t>
-            </a:r>
-            <a:r>
-              <a:rPr lang="en-GB" sz="2000" b="0" dirty="0">
-                <a:effectLst/>
-              </a:rPr>
-              <a:t>		</a:t>
-            </a:r>
-            <a:r>
-              <a:rPr lang="en-GB" sz="2000" b="0" u="sng" dirty="0">
-                <a:solidFill>
-                  <a:srgbClr val="0070C0"/>
-                </a:solidFill>
-                <a:effectLst/>
-              </a:rPr>
-              <a:t>https://blog.jetbrains.com/go/2019/04/03/profiling-go-applications-and-tests/</a:t>
-            </a:r>
-            <a:endParaRPr lang="en-GB" sz="2000" b="0" dirty="0">
-              <a:effectLst/>
-            </a:endParaRPr>
-          </a:p>
-          <a:p>
-            <a:r>
-              <a:rPr lang="en-GB" sz="2000" b="0" dirty="0" err="1">
-                <a:effectLst/>
-              </a:rPr>
-              <a:t>Infoq</a:t>
-            </a:r>
-            <a:r>
-              <a:rPr lang="en-GB" sz="2000" b="0" dirty="0">
-                <a:solidFill>
-                  <a:srgbClr val="CCCCCC"/>
-                </a:solidFill>
-                <a:effectLst/>
-              </a:rPr>
-              <a:t>			</a:t>
-            </a:r>
-            <a:r>
-              <a:rPr lang="en-GB" sz="2000" b="0" dirty="0">
-                <a:solidFill>
-                  <a:srgbClr val="0070C0"/>
-                </a:solidFill>
-                <a:effectLst/>
-              </a:rPr>
-              <a:t>https://www.infoq.com/articles/debugging-go-programs-pprof-trace/</a:t>
-            </a:r>
-          </a:p>
-          <a:p>
-            <a:endParaRPr lang="en-GB" dirty="0"/>
           </a:p>
           <a:p>
             <a:endParaRPr lang="en-GB" dirty="0"/>
@@ -27801,7 +29011,7 @@
           <p:cNvPr id="5" name="Title 4">
             <a:extLst>
               <a:ext uri="{FF2B5EF4-FFF2-40B4-BE49-F238E27FC236}">
-                <a16:creationId xmlns:a16="http://schemas.microsoft.com/office/drawing/2014/main" id="{C0258457-6C1D-A3D9-1C7E-042D4D1DBA20}"/>
+                <a16:creationId xmlns:a16="http://schemas.microsoft.com/office/drawing/2014/main" id="{B3F83949-3841-3440-1062-804D9395D350}"/>
               </a:ext>
             </a:extLst>
           </p:cNvPr>
@@ -27819,7 +29029,15 @@
           <a:p>
             <a:r>
               <a:rPr lang="en-US" dirty="0"/>
-              <a:t>Resources</a:t>
+              <a:t>Embedding profile creation (</a:t>
+            </a:r>
+            <a:r>
+              <a:rPr lang="en-US" dirty="0" err="1"/>
+              <a:t>cont</a:t>
+            </a:r>
+            <a:r>
+              <a:rPr lang="en-US" dirty="0"/>
+              <a:t>)</a:t>
             </a:r>
             <a:endParaRPr lang="en-GB" dirty="0"/>
           </a:p>
@@ -27828,7 +29046,7 @@
     </p:spTree>
     <p:extLst>
       <p:ext uri="{BB962C8B-B14F-4D97-AF65-F5344CB8AC3E}">
-        <p14:creationId xmlns:p14="http://schemas.microsoft.com/office/powerpoint/2010/main" val="594164920"/>
+        <p14:creationId xmlns:p14="http://schemas.microsoft.com/office/powerpoint/2010/main" val="1005760956"/>
       </p:ext>
     </p:extLst>
   </p:cSld>
@@ -27872,7 +29090,7 @@
           <p:cNvPr id="2" name="Footer Placeholder 1">
             <a:extLst>
               <a:ext uri="{FF2B5EF4-FFF2-40B4-BE49-F238E27FC236}">
-                <a16:creationId xmlns:a16="http://schemas.microsoft.com/office/drawing/2014/main" id="{F8E9DC2B-74F2-9F43-231B-9746932150D3}"/>
+                <a16:creationId xmlns:a16="http://schemas.microsoft.com/office/drawing/2014/main" id="{471E7451-6F69-56A4-0CCB-A4A3AA746A39}"/>
               </a:ext>
             </a:extLst>
           </p:cNvPr>
@@ -27901,7 +29119,7 @@
           <p:cNvPr id="3" name="Slide Number Placeholder 2">
             <a:extLst>
               <a:ext uri="{FF2B5EF4-FFF2-40B4-BE49-F238E27FC236}">
-                <a16:creationId xmlns:a16="http://schemas.microsoft.com/office/drawing/2014/main" id="{9DE39B4E-8364-7886-9F43-7DBCB2E24746}"/>
+                <a16:creationId xmlns:a16="http://schemas.microsoft.com/office/drawing/2014/main" id="{E687727A-FFE2-29A6-0D08-F11D01CADEF7}"/>
               </a:ext>
             </a:extLst>
           </p:cNvPr>
@@ -27920,7 +29138,7 @@
             <a:pPr defTabSz="1088421">
               <a:buFontTx/>
               <a:buBlip>
-                <a:blip r:embed="rId2"/>
+                <a:blip r:embed="rId3"/>
               </a:buBlip>
             </a:pPr>
             <a:fld id="{104FC826-72BB-4AF1-BA01-A94F7396A7DC}" type="slidenum">
@@ -27928,7 +29146,7 @@
               <a:pPr defTabSz="1088421">
                 <a:buFontTx/>
                 <a:buBlip>
-                  <a:blip r:embed="rId2"/>
+                  <a:blip r:embed="rId3"/>
                 </a:buBlip>
               </a:pPr>
               <a:t>13</a:t>
@@ -27942,7 +29160,7 @@
           <p:cNvPr id="4" name="Content Placeholder 3">
             <a:extLst>
               <a:ext uri="{FF2B5EF4-FFF2-40B4-BE49-F238E27FC236}">
-                <a16:creationId xmlns:a16="http://schemas.microsoft.com/office/drawing/2014/main" id="{67EB23C2-21C5-D385-6A1D-1C3968812C46}"/>
+                <a16:creationId xmlns:a16="http://schemas.microsoft.com/office/drawing/2014/main" id="{80231E20-B7A4-1BA1-DE45-39C57FD626D1}"/>
               </a:ext>
             </a:extLst>
           </p:cNvPr>
@@ -27959,33 +29177,84 @@
           <a:lstStyle/>
           <a:p>
             <a:r>
+              <a:rPr lang="en-GB" sz="2400" b="0" dirty="0">
+                <a:effectLst/>
+              </a:rPr>
+              <a:t>_ "net/http/</a:t>
+            </a:r>
+            <a:r>
+              <a:rPr lang="en-GB" sz="2400" b="0" dirty="0" err="1">
+                <a:effectLst/>
+              </a:rPr>
+              <a:t>pprof</a:t>
+            </a:r>
+            <a:r>
+              <a:rPr lang="en-GB" sz="2400" b="0" dirty="0">
+                <a:effectLst/>
+              </a:rPr>
+              <a:t>“</a:t>
+            </a:r>
+          </a:p>
+          <a:p>
+            <a:r>
+              <a:rPr lang="en-GB" sz="2400" dirty="0"/>
+              <a:t>Add the following code:</a:t>
+            </a:r>
+            <a:endParaRPr lang="en-GB" sz="2400" b="0" dirty="0">
+              <a:effectLst/>
+            </a:endParaRPr>
+          </a:p>
+          <a:p>
+            <a:pPr marL="0" indent="0">
+              <a:buNone/>
+            </a:pPr>
+            <a:r>
+              <a:rPr lang="pl-PL" sz="2400" b="0" dirty="0">
+                <a:effectLst/>
+              </a:rPr>
+              <a:t>go func() {</a:t>
+            </a:r>
+          </a:p>
+          <a:p>
+            <a:pPr marL="0" indent="0">
+              <a:buNone/>
+            </a:pPr>
+            <a:r>
+              <a:rPr lang="en-US" sz="2400" dirty="0"/>
+              <a:t>	</a:t>
+            </a:r>
+            <a:r>
+              <a:rPr lang="pl-PL" sz="2400" b="0" dirty="0">
+                <a:effectLst/>
+              </a:rPr>
+              <a:t>log.Println(http.ListenAndServe("localhost:6060", nil))</a:t>
+            </a:r>
+          </a:p>
+          <a:p>
+            <a:pPr marL="0" indent="0">
+              <a:buNone/>
+            </a:pPr>
+            <a:r>
+              <a:rPr lang="pl-PL" sz="2400" b="0" dirty="0">
+                <a:effectLst/>
+              </a:rPr>
+              <a:t>}()</a:t>
+            </a:r>
+            <a:endParaRPr lang="en-US" sz="2400" b="0" dirty="0">
+              <a:effectLst/>
+            </a:endParaRPr>
+          </a:p>
+          <a:p>
+            <a:r>
               <a:rPr lang="en-US" sz="2400" dirty="0"/>
               <a:t>Visit </a:t>
             </a:r>
             <a:r>
-              <a:rPr lang="en-US" sz="2400" dirty="0">
-                <a:hlinkClick r:id="rId3"/>
+              <a:rPr lang="en-GB" sz="2400" b="0" dirty="0">
+                <a:effectLst/>
               </a:rPr>
-              <a:t>https://github.com/stephen-totty-hpe/profiling</a:t>
-            </a:r>
-            <a:endParaRPr lang="en-US" sz="2400" dirty="0"/>
-          </a:p>
-          <a:p>
-            <a:pPr lvl="1"/>
-            <a:r>
-              <a:rPr lang="en-US" sz="2400" dirty="0"/>
-              <a:t>Code samples</a:t>
-            </a:r>
-          </a:p>
-          <a:p>
-            <a:pPr lvl="1"/>
-            <a:r>
-              <a:rPr lang="en-US" sz="2400" dirty="0"/>
-              <a:t>This presentation</a:t>
-            </a:r>
-          </a:p>
-          <a:p>
-            <a:endParaRPr lang="en-GB" dirty="0"/>
+              <a:t>http://localhost:6060/debug/pprof/</a:t>
+            </a:r>
           </a:p>
         </p:txBody>
       </p:sp>
@@ -27994,7 +29263,7 @@
           <p:cNvPr id="5" name="Title 4">
             <a:extLst>
               <a:ext uri="{FF2B5EF4-FFF2-40B4-BE49-F238E27FC236}">
-                <a16:creationId xmlns:a16="http://schemas.microsoft.com/office/drawing/2014/main" id="{D4D61549-9AF9-54CD-BFB3-D48449D0D0C0}"/>
+                <a16:creationId xmlns:a16="http://schemas.microsoft.com/office/drawing/2014/main" id="{671474A8-575D-07B1-2C9D-A95113469ECC}"/>
               </a:ext>
             </a:extLst>
           </p:cNvPr>
@@ -28012,7 +29281,7 @@
           <a:p>
             <a:r>
               <a:rPr lang="en-US" dirty="0"/>
-              <a:t>My repo</a:t>
+              <a:t>Embedding profile endpoint</a:t>
             </a:r>
             <a:endParaRPr lang="en-GB" dirty="0"/>
           </a:p>
@@ -28021,7 +29290,7 @@
     </p:spTree>
     <p:extLst>
       <p:ext uri="{BB962C8B-B14F-4D97-AF65-F5344CB8AC3E}">
-        <p14:creationId xmlns:p14="http://schemas.microsoft.com/office/powerpoint/2010/main" val="3466488697"/>
+        <p14:creationId xmlns:p14="http://schemas.microsoft.com/office/powerpoint/2010/main" val="2906831153"/>
       </p:ext>
     </p:extLst>
   </p:cSld>
@@ -28062,10 +29331,10 @@
       </p:grpSpPr>
       <p:sp>
         <p:nvSpPr>
-          <p:cNvPr id="16" name="Text Placeholder 15">
+          <p:cNvPr id="2" name="Footer Placeholder 1">
             <a:extLst>
               <a:ext uri="{FF2B5EF4-FFF2-40B4-BE49-F238E27FC236}">
-                <a16:creationId xmlns:a16="http://schemas.microsoft.com/office/drawing/2014/main" id="{AE94DB59-2993-41B8-AA2D-A95E6BF6DDA3}"/>
+                <a16:creationId xmlns:a16="http://schemas.microsoft.com/office/drawing/2014/main" id="{3C065AFD-52BE-7C06-BEAE-C712A45234CB}"/>
               </a:ext>
             </a:extLst>
           </p:cNvPr>
@@ -28073,7 +29342,7 @@
             <a:spLocks noGrp="1"/>
           </p:cNvSpPr>
           <p:nvPr>
-            <p:ph type="body" sz="quarter" idx="13"/>
+            <p:ph type="ftr" sz="quarter" idx="18"/>
           </p:nvPr>
         </p:nvSpPr>
         <p:spPr/>
@@ -28081,16 +29350,20 @@
           <a:bodyPr/>
           <a:lstStyle/>
           <a:p>
+            <a:r>
+              <a:rPr lang="en-US"/>
+              <a:t>Confidential | Authorized </a:t>
+            </a:r>
             <a:endParaRPr lang="en-US" dirty="0"/>
           </a:p>
         </p:txBody>
       </p:sp>
       <p:sp>
         <p:nvSpPr>
-          <p:cNvPr id="3" name="Title">
+          <p:cNvPr id="3" name="Slide Number Placeholder 2">
             <a:extLst>
               <a:ext uri="{FF2B5EF4-FFF2-40B4-BE49-F238E27FC236}">
-                <a16:creationId xmlns:a16="http://schemas.microsoft.com/office/drawing/2014/main" id="{3817C569-99BE-4C61-8DBB-67B2DD76189C}"/>
+                <a16:creationId xmlns:a16="http://schemas.microsoft.com/office/drawing/2014/main" id="{7A9E35F9-C2F1-A92F-05DF-7D3532B86D08}"/>
               </a:ext>
             </a:extLst>
           </p:cNvPr>
@@ -28098,32 +29371,40 @@
             <a:spLocks noGrp="1"/>
           </p:cNvSpPr>
           <p:nvPr>
-            <p:ph type="title"/>
-          </p:nvPr>
-        </p:nvSpPr>
-        <p:spPr>
-          <a:xfrm>
-            <a:off x="284749" y="521016"/>
-            <a:ext cx="6195700" cy="2828660"/>
-          </a:xfrm>
-        </p:spPr>
+            <p:ph type="sldNum" sz="quarter" idx="19"/>
+          </p:nvPr>
+        </p:nvSpPr>
+        <p:spPr/>
         <p:txBody>
           <a:bodyPr/>
           <a:lstStyle/>
           <a:p>
-            <a:r>
-              <a:rPr lang="en-US" dirty="0"/>
-              <a:t>Questions</a:t>
-            </a:r>
-          </a:p>
-        </p:txBody>
-      </p:sp>
-      <p:sp>
-        <p:nvSpPr>
-          <p:cNvPr id="4" name="Footer Placeholder">
+            <a:pPr defTabSz="1088421">
+              <a:buFontTx/>
+              <a:buBlip>
+                <a:blip r:embed="rId3"/>
+              </a:buBlip>
+            </a:pPr>
+            <a:fld id="{104FC826-72BB-4AF1-BA01-A94F7396A7DC}" type="slidenum">
+              <a:rPr lang="en-US" smtClean="0"/>
+              <a:pPr defTabSz="1088421">
+                <a:buFontTx/>
+                <a:buBlip>
+                  <a:blip r:embed="rId3"/>
+                </a:buBlip>
+              </a:pPr>
+              <a:t>14</a:t>
+            </a:fld>
+            <a:endParaRPr lang="en-US" dirty="0"/>
+          </a:p>
+        </p:txBody>
+      </p:sp>
+      <p:sp>
+        <p:nvSpPr>
+          <p:cNvPr id="4" name="Content Placeholder 3">
             <a:extLst>
               <a:ext uri="{FF2B5EF4-FFF2-40B4-BE49-F238E27FC236}">
-                <a16:creationId xmlns:a16="http://schemas.microsoft.com/office/drawing/2014/main" id="{123718AE-1ECF-495D-9D8E-83CBCF47E8AB}"/>
+                <a16:creationId xmlns:a16="http://schemas.microsoft.com/office/drawing/2014/main" id="{326D25FF-C9FD-1D90-9FCD-7EF0D120567D}"/>
               </a:ext>
             </a:extLst>
           </p:cNvPr>
@@ -28131,30 +29412,418 @@
             <a:spLocks noGrp="1"/>
           </p:cNvSpPr>
           <p:nvPr>
-            <p:ph type="ftr" sz="quarter" idx="3"/>
-          </p:nvPr>
-        </p:nvSpPr>
-        <p:spPr>
-          <a:xfrm>
-            <a:off x="4374720" y="5923546"/>
-            <a:ext cx="7481160" cy="411581"/>
-          </a:xfrm>
-        </p:spPr>
+            <p:ph idx="1"/>
+          </p:nvPr>
+        </p:nvSpPr>
+        <p:spPr/>
         <p:txBody>
           <a:bodyPr/>
           <a:lstStyle/>
           <a:p>
             <a:r>
+              <a:rPr lang="en-US" sz="2000" dirty="0"/>
+              <a:t>Go </a:t>
+            </a:r>
+            <a:r>
+              <a:rPr lang="en-GB" sz="2000" dirty="0"/>
+              <a:t>Diagnostics</a:t>
+            </a:r>
+            <a:r>
+              <a:rPr lang="en-US" sz="2000" dirty="0"/>
+              <a:t>		</a:t>
+            </a:r>
+            <a:r>
+              <a:rPr lang="en-GB" sz="2000" u="sng" dirty="0">
+                <a:solidFill>
+                  <a:srgbClr val="0070C0"/>
+                </a:solidFill>
+                <a:effectLst/>
+              </a:rPr>
+              <a:t>https://go.dev/doc/diagnostics</a:t>
+            </a:r>
+            <a:endParaRPr lang="en-GB" sz="2000" dirty="0">
+              <a:solidFill>
+                <a:srgbClr val="0070C0"/>
+              </a:solidFill>
+              <a:effectLst/>
+            </a:endParaRPr>
+          </a:p>
+          <a:p>
+            <a:r>
+              <a:rPr lang="en-GB" sz="2000" dirty="0"/>
+              <a:t>Profiling Go Programs	</a:t>
+            </a:r>
+            <a:r>
+              <a:rPr lang="en-GB" sz="2000" dirty="0">
+                <a:solidFill>
+                  <a:srgbClr val="0070C0"/>
+                </a:solidFill>
+                <a:hlinkClick r:id="rId4">
+                  <a:extLst>
+                    <a:ext uri="{A12FA001-AC4F-418D-AE19-62706E023703}">
+                      <ahyp:hlinkClr xmlns:ahyp="http://schemas.microsoft.com/office/drawing/2018/hyperlinkcolor" val="tx"/>
+                    </a:ext>
+                  </a:extLst>
+                </a:hlinkClick>
+              </a:rPr>
+              <a:t>https://go.dev/blog/pprof</a:t>
+            </a:r>
+            <a:endParaRPr lang="en-GB" sz="2000" dirty="0">
+              <a:solidFill>
+                <a:srgbClr val="0070C0"/>
+              </a:solidFill>
+            </a:endParaRPr>
+          </a:p>
+          <a:p>
+            <a:r>
+              <a:rPr lang="en-GB" sz="2000" dirty="0">
+                <a:effectLst/>
+              </a:rPr>
+              <a:t>Testing flags		</a:t>
+            </a:r>
+            <a:r>
+              <a:rPr lang="en-GB" sz="2000" dirty="0">
+                <a:solidFill>
+                  <a:srgbClr val="0070C0"/>
+                </a:solidFill>
+                <a:effectLst/>
+                <a:hlinkClick r:id="rId5">
+                  <a:extLst>
+                    <a:ext uri="{A12FA001-AC4F-418D-AE19-62706E023703}">
+                      <ahyp:hlinkClr xmlns:ahyp="http://schemas.microsoft.com/office/drawing/2018/hyperlinkcolor" val="tx"/>
+                    </a:ext>
+                  </a:extLst>
+                </a:hlinkClick>
+              </a:rPr>
+              <a:t>https://pkg.go.dev/cmd/go#hdr-Testing_flags</a:t>
+            </a:r>
+            <a:endParaRPr lang="en-GB" sz="2000" dirty="0">
+              <a:solidFill>
+                <a:srgbClr val="0070C0"/>
+              </a:solidFill>
+              <a:effectLst/>
+            </a:endParaRPr>
+          </a:p>
+          <a:p>
+            <a:r>
+              <a:rPr lang="en-GB" sz="2000" dirty="0"/>
+              <a:t>Runtime </a:t>
+            </a:r>
+            <a:r>
+              <a:rPr lang="en-GB" sz="2000" dirty="0" err="1"/>
+              <a:t>pprof</a:t>
+            </a:r>
+            <a:r>
+              <a:rPr lang="en-GB" sz="2000" dirty="0"/>
+              <a:t>		</a:t>
+            </a:r>
+            <a:r>
+              <a:rPr lang="en-GB" sz="2000" u="sng" dirty="0">
+                <a:solidFill>
+                  <a:srgbClr val="0070C0"/>
+                </a:solidFill>
+              </a:rPr>
+              <a:t>https://pkg.go.dev/runtime/pprof</a:t>
+            </a:r>
+          </a:p>
+          <a:p>
+            <a:r>
+              <a:rPr lang="en-GB" sz="2000" dirty="0"/>
+              <a:t>Web </a:t>
+            </a:r>
+            <a:r>
+              <a:rPr lang="en-GB" sz="2000" dirty="0" err="1"/>
+              <a:t>pprof</a:t>
+            </a:r>
+            <a:r>
+              <a:rPr lang="en-GB" sz="2000" dirty="0"/>
+              <a:t>		</a:t>
+            </a:r>
+            <a:r>
+              <a:rPr lang="en-GB" sz="2000" dirty="0">
+                <a:solidFill>
+                  <a:srgbClr val="0070C0"/>
+                </a:solidFill>
+                <a:effectLst/>
+                <a:hlinkClick r:id="rId6">
+                  <a:extLst>
+                    <a:ext uri="{A12FA001-AC4F-418D-AE19-62706E023703}">
+                      <ahyp:hlinkClr xmlns:ahyp="http://schemas.microsoft.com/office/drawing/2018/hyperlinkcolor" val="tx"/>
+                    </a:ext>
+                  </a:extLst>
+                </a:hlinkClick>
+              </a:rPr>
+              <a:t>https://pkg.go.dev/net/http/pprof</a:t>
+            </a:r>
+            <a:endParaRPr lang="en-GB" sz="2000" dirty="0">
+              <a:solidFill>
+                <a:srgbClr val="0070C0"/>
+              </a:solidFill>
+              <a:effectLst/>
+            </a:endParaRPr>
+          </a:p>
+          <a:p>
+            <a:r>
+              <a:rPr lang="en-GB" sz="2000" dirty="0"/>
+              <a:t>Go tools (see </a:t>
+            </a:r>
+            <a:r>
+              <a:rPr lang="en-GB" sz="2000" dirty="0" err="1"/>
+              <a:t>cmd</a:t>
+            </a:r>
+            <a:r>
+              <a:rPr lang="en-GB" sz="2000" dirty="0"/>
+              <a:t>)</a:t>
+            </a:r>
+            <a:r>
+              <a:rPr lang="en-GB" sz="2000" dirty="0">
+                <a:solidFill>
+                  <a:srgbClr val="0070C0"/>
+                </a:solidFill>
+              </a:rPr>
+              <a:t>	https://pkg.go.dev/golang.org/x/tools</a:t>
+            </a:r>
+            <a:endParaRPr lang="en-GB" sz="2000" dirty="0">
+              <a:solidFill>
+                <a:srgbClr val="0070C0"/>
+              </a:solidFill>
+              <a:effectLst/>
+            </a:endParaRPr>
+          </a:p>
+          <a:p>
+            <a:r>
+              <a:rPr lang="en-GB" sz="2000" dirty="0">
+                <a:effectLst/>
+              </a:rPr>
+              <a:t>Dave Cheney talk 	</a:t>
+            </a:r>
+            <a:r>
+              <a:rPr lang="en-GB" sz="2000" u="sng" dirty="0">
+                <a:solidFill>
+                  <a:srgbClr val="0070C0"/>
+                </a:solidFill>
+                <a:effectLst/>
+              </a:rPr>
+              <a:t>https://www.youtube.com/watch?v=nok0aYiGiYA</a:t>
+            </a:r>
+            <a:endParaRPr lang="en-GB" sz="2000" dirty="0">
+              <a:solidFill>
+                <a:srgbClr val="0070C0"/>
+              </a:solidFill>
+              <a:effectLst/>
+            </a:endParaRPr>
+          </a:p>
+          <a:p>
+            <a:r>
+              <a:rPr lang="en-GB" sz="2000" dirty="0">
+                <a:effectLst/>
+              </a:rPr>
+              <a:t>Dave Cheney workshop 	</a:t>
+            </a:r>
+            <a:r>
+              <a:rPr lang="en-GB" sz="2000" u="sng" dirty="0">
+                <a:solidFill>
+                  <a:srgbClr val="0070C0"/>
+                </a:solidFill>
+                <a:effectLst/>
+              </a:rPr>
+              <a:t>https://dave.cheney.net/high-performance-go-workshop/dotgo-paris.html</a:t>
+            </a:r>
+            <a:endParaRPr lang="en-GB" sz="2000" dirty="0">
+              <a:solidFill>
+                <a:srgbClr val="0070C0"/>
+              </a:solidFill>
+              <a:effectLst/>
+            </a:endParaRPr>
+          </a:p>
+          <a:p>
+            <a:r>
+              <a:rPr lang="en-GB" sz="2000" dirty="0"/>
+              <a:t>Brad Fitzpatrick (2015)	</a:t>
+            </a:r>
+            <a:r>
+              <a:rPr lang="en-GB" sz="2000" dirty="0">
+                <a:solidFill>
+                  <a:srgbClr val="0070C0"/>
+                </a:solidFill>
+                <a:effectLst/>
+                <a:hlinkClick r:id="rId7">
+                  <a:extLst>
+                    <a:ext uri="{A12FA001-AC4F-418D-AE19-62706E023703}">
+                      <ahyp:hlinkClr xmlns:ahyp="http://schemas.microsoft.com/office/drawing/2018/hyperlinkcolor" val="tx"/>
+                    </a:ext>
+                  </a:extLst>
+                </a:hlinkClick>
+              </a:rPr>
+              <a:t>https://www.youtube.com/watch?v=xxDZuPEgbBU</a:t>
+            </a:r>
+            <a:endParaRPr lang="en-GB" sz="2000" dirty="0">
+              <a:effectLst/>
+            </a:endParaRPr>
+          </a:p>
+          <a:p>
+            <a:r>
+              <a:rPr lang="en-GB" sz="2000" dirty="0" err="1">
+                <a:effectLst/>
+              </a:rPr>
+              <a:t>DataDog</a:t>
+            </a:r>
+            <a:r>
+              <a:rPr lang="en-GB" sz="2000" dirty="0">
+                <a:effectLst/>
+              </a:rPr>
+              <a:t> 		</a:t>
+            </a:r>
+            <a:r>
+              <a:rPr lang="en-GB" sz="2000" u="sng" dirty="0">
+                <a:solidFill>
+                  <a:srgbClr val="0070C0"/>
+                </a:solidFill>
+                <a:effectLst/>
+              </a:rPr>
+              <a:t>https://github.com/DataDog/go-profiler-notes/blob/main/guide/README.md</a:t>
+            </a:r>
+            <a:endParaRPr lang="en-GB" sz="2000" dirty="0">
+              <a:solidFill>
+                <a:srgbClr val="0070C0"/>
+              </a:solidFill>
+              <a:effectLst/>
+            </a:endParaRPr>
+          </a:p>
+          <a:p>
+            <a:r>
+              <a:rPr lang="en-GB" sz="2000" dirty="0" err="1">
+                <a:effectLst/>
+              </a:rPr>
+              <a:t>Goland</a:t>
+            </a:r>
+            <a:r>
+              <a:rPr lang="en-GB" sz="2000" dirty="0">
+                <a:effectLst/>
+              </a:rPr>
+              <a:t> (</a:t>
+            </a:r>
+            <a:r>
+              <a:rPr lang="en-GB" sz="2000" dirty="0" err="1">
+                <a:effectLst/>
+              </a:rPr>
+              <a:t>jetbrains</a:t>
+            </a:r>
+            <a:r>
+              <a:rPr lang="en-GB" sz="2000" dirty="0">
+                <a:effectLst/>
+              </a:rPr>
+              <a:t>)	</a:t>
+            </a:r>
+            <a:r>
+              <a:rPr lang="en-GB" sz="2000" dirty="0">
+                <a:solidFill>
+                  <a:srgbClr val="0070C0"/>
+                </a:solidFill>
+                <a:effectLst/>
+              </a:rPr>
+              <a:t>https://blog.jetbrains.com/go/2023/02/02/profiling-go-code-with-goland/</a:t>
+            </a:r>
+          </a:p>
+          <a:p>
+            <a:r>
+              <a:rPr lang="en-GB" sz="2000" b="0" dirty="0">
+                <a:effectLst/>
+              </a:rPr>
+              <a:t>Older </a:t>
+            </a:r>
+            <a:r>
+              <a:rPr lang="en-GB" sz="2000" b="0" dirty="0" err="1">
+                <a:effectLst/>
+              </a:rPr>
+              <a:t>Goland</a:t>
+            </a:r>
+            <a:r>
+              <a:rPr lang="en-GB" sz="2000" b="0" dirty="0">
+                <a:effectLst/>
+              </a:rPr>
+              <a:t>		</a:t>
+            </a:r>
+            <a:r>
+              <a:rPr lang="en-GB" sz="2000" b="0" u="sng" dirty="0">
+                <a:solidFill>
+                  <a:srgbClr val="0070C0"/>
+                </a:solidFill>
+                <a:effectLst/>
+              </a:rPr>
+              <a:t>https://blog.jetbrains.com/go/2019/04/03/profiling-go-applications-and-tests/</a:t>
+            </a:r>
+            <a:endParaRPr lang="en-GB" sz="2000" b="0" dirty="0">
+              <a:effectLst/>
+            </a:endParaRPr>
+          </a:p>
+          <a:p>
+            <a:r>
+              <a:rPr lang="en-GB" sz="2000" b="0" dirty="0" err="1">
+                <a:effectLst/>
+              </a:rPr>
+              <a:t>Infoq</a:t>
+            </a:r>
+            <a:r>
+              <a:rPr lang="en-GB" sz="2000" b="0" dirty="0">
+                <a:solidFill>
+                  <a:srgbClr val="CCCCCC"/>
+                </a:solidFill>
+                <a:effectLst/>
+              </a:rPr>
+              <a:t>			</a:t>
+            </a:r>
+            <a:r>
+              <a:rPr lang="en-GB" sz="2000" b="0" dirty="0">
+                <a:solidFill>
+                  <a:srgbClr val="0070C0"/>
+                </a:solidFill>
+                <a:effectLst/>
+              </a:rPr>
+              <a:t>https://www.infoq.com/articles/debugging-go-programs-pprof-trace/</a:t>
+            </a:r>
+          </a:p>
+          <a:p>
+            <a:endParaRPr lang="en-GB" dirty="0"/>
+          </a:p>
+          <a:p>
+            <a:endParaRPr lang="en-GB" dirty="0"/>
+          </a:p>
+        </p:txBody>
+      </p:sp>
+      <p:sp>
+        <p:nvSpPr>
+          <p:cNvPr id="5" name="Title 4">
+            <a:extLst>
+              <a:ext uri="{FF2B5EF4-FFF2-40B4-BE49-F238E27FC236}">
+                <a16:creationId xmlns:a16="http://schemas.microsoft.com/office/drawing/2014/main" id="{C0258457-6C1D-A3D9-1C7E-042D4D1DBA20}"/>
+              </a:ext>
+            </a:extLst>
+          </p:cNvPr>
+          <p:cNvSpPr>
+            <a:spLocks noGrp="1"/>
+          </p:cNvSpPr>
+          <p:nvPr>
+            <p:ph type="title"/>
+          </p:nvPr>
+        </p:nvSpPr>
+        <p:spPr/>
+        <p:txBody>
+          <a:bodyPr/>
+          <a:lstStyle/>
+          <a:p>
+            <a:r>
               <a:rPr lang="en-US" dirty="0"/>
-              <a:t>Confidential | Authorized </a:t>
-            </a:r>
+              <a:t>Resources</a:t>
+            </a:r>
+            <a:endParaRPr lang="en-GB" dirty="0"/>
           </a:p>
         </p:txBody>
       </p:sp>
     </p:spTree>
     <p:extLst>
       <p:ext uri="{BB962C8B-B14F-4D97-AF65-F5344CB8AC3E}">
-        <p14:creationId xmlns:p14="http://schemas.microsoft.com/office/powerpoint/2010/main" val="1447782276"/>
+        <p14:creationId xmlns:p14="http://schemas.microsoft.com/office/powerpoint/2010/main" val="594164920"/>
       </p:ext>
     </p:extLst>
   </p:cSld>
@@ -28195,6 +29864,332 @@
       </p:grpSpPr>
       <p:sp>
         <p:nvSpPr>
+          <p:cNvPr id="2" name="Footer Placeholder 1">
+            <a:extLst>
+              <a:ext uri="{FF2B5EF4-FFF2-40B4-BE49-F238E27FC236}">
+                <a16:creationId xmlns:a16="http://schemas.microsoft.com/office/drawing/2014/main" id="{F8E9DC2B-74F2-9F43-231B-9746932150D3}"/>
+              </a:ext>
+            </a:extLst>
+          </p:cNvPr>
+          <p:cNvSpPr>
+            <a:spLocks noGrp="1"/>
+          </p:cNvSpPr>
+          <p:nvPr>
+            <p:ph type="ftr" sz="quarter" idx="18"/>
+          </p:nvPr>
+        </p:nvSpPr>
+        <p:spPr/>
+        <p:txBody>
+          <a:bodyPr/>
+          <a:lstStyle/>
+          <a:p>
+            <a:r>
+              <a:rPr lang="en-US"/>
+              <a:t>Confidential | Authorized </a:t>
+            </a:r>
+            <a:endParaRPr lang="en-US" dirty="0"/>
+          </a:p>
+        </p:txBody>
+      </p:sp>
+      <p:sp>
+        <p:nvSpPr>
+          <p:cNvPr id="3" name="Slide Number Placeholder 2">
+            <a:extLst>
+              <a:ext uri="{FF2B5EF4-FFF2-40B4-BE49-F238E27FC236}">
+                <a16:creationId xmlns:a16="http://schemas.microsoft.com/office/drawing/2014/main" id="{9DE39B4E-8364-7886-9F43-7DBCB2E24746}"/>
+              </a:ext>
+            </a:extLst>
+          </p:cNvPr>
+          <p:cNvSpPr>
+            <a:spLocks noGrp="1"/>
+          </p:cNvSpPr>
+          <p:nvPr>
+            <p:ph type="sldNum" sz="quarter" idx="19"/>
+          </p:nvPr>
+        </p:nvSpPr>
+        <p:spPr/>
+        <p:txBody>
+          <a:bodyPr/>
+          <a:lstStyle/>
+          <a:p>
+            <a:pPr defTabSz="1088421">
+              <a:buFontTx/>
+              <a:buBlip>
+                <a:blip r:embed="rId2"/>
+              </a:buBlip>
+            </a:pPr>
+            <a:fld id="{104FC826-72BB-4AF1-BA01-A94F7396A7DC}" type="slidenum">
+              <a:rPr lang="en-US" smtClean="0"/>
+              <a:pPr defTabSz="1088421">
+                <a:buFontTx/>
+                <a:buBlip>
+                  <a:blip r:embed="rId2"/>
+                </a:buBlip>
+              </a:pPr>
+              <a:t>15</a:t>
+            </a:fld>
+            <a:endParaRPr lang="en-US" dirty="0"/>
+          </a:p>
+        </p:txBody>
+      </p:sp>
+      <p:sp>
+        <p:nvSpPr>
+          <p:cNvPr id="4" name="Content Placeholder 3">
+            <a:extLst>
+              <a:ext uri="{FF2B5EF4-FFF2-40B4-BE49-F238E27FC236}">
+                <a16:creationId xmlns:a16="http://schemas.microsoft.com/office/drawing/2014/main" id="{67EB23C2-21C5-D385-6A1D-1C3968812C46}"/>
+              </a:ext>
+            </a:extLst>
+          </p:cNvPr>
+          <p:cNvSpPr>
+            <a:spLocks noGrp="1"/>
+          </p:cNvSpPr>
+          <p:nvPr>
+            <p:ph idx="1"/>
+          </p:nvPr>
+        </p:nvSpPr>
+        <p:spPr/>
+        <p:txBody>
+          <a:bodyPr/>
+          <a:lstStyle/>
+          <a:p>
+            <a:r>
+              <a:rPr lang="en-US" sz="2400" dirty="0"/>
+              <a:t>Visit </a:t>
+            </a:r>
+            <a:r>
+              <a:rPr lang="en-US" sz="2400" dirty="0">
+                <a:hlinkClick r:id="rId3"/>
+              </a:rPr>
+              <a:t>https://github.com/stephen-totty-hpe/profiling</a:t>
+            </a:r>
+            <a:endParaRPr lang="en-US" sz="2400" dirty="0"/>
+          </a:p>
+          <a:p>
+            <a:pPr lvl="1"/>
+            <a:r>
+              <a:rPr lang="en-US" sz="2400" dirty="0"/>
+              <a:t>Code samples</a:t>
+            </a:r>
+          </a:p>
+          <a:p>
+            <a:pPr lvl="1"/>
+            <a:r>
+              <a:rPr lang="en-US" sz="2400" dirty="0"/>
+              <a:t>This presentation</a:t>
+            </a:r>
+          </a:p>
+          <a:p>
+            <a:endParaRPr lang="en-GB" dirty="0"/>
+          </a:p>
+        </p:txBody>
+      </p:sp>
+      <p:sp>
+        <p:nvSpPr>
+          <p:cNvPr id="5" name="Title 4">
+            <a:extLst>
+              <a:ext uri="{FF2B5EF4-FFF2-40B4-BE49-F238E27FC236}">
+                <a16:creationId xmlns:a16="http://schemas.microsoft.com/office/drawing/2014/main" id="{D4D61549-9AF9-54CD-BFB3-D48449D0D0C0}"/>
+              </a:ext>
+            </a:extLst>
+          </p:cNvPr>
+          <p:cNvSpPr>
+            <a:spLocks noGrp="1"/>
+          </p:cNvSpPr>
+          <p:nvPr>
+            <p:ph type="title"/>
+          </p:nvPr>
+        </p:nvSpPr>
+        <p:spPr/>
+        <p:txBody>
+          <a:bodyPr/>
+          <a:lstStyle/>
+          <a:p>
+            <a:r>
+              <a:rPr lang="en-US" dirty="0"/>
+              <a:t>My repo</a:t>
+            </a:r>
+            <a:endParaRPr lang="en-GB" dirty="0"/>
+          </a:p>
+        </p:txBody>
+      </p:sp>
+    </p:spTree>
+    <p:extLst>
+      <p:ext uri="{BB962C8B-B14F-4D97-AF65-F5344CB8AC3E}">
+        <p14:creationId xmlns:p14="http://schemas.microsoft.com/office/powerpoint/2010/main" val="3466488697"/>
+      </p:ext>
+    </p:extLst>
+  </p:cSld>
+  <p:clrMapOvr>
+    <a:masterClrMapping/>
+  </p:clrMapOvr>
+  <mc:AlternateContent xmlns:mc="http://schemas.openxmlformats.org/markup-compatibility/2006" xmlns:p14="http://schemas.microsoft.com/office/powerpoint/2010/main">
+    <mc:Choice Requires="p14">
+      <p:transition spd="med" p14:dur="700">
+        <p:fade/>
+      </p:transition>
+    </mc:Choice>
+    <mc:Fallback xmlns="">
+      <p:transition spd="med">
+        <p:fade/>
+      </p:transition>
+    </mc:Fallback>
+  </mc:AlternateContent>
+</p:sld>
+</file>
+
+<file path=ppt/slides/slide16.xml><?xml version="1.0" encoding="utf-8"?>
+<p:sld xmlns:a="http://schemas.openxmlformats.org/drawingml/2006/main" xmlns:r="http://schemas.openxmlformats.org/officeDocument/2006/relationships" xmlns:p="http://schemas.openxmlformats.org/presentationml/2006/main">
+  <p:cSld>
+    <p:spTree>
+      <p:nvGrpSpPr>
+        <p:cNvPr id="1" name=""/>
+        <p:cNvGrpSpPr/>
+        <p:nvPr/>
+      </p:nvGrpSpPr>
+      <p:grpSpPr>
+        <a:xfrm>
+          <a:off x="0" y="0"/>
+          <a:ext cx="0" cy="0"/>
+          <a:chOff x="0" y="0"/>
+          <a:chExt cx="0" cy="0"/>
+        </a:xfrm>
+      </p:grpSpPr>
+      <p:sp>
+        <p:nvSpPr>
+          <p:cNvPr id="16" name="Text Placeholder 15">
+            <a:extLst>
+              <a:ext uri="{FF2B5EF4-FFF2-40B4-BE49-F238E27FC236}">
+                <a16:creationId xmlns:a16="http://schemas.microsoft.com/office/drawing/2014/main" id="{AE94DB59-2993-41B8-AA2D-A95E6BF6DDA3}"/>
+              </a:ext>
+            </a:extLst>
+          </p:cNvPr>
+          <p:cNvSpPr>
+            <a:spLocks noGrp="1"/>
+          </p:cNvSpPr>
+          <p:nvPr>
+            <p:ph type="body" sz="quarter" idx="13"/>
+          </p:nvPr>
+        </p:nvSpPr>
+        <p:spPr/>
+        <p:txBody>
+          <a:bodyPr/>
+          <a:lstStyle/>
+          <a:p>
+            <a:endParaRPr lang="en-US" dirty="0"/>
+          </a:p>
+        </p:txBody>
+      </p:sp>
+      <p:sp>
+        <p:nvSpPr>
+          <p:cNvPr id="3" name="Title">
+            <a:extLst>
+              <a:ext uri="{FF2B5EF4-FFF2-40B4-BE49-F238E27FC236}">
+                <a16:creationId xmlns:a16="http://schemas.microsoft.com/office/drawing/2014/main" id="{3817C569-99BE-4C61-8DBB-67B2DD76189C}"/>
+              </a:ext>
+            </a:extLst>
+          </p:cNvPr>
+          <p:cNvSpPr>
+            <a:spLocks noGrp="1"/>
+          </p:cNvSpPr>
+          <p:nvPr>
+            <p:ph type="title"/>
+          </p:nvPr>
+        </p:nvSpPr>
+        <p:spPr>
+          <a:xfrm>
+            <a:off x="284749" y="521016"/>
+            <a:ext cx="6195700" cy="2828660"/>
+          </a:xfrm>
+        </p:spPr>
+        <p:txBody>
+          <a:bodyPr/>
+          <a:lstStyle/>
+          <a:p>
+            <a:r>
+              <a:rPr lang="en-US" dirty="0"/>
+              <a:t>Questions</a:t>
+            </a:r>
+          </a:p>
+        </p:txBody>
+      </p:sp>
+      <p:sp>
+        <p:nvSpPr>
+          <p:cNvPr id="4" name="Footer Placeholder">
+            <a:extLst>
+              <a:ext uri="{FF2B5EF4-FFF2-40B4-BE49-F238E27FC236}">
+                <a16:creationId xmlns:a16="http://schemas.microsoft.com/office/drawing/2014/main" id="{123718AE-1ECF-495D-9D8E-83CBCF47E8AB}"/>
+              </a:ext>
+            </a:extLst>
+          </p:cNvPr>
+          <p:cNvSpPr>
+            <a:spLocks noGrp="1"/>
+          </p:cNvSpPr>
+          <p:nvPr>
+            <p:ph type="ftr" sz="quarter" idx="3"/>
+          </p:nvPr>
+        </p:nvSpPr>
+        <p:spPr>
+          <a:xfrm>
+            <a:off x="4374720" y="5923546"/>
+            <a:ext cx="7481160" cy="411581"/>
+          </a:xfrm>
+        </p:spPr>
+        <p:txBody>
+          <a:bodyPr/>
+          <a:lstStyle/>
+          <a:p>
+            <a:r>
+              <a:rPr lang="en-US" dirty="0"/>
+              <a:t>Confidential | Authorized </a:t>
+            </a:r>
+          </a:p>
+        </p:txBody>
+      </p:sp>
+    </p:spTree>
+    <p:extLst>
+      <p:ext uri="{BB962C8B-B14F-4D97-AF65-F5344CB8AC3E}">
+        <p14:creationId xmlns:p14="http://schemas.microsoft.com/office/powerpoint/2010/main" val="1447782276"/>
+      </p:ext>
+    </p:extLst>
+  </p:cSld>
+  <p:clrMapOvr>
+    <a:masterClrMapping/>
+  </p:clrMapOvr>
+  <mc:AlternateContent xmlns:mc="http://schemas.openxmlformats.org/markup-compatibility/2006" xmlns:p14="http://schemas.microsoft.com/office/powerpoint/2010/main">
+    <mc:Choice Requires="p14">
+      <p:transition spd="med" p14:dur="700">
+        <p:fade/>
+      </p:transition>
+    </mc:Choice>
+    <mc:Fallback xmlns="">
+      <p:transition spd="med">
+        <p:fade/>
+      </p:transition>
+    </mc:Fallback>
+  </mc:AlternateContent>
+</p:sld>
+</file>
+
+<file path=ppt/slides/slide17.xml><?xml version="1.0" encoding="utf-8"?>
+<p:sld xmlns:a="http://schemas.openxmlformats.org/drawingml/2006/main" xmlns:r="http://schemas.openxmlformats.org/officeDocument/2006/relationships" xmlns:p="http://schemas.openxmlformats.org/presentationml/2006/main">
+  <p:cSld>
+    <p:spTree>
+      <p:nvGrpSpPr>
+        <p:cNvPr id="1" name=""/>
+        <p:cNvGrpSpPr/>
+        <p:nvPr/>
+      </p:nvGrpSpPr>
+      <p:grpSpPr>
+        <a:xfrm>
+          <a:off x="0" y="0"/>
+          <a:ext cx="0" cy="0"/>
+          <a:chOff x="0" y="0"/>
+          <a:chExt cx="0" cy="0"/>
+        </a:xfrm>
+      </p:grpSpPr>
+      <p:sp>
+        <p:nvSpPr>
           <p:cNvPr id="16" name="Text Placeholder 15">
             <a:extLst>
               <a:ext uri="{FF2B5EF4-FFF2-40B4-BE49-F238E27FC236}">
@@ -28294,13 +30289,13 @@
   <p:clrMapOvr>
     <a:masterClrMapping/>
   </p:clrMapOvr>
-  <mc:AlternateContent xmlns:mc="http://schemas.openxmlformats.org/markup-compatibility/2006">
-    <mc:Choice xmlns:p14="http://schemas.microsoft.com/office/powerpoint/2010/main" Requires="p14">
+  <mc:AlternateContent xmlns:mc="http://schemas.openxmlformats.org/markup-compatibility/2006" xmlns:p14="http://schemas.microsoft.com/office/powerpoint/2010/main">
+    <mc:Choice Requires="p14">
       <p:transition spd="med" p14:dur="700">
         <p:fade/>
       </p:transition>
     </mc:Choice>
-    <mc:Fallback>
+    <mc:Fallback xmlns="">
       <p:transition spd="med">
         <p:fade/>
       </p:transition>
@@ -28380,69 +30375,49 @@
           <a:bodyPr/>
           <a:lstStyle/>
           <a:p>
-            <a:pPr marL="0" indent="0">
-              <a:buNone/>
-            </a:pPr>
             <a:r>
               <a:rPr lang="en-US" sz="2800" dirty="0"/>
-              <a:t>Which technique you use depends on what access you have to the source code or executable.</a:t>
-            </a:r>
-          </a:p>
-          <a:p>
-            <a:pPr marL="0" indent="0">
-              <a:buNone/>
-            </a:pPr>
+              <a:t>How do we know we have performance problems?</a:t>
+            </a:r>
+          </a:p>
+          <a:p>
             <a:r>
               <a:rPr lang="en-US" sz="2800" dirty="0"/>
-              <a:t>It also depends on what tools are available.</a:t>
-            </a:r>
+              <a:t>What sort of performance problems should we investigating?</a:t>
+            </a:r>
+          </a:p>
+          <a:p>
+            <a:r>
+              <a:rPr lang="en-US" sz="2800" dirty="0"/>
+              <a:t>How do we know if the performance is good enough?</a:t>
+            </a:r>
+          </a:p>
+          <a:p>
+            <a:r>
+              <a:rPr lang="en-US" sz="2800" dirty="0"/>
+              <a:t>What if everything runs fine locally, but has problems when deployed?</a:t>
+            </a:r>
+          </a:p>
+          <a:p>
+            <a:r>
+              <a:rPr lang="en-US" sz="2800" dirty="0"/>
+              <a:t>What if the problem only happens at scale?</a:t>
+            </a:r>
+          </a:p>
+          <a:p>
+            <a:r>
+              <a:rPr lang="en-US" sz="2800" dirty="0"/>
+              <a:t>How often do we investigate performance?</a:t>
+            </a:r>
+          </a:p>
+          <a:p>
+            <a:endParaRPr lang="en-US" sz="2800" dirty="0"/>
           </a:p>
           <a:p>
             <a:pPr marL="0" indent="0">
               <a:buNone/>
             </a:pPr>
             <a:endParaRPr lang="en-US" sz="2800" dirty="0"/>
-          </a:p>
-          <a:p>
-            <a:pPr marL="0" indent="0">
-              <a:buNone/>
-            </a:pPr>
-            <a:r>
-              <a:rPr lang="en-US" sz="2800" dirty="0"/>
-              <a:t>For instance, running locally, you can use any tool you like: </a:t>
-            </a:r>
-          </a:p>
-          <a:p>
-            <a:endParaRPr lang="en-US" sz="2800" dirty="0"/>
-          </a:p>
-          <a:p>
-            <a:r>
-              <a:rPr lang="en-US" sz="2800" dirty="0"/>
-              <a:t>Profiling during testing</a:t>
-            </a:r>
-          </a:p>
-          <a:p>
-            <a:r>
-              <a:rPr lang="en-US" sz="2800" dirty="0"/>
-              <a:t>Profiling with </a:t>
-            </a:r>
-            <a:r>
-              <a:rPr lang="en-US" sz="2800" dirty="0" err="1"/>
-              <a:t>GoLand</a:t>
-            </a:r>
-            <a:endParaRPr lang="en-US" sz="2800" dirty="0"/>
-          </a:p>
-          <a:p>
-            <a:r>
-              <a:rPr lang="en-US" sz="2800" dirty="0"/>
-              <a:t>Profiling running code by storing profiles</a:t>
-            </a:r>
-          </a:p>
-          <a:p>
-            <a:r>
-              <a:rPr lang="en-US" sz="2800" dirty="0"/>
-              <a:t>Profiling running code with HTTP handler</a:t>
-            </a:r>
           </a:p>
           <a:p>
             <a:endParaRPr lang="en-US" dirty="0"/>
@@ -28472,7 +30447,7 @@
           <a:p>
             <a:r>
               <a:rPr lang="en-US" dirty="0"/>
-              <a:t>Techniques locally</a:t>
+              <a:t>Profiling questions</a:t>
             </a:r>
           </a:p>
         </p:txBody>
@@ -28501,7 +30476,7 @@
             <a:pPr defTabSz="1088421">
               <a:buFontTx/>
               <a:buBlip>
-                <a:blip r:embed="rId2"/>
+                <a:blip r:embed="rId3"/>
               </a:buBlip>
             </a:pPr>
             <a:fld id="{104FC826-72BB-4AF1-BA01-A94F7396A7DC}" type="slidenum">
@@ -28509,7 +30484,7 @@
               <a:pPr defTabSz="1088421">
                 <a:buFontTx/>
                 <a:buBlip>
-                  <a:blip r:embed="rId2"/>
+                  <a:blip r:embed="rId3"/>
                 </a:buBlip>
               </a:pPr>
               <a:t>2</a:t>
@@ -28562,6 +30537,655 @@
       </p:grpSpPr>
       <p:sp>
         <p:nvSpPr>
+          <p:cNvPr id="5" name="Footer Placeholder 4">
+            <a:extLst>
+              <a:ext uri="{FF2B5EF4-FFF2-40B4-BE49-F238E27FC236}">
+                <a16:creationId xmlns:a16="http://schemas.microsoft.com/office/drawing/2014/main" id="{50349679-8B77-4AAF-9049-025CBA647F54}"/>
+              </a:ext>
+            </a:extLst>
+          </p:cNvPr>
+          <p:cNvSpPr>
+            <a:spLocks noGrp="1"/>
+          </p:cNvSpPr>
+          <p:nvPr>
+            <p:ph type="ftr" sz="quarter" idx="18"/>
+          </p:nvPr>
+        </p:nvSpPr>
+        <p:spPr>
+          <a:xfrm>
+            <a:off x="3721696" y="6129337"/>
+            <a:ext cx="7481160" cy="411581"/>
+          </a:xfrm>
+        </p:spPr>
+        <p:txBody>
+          <a:bodyPr/>
+          <a:lstStyle/>
+          <a:p>
+            <a:r>
+              <a:rPr lang="en-US" dirty="0"/>
+              <a:t>Confidential | Authorized </a:t>
+            </a:r>
+          </a:p>
+        </p:txBody>
+      </p:sp>
+      <p:sp>
+        <p:nvSpPr>
+          <p:cNvPr id="22" name="Content Placeholder 21">
+            <a:extLst>
+              <a:ext uri="{FF2B5EF4-FFF2-40B4-BE49-F238E27FC236}">
+                <a16:creationId xmlns:a16="http://schemas.microsoft.com/office/drawing/2014/main" id="{0D133FAF-811B-408A-B501-743027382189}"/>
+              </a:ext>
+            </a:extLst>
+          </p:cNvPr>
+          <p:cNvSpPr>
+            <a:spLocks noGrp="1"/>
+          </p:cNvSpPr>
+          <p:nvPr>
+            <p:ph idx="1"/>
+          </p:nvPr>
+        </p:nvSpPr>
+        <p:spPr/>
+        <p:txBody>
+          <a:bodyPr/>
+          <a:lstStyle/>
+          <a:p>
+            <a:r>
+              <a:rPr lang="en-US" dirty="0"/>
+              <a:t>What is profiling?</a:t>
+            </a:r>
+          </a:p>
+          <a:p>
+            <a:pPr marL="0" indent="0">
+              <a:buNone/>
+            </a:pPr>
+            <a:endParaRPr lang="en-US" dirty="0"/>
+          </a:p>
+          <a:p>
+            <a:pPr marL="0" indent="0">
+              <a:buNone/>
+            </a:pPr>
+            <a:r>
+              <a:rPr lang="en-US" dirty="0"/>
+              <a:t>In </a:t>
+            </a:r>
+            <a:r>
+              <a:rPr lang="en-US" dirty="0">
+                <a:hlinkClick r:id="rId3" tooltip="Software engineering"/>
+              </a:rPr>
+              <a:t>software engineering</a:t>
+            </a:r>
+            <a:r>
+              <a:rPr lang="en-US" dirty="0"/>
+              <a:t>, </a:t>
+            </a:r>
+            <a:r>
+              <a:rPr lang="en-US" b="1" dirty="0"/>
+              <a:t>profiling</a:t>
+            </a:r>
+            <a:r>
+              <a:rPr lang="en-US" dirty="0"/>
+              <a:t> ("program profiling", "software profiling") is a form of </a:t>
+            </a:r>
+            <a:r>
+              <a:rPr lang="en-US" dirty="0">
+                <a:hlinkClick r:id="rId4" tooltip="Dynamic program analysis"/>
+              </a:rPr>
+              <a:t>dynamic program analysis</a:t>
+            </a:r>
+            <a:r>
+              <a:rPr lang="en-US" dirty="0"/>
+              <a:t> that measures, for example, the space (memory) or time </a:t>
+            </a:r>
+            <a:r>
+              <a:rPr lang="en-US" dirty="0">
+                <a:hlinkClick r:id="rId5" tooltip="Computational complexity theory"/>
+              </a:rPr>
+              <a:t>complexity of a program</a:t>
+            </a:r>
+            <a:r>
+              <a:rPr lang="en-US" dirty="0"/>
+              <a:t>, the </a:t>
+            </a:r>
+            <a:r>
+              <a:rPr lang="en-US" dirty="0">
+                <a:hlinkClick r:id="rId6" tooltip="Instruction set simulator"/>
+              </a:rPr>
+              <a:t>usage of particular instructions</a:t>
+            </a:r>
+            <a:r>
+              <a:rPr lang="en-US" dirty="0"/>
+              <a:t>, or the frequency and duration of function calls. Most commonly, profiling information serves to aid </a:t>
+            </a:r>
+            <a:r>
+              <a:rPr lang="en-US" dirty="0">
+                <a:hlinkClick r:id="rId7" tooltip="Program optimization"/>
+              </a:rPr>
+              <a:t>program optimization</a:t>
+            </a:r>
+            <a:r>
+              <a:rPr lang="en-US" dirty="0"/>
+              <a:t>, and more specifically, </a:t>
+            </a:r>
+            <a:r>
+              <a:rPr lang="en-US" dirty="0">
+                <a:hlinkClick r:id="rId8" tooltip="Performance engineering"/>
+              </a:rPr>
+              <a:t>performance engineering</a:t>
+            </a:r>
+            <a:r>
+              <a:rPr lang="en-US" dirty="0"/>
+              <a:t>. </a:t>
+            </a:r>
+          </a:p>
+          <a:p>
+            <a:pPr marL="0" indent="0">
+              <a:buNone/>
+            </a:pPr>
+            <a:endParaRPr lang="en-US" dirty="0"/>
+          </a:p>
+          <a:p>
+            <a:pPr marL="0" indent="0">
+              <a:buNone/>
+            </a:pPr>
+            <a:r>
+              <a:rPr lang="en-US" dirty="0"/>
+              <a:t>Profiling is achieved by </a:t>
+            </a:r>
+            <a:r>
+              <a:rPr lang="en-US" dirty="0">
+                <a:hlinkClick r:id="rId9" tooltip="Instrumentation (computer programming)"/>
+              </a:rPr>
+              <a:t>instrumenting</a:t>
+            </a:r>
+            <a:r>
+              <a:rPr lang="en-US" dirty="0"/>
+              <a:t> either the program </a:t>
+            </a:r>
+            <a:r>
+              <a:rPr lang="en-US" dirty="0">
+                <a:hlinkClick r:id="rId10" tooltip="Source code"/>
+              </a:rPr>
+              <a:t>source code</a:t>
+            </a:r>
+            <a:r>
+              <a:rPr lang="en-US" dirty="0"/>
+              <a:t> or its binary executable form using a tool called a </a:t>
+            </a:r>
+            <a:r>
+              <a:rPr lang="en-US" i="1" dirty="0"/>
+              <a:t>profiler</a:t>
+            </a:r>
+            <a:r>
+              <a:rPr lang="en-US" dirty="0"/>
+              <a:t> (or </a:t>
+            </a:r>
+            <a:r>
+              <a:rPr lang="en-US" i="1" dirty="0"/>
+              <a:t>code profiler</a:t>
+            </a:r>
+            <a:r>
+              <a:rPr lang="en-US" dirty="0"/>
+              <a:t>). Profilers may use a number of different techniques, such as event-based, statistical, instrumented, and simulation methods. </a:t>
+            </a:r>
+          </a:p>
+          <a:p>
+            <a:endParaRPr lang="en-US" dirty="0"/>
+          </a:p>
+        </p:txBody>
+      </p:sp>
+      <p:sp>
+        <p:nvSpPr>
+          <p:cNvPr id="21" name="Title 20">
+            <a:extLst>
+              <a:ext uri="{FF2B5EF4-FFF2-40B4-BE49-F238E27FC236}">
+                <a16:creationId xmlns:a16="http://schemas.microsoft.com/office/drawing/2014/main" id="{E22BF8A7-E37A-4DA3-B869-04D647B704C3}"/>
+              </a:ext>
+            </a:extLst>
+          </p:cNvPr>
+          <p:cNvSpPr>
+            <a:spLocks noGrp="1"/>
+          </p:cNvSpPr>
+          <p:nvPr>
+            <p:ph type="title"/>
+          </p:nvPr>
+        </p:nvSpPr>
+        <p:spPr/>
+        <p:txBody>
+          <a:bodyPr/>
+          <a:lstStyle/>
+          <a:p>
+            <a:r>
+              <a:rPr lang="en-US" dirty="0"/>
+              <a:t>Profiling questions</a:t>
+            </a:r>
+          </a:p>
+        </p:txBody>
+      </p:sp>
+      <p:sp>
+        <p:nvSpPr>
+          <p:cNvPr id="23" name="Slide Number Placeholder 22">
+            <a:extLst>
+              <a:ext uri="{FF2B5EF4-FFF2-40B4-BE49-F238E27FC236}">
+                <a16:creationId xmlns:a16="http://schemas.microsoft.com/office/drawing/2014/main" id="{14BDFB80-76C4-4709-BEEA-BD3B9CF1165E}"/>
+              </a:ext>
+            </a:extLst>
+          </p:cNvPr>
+          <p:cNvSpPr>
+            <a:spLocks noGrp="1"/>
+          </p:cNvSpPr>
+          <p:nvPr>
+            <p:ph type="sldNum" sz="quarter" idx="19"/>
+          </p:nvPr>
+        </p:nvSpPr>
+        <p:spPr/>
+        <p:txBody>
+          <a:bodyPr/>
+          <a:lstStyle/>
+          <a:p>
+            <a:pPr defTabSz="1088421">
+              <a:buFontTx/>
+              <a:buBlip>
+                <a:blip r:embed="rId11"/>
+              </a:buBlip>
+            </a:pPr>
+            <a:fld id="{104FC826-72BB-4AF1-BA01-A94F7396A7DC}" type="slidenum">
+              <a:rPr lang="en-US" smtClean="0"/>
+              <a:pPr defTabSz="1088421">
+                <a:buFontTx/>
+                <a:buBlip>
+                  <a:blip r:embed="rId11"/>
+                </a:buBlip>
+              </a:pPr>
+              <a:t>3</a:t>
+            </a:fld>
+            <a:endParaRPr lang="en-US" dirty="0"/>
+          </a:p>
+        </p:txBody>
+      </p:sp>
+    </p:spTree>
+    <p:extLst>
+      <p:ext uri="{BB962C8B-B14F-4D97-AF65-F5344CB8AC3E}">
+        <p14:creationId xmlns:p14="http://schemas.microsoft.com/office/powerpoint/2010/main" val="2227894808"/>
+      </p:ext>
+    </p:extLst>
+  </p:cSld>
+  <p:clrMapOvr>
+    <a:masterClrMapping/>
+  </p:clrMapOvr>
+  <mc:AlternateContent xmlns:mc="http://schemas.openxmlformats.org/markup-compatibility/2006">
+    <mc:Choice xmlns:p14="http://schemas.microsoft.com/office/powerpoint/2010/main" Requires="p14">
+      <p:transition p14:dur="0"/>
+    </mc:Choice>
+    <mc:Fallback>
+      <p:transition/>
+    </mc:Fallback>
+  </mc:AlternateContent>
+  <p:timing>
+    <p:tnLst>
+      <p:par>
+        <p:cTn id="1" dur="indefinite" restart="never" nodeType="tmRoot">
+          <p:childTnLst>
+            <p:seq concurrent="1" nextAc="seek">
+              <p:cTn id="2" dur="indefinite" nodeType="mainSeq">
+                <p:childTnLst>
+                  <p:par>
+                    <p:cTn id="3" fill="hold">
+                      <p:stCondLst>
+                        <p:cond delay="indefinite"/>
+                      </p:stCondLst>
+                      <p:childTnLst>
+                        <p:par>
+                          <p:cTn id="4" fill="hold">
+                            <p:stCondLst>
+                              <p:cond delay="0"/>
+                            </p:stCondLst>
+                            <p:childTnLst>
+                              <p:par>
+                                <p:cTn id="5" presetID="1" presetClass="entr" presetSubtype="0" fill="hold" nodeType="clickEffect">
+                                  <p:stCondLst>
+                                    <p:cond delay="0"/>
+                                  </p:stCondLst>
+                                  <p:childTnLst>
+                                    <p:set>
+                                      <p:cBhvr>
+                                        <p:cTn id="6" dur="1" fill="hold">
+                                          <p:stCondLst>
+                                            <p:cond delay="0"/>
+                                          </p:stCondLst>
+                                        </p:cTn>
+                                        <p:tgtEl>
+                                          <p:spTgt spid="22">
+                                            <p:txEl>
+                                              <p:pRg st="2" end="2"/>
+                                            </p:txEl>
+                                          </p:spTgt>
+                                        </p:tgtEl>
+                                        <p:attrNameLst>
+                                          <p:attrName>style.visibility</p:attrName>
+                                        </p:attrNameLst>
+                                      </p:cBhvr>
+                                      <p:to>
+                                        <p:strVal val="visible"/>
+                                      </p:to>
+                                    </p:set>
+                                  </p:childTnLst>
+                                </p:cTn>
+                              </p:par>
+                              <p:par>
+                                <p:cTn id="7" presetID="1" presetClass="entr" presetSubtype="0" fill="hold" nodeType="withEffect">
+                                  <p:stCondLst>
+                                    <p:cond delay="0"/>
+                                  </p:stCondLst>
+                                  <p:childTnLst>
+                                    <p:set>
+                                      <p:cBhvr>
+                                        <p:cTn id="8" dur="1" fill="hold">
+                                          <p:stCondLst>
+                                            <p:cond delay="0"/>
+                                          </p:stCondLst>
+                                        </p:cTn>
+                                        <p:tgtEl>
+                                          <p:spTgt spid="22">
+                                            <p:txEl>
+                                              <p:pRg st="4" end="4"/>
+                                            </p:txEl>
+                                          </p:spTgt>
+                                        </p:tgtEl>
+                                        <p:attrNameLst>
+                                          <p:attrName>style.visibility</p:attrName>
+                                        </p:attrNameLst>
+                                      </p:cBhvr>
+                                      <p:to>
+                                        <p:strVal val="visible"/>
+                                      </p:to>
+                                    </p:set>
+                                  </p:childTnLst>
+                                </p:cTn>
+                              </p:par>
+                            </p:childTnLst>
+                          </p:cTn>
+                        </p:par>
+                      </p:childTnLst>
+                    </p:cTn>
+                  </p:par>
+                </p:childTnLst>
+              </p:cTn>
+              <p:prevCondLst>
+                <p:cond evt="onPrev" delay="0">
+                  <p:tgtEl>
+                    <p:sldTgt/>
+                  </p:tgtEl>
+                </p:cond>
+              </p:prevCondLst>
+              <p:nextCondLst>
+                <p:cond evt="onNext" delay="0">
+                  <p:tgtEl>
+                    <p:sldTgt/>
+                  </p:tgtEl>
+                </p:cond>
+              </p:nextCondLst>
+            </p:seq>
+          </p:childTnLst>
+        </p:cTn>
+      </p:par>
+    </p:tnLst>
+  </p:timing>
+</p:sld>
+</file>
+
+<file path=ppt/slides/slide4.xml><?xml version="1.0" encoding="utf-8"?>
+<p:sld xmlns:a="http://schemas.openxmlformats.org/drawingml/2006/main" xmlns:r="http://schemas.openxmlformats.org/officeDocument/2006/relationships" xmlns:p="http://schemas.openxmlformats.org/presentationml/2006/main">
+  <p:cSld>
+    <p:spTree>
+      <p:nvGrpSpPr>
+        <p:cNvPr id="1" name=""/>
+        <p:cNvGrpSpPr/>
+        <p:nvPr/>
+      </p:nvGrpSpPr>
+      <p:grpSpPr>
+        <a:xfrm>
+          <a:off x="0" y="0"/>
+          <a:ext cx="0" cy="0"/>
+          <a:chOff x="0" y="0"/>
+          <a:chExt cx="0" cy="0"/>
+        </a:xfrm>
+      </p:grpSpPr>
+      <p:sp>
+        <p:nvSpPr>
+          <p:cNvPr id="5" name="Footer Placeholder 4">
+            <a:extLst>
+              <a:ext uri="{FF2B5EF4-FFF2-40B4-BE49-F238E27FC236}">
+                <a16:creationId xmlns:a16="http://schemas.microsoft.com/office/drawing/2014/main" id="{50349679-8B77-4AAF-9049-025CBA647F54}"/>
+              </a:ext>
+            </a:extLst>
+          </p:cNvPr>
+          <p:cNvSpPr>
+            <a:spLocks noGrp="1"/>
+          </p:cNvSpPr>
+          <p:nvPr>
+            <p:ph type="ftr" sz="quarter" idx="18"/>
+          </p:nvPr>
+        </p:nvSpPr>
+        <p:spPr>
+          <a:xfrm>
+            <a:off x="3721696" y="6129337"/>
+            <a:ext cx="7481160" cy="411581"/>
+          </a:xfrm>
+        </p:spPr>
+        <p:txBody>
+          <a:bodyPr/>
+          <a:lstStyle/>
+          <a:p>
+            <a:r>
+              <a:rPr lang="en-US" dirty="0"/>
+              <a:t>Confidential | Authorized </a:t>
+            </a:r>
+          </a:p>
+        </p:txBody>
+      </p:sp>
+      <p:sp>
+        <p:nvSpPr>
+          <p:cNvPr id="22" name="Content Placeholder 21">
+            <a:extLst>
+              <a:ext uri="{FF2B5EF4-FFF2-40B4-BE49-F238E27FC236}">
+                <a16:creationId xmlns:a16="http://schemas.microsoft.com/office/drawing/2014/main" id="{0D133FAF-811B-408A-B501-743027382189}"/>
+              </a:ext>
+            </a:extLst>
+          </p:cNvPr>
+          <p:cNvSpPr>
+            <a:spLocks noGrp="1"/>
+          </p:cNvSpPr>
+          <p:nvPr>
+            <p:ph idx="1"/>
+          </p:nvPr>
+        </p:nvSpPr>
+        <p:spPr/>
+        <p:txBody>
+          <a:bodyPr/>
+          <a:lstStyle/>
+          <a:p>
+            <a:pPr marL="0" indent="0">
+              <a:buNone/>
+            </a:pPr>
+            <a:r>
+              <a:rPr lang="en-US" sz="2800" dirty="0"/>
+              <a:t>Which technique you use depends on what access you have to the source code or executable.</a:t>
+            </a:r>
+          </a:p>
+          <a:p>
+            <a:pPr marL="0" indent="0">
+              <a:buNone/>
+            </a:pPr>
+            <a:r>
+              <a:rPr lang="en-US" sz="2800" dirty="0"/>
+              <a:t>It also depends on what tools are available.</a:t>
+            </a:r>
+          </a:p>
+          <a:p>
+            <a:pPr marL="0" indent="0">
+              <a:buNone/>
+            </a:pPr>
+            <a:endParaRPr lang="en-US" sz="2800" dirty="0"/>
+          </a:p>
+          <a:p>
+            <a:pPr marL="0" indent="0">
+              <a:buNone/>
+            </a:pPr>
+            <a:r>
+              <a:rPr lang="en-US" sz="2800" dirty="0"/>
+              <a:t>For instance, running locally, you can use any tool you like: </a:t>
+            </a:r>
+          </a:p>
+          <a:p>
+            <a:endParaRPr lang="en-US" sz="2800" dirty="0"/>
+          </a:p>
+          <a:p>
+            <a:r>
+              <a:rPr lang="en-US" sz="2800" dirty="0"/>
+              <a:t>Profiling during testing</a:t>
+            </a:r>
+          </a:p>
+          <a:p>
+            <a:r>
+              <a:rPr lang="en-US" sz="2800" dirty="0"/>
+              <a:t>Profiling with </a:t>
+            </a:r>
+            <a:r>
+              <a:rPr lang="en-US" sz="2800" dirty="0" err="1"/>
+              <a:t>GoLand</a:t>
+            </a:r>
+            <a:endParaRPr lang="en-US" sz="2800" dirty="0"/>
+          </a:p>
+          <a:p>
+            <a:r>
+              <a:rPr lang="en-US" sz="2800" dirty="0"/>
+              <a:t>Profiling running code by storing profiles</a:t>
+            </a:r>
+          </a:p>
+          <a:p>
+            <a:r>
+              <a:rPr lang="en-US" sz="2800" dirty="0"/>
+              <a:t>Profiling running code with HTTP handler</a:t>
+            </a:r>
+          </a:p>
+          <a:p>
+            <a:endParaRPr lang="en-US" dirty="0"/>
+          </a:p>
+        </p:txBody>
+      </p:sp>
+      <p:sp>
+        <p:nvSpPr>
+          <p:cNvPr id="21" name="Title 20">
+            <a:extLst>
+              <a:ext uri="{FF2B5EF4-FFF2-40B4-BE49-F238E27FC236}">
+                <a16:creationId xmlns:a16="http://schemas.microsoft.com/office/drawing/2014/main" id="{E22BF8A7-E37A-4DA3-B869-04D647B704C3}"/>
+              </a:ext>
+            </a:extLst>
+          </p:cNvPr>
+          <p:cNvSpPr>
+            <a:spLocks noGrp="1"/>
+          </p:cNvSpPr>
+          <p:nvPr>
+            <p:ph type="title"/>
+          </p:nvPr>
+        </p:nvSpPr>
+        <p:spPr/>
+        <p:txBody>
+          <a:bodyPr/>
+          <a:lstStyle/>
+          <a:p>
+            <a:r>
+              <a:rPr lang="en-US" dirty="0"/>
+              <a:t>Techniques locally</a:t>
+            </a:r>
+          </a:p>
+        </p:txBody>
+      </p:sp>
+      <p:sp>
+        <p:nvSpPr>
+          <p:cNvPr id="23" name="Slide Number Placeholder 22">
+            <a:extLst>
+              <a:ext uri="{FF2B5EF4-FFF2-40B4-BE49-F238E27FC236}">
+                <a16:creationId xmlns:a16="http://schemas.microsoft.com/office/drawing/2014/main" id="{14BDFB80-76C4-4709-BEEA-BD3B9CF1165E}"/>
+              </a:ext>
+            </a:extLst>
+          </p:cNvPr>
+          <p:cNvSpPr>
+            <a:spLocks noGrp="1"/>
+          </p:cNvSpPr>
+          <p:nvPr>
+            <p:ph type="sldNum" sz="quarter" idx="19"/>
+          </p:nvPr>
+        </p:nvSpPr>
+        <p:spPr/>
+        <p:txBody>
+          <a:bodyPr/>
+          <a:lstStyle/>
+          <a:p>
+            <a:pPr defTabSz="1088421">
+              <a:buFontTx/>
+              <a:buBlip>
+                <a:blip r:embed="rId3"/>
+              </a:buBlip>
+            </a:pPr>
+            <a:fld id="{104FC826-72BB-4AF1-BA01-A94F7396A7DC}" type="slidenum">
+              <a:rPr lang="en-US" smtClean="0"/>
+              <a:pPr defTabSz="1088421">
+                <a:buFontTx/>
+                <a:buBlip>
+                  <a:blip r:embed="rId3"/>
+                </a:buBlip>
+              </a:pPr>
+              <a:t>4</a:t>
+            </a:fld>
+            <a:endParaRPr lang="en-US" dirty="0"/>
+          </a:p>
+        </p:txBody>
+      </p:sp>
+    </p:spTree>
+    <p:extLst>
+      <p:ext uri="{BB962C8B-B14F-4D97-AF65-F5344CB8AC3E}">
+        <p14:creationId xmlns:p14="http://schemas.microsoft.com/office/powerpoint/2010/main" val="1896763167"/>
+      </p:ext>
+    </p:extLst>
+  </p:cSld>
+  <p:clrMapOvr>
+    <a:masterClrMapping/>
+  </p:clrMapOvr>
+  <mc:AlternateContent xmlns:mc="http://schemas.openxmlformats.org/markup-compatibility/2006">
+    <mc:Choice xmlns:p14="http://schemas.microsoft.com/office/powerpoint/2010/main" Requires="p14">
+      <p:transition spd="med" p14:dur="700">
+        <p:fade/>
+      </p:transition>
+    </mc:Choice>
+    <mc:Fallback>
+      <p:transition spd="med">
+        <p:fade/>
+      </p:transition>
+    </mc:Fallback>
+  </mc:AlternateContent>
+</p:sld>
+</file>
+
+<file path=ppt/slides/slide5.xml><?xml version="1.0" encoding="utf-8"?>
+<p:sld xmlns:a="http://schemas.openxmlformats.org/drawingml/2006/main" xmlns:r="http://schemas.openxmlformats.org/officeDocument/2006/relationships" xmlns:p="http://schemas.openxmlformats.org/presentationml/2006/main">
+  <p:cSld>
+    <p:spTree>
+      <p:nvGrpSpPr>
+        <p:cNvPr id="1" name=""/>
+        <p:cNvGrpSpPr/>
+        <p:nvPr/>
+      </p:nvGrpSpPr>
+      <p:grpSpPr>
+        <a:xfrm>
+          <a:off x="0" y="0"/>
+          <a:ext cx="0" cy="0"/>
+          <a:chOff x="0" y="0"/>
+          <a:chExt cx="0" cy="0"/>
+        </a:xfrm>
+      </p:grpSpPr>
+      <p:sp>
+        <p:nvSpPr>
           <p:cNvPr id="2" name="Footer Placeholder 1">
             <a:extLst>
               <a:ext uri="{FF2B5EF4-FFF2-40B4-BE49-F238E27FC236}">
@@ -28612,7 +31236,7 @@
             <a:pPr defTabSz="1088421">
               <a:buFontTx/>
               <a:buBlip>
-                <a:blip r:embed="rId2"/>
+                <a:blip r:embed="rId3"/>
               </a:buBlip>
             </a:pPr>
             <a:fld id="{104FC826-72BB-4AF1-BA01-A94F7396A7DC}" type="slidenum">
@@ -28620,10 +31244,10 @@
               <a:pPr defTabSz="1088421">
                 <a:buFontTx/>
                 <a:buBlip>
-                  <a:blip r:embed="rId2"/>
+                  <a:blip r:embed="rId3"/>
                 </a:buBlip>
               </a:pPr>
-              <a:t>3</a:t>
+              <a:t>5</a:t>
             </a:fld>
             <a:endParaRPr lang="en-US" dirty="0"/>
           </a:p>
@@ -28765,7 +31389,7 @@
 </p:sld>
 </file>
 
-<file path=ppt/slides/slide4.xml><?xml version="1.0" encoding="utf-8"?>
+<file path=ppt/slides/slide6.xml><?xml version="1.0" encoding="utf-8"?>
 <p:sld xmlns:a="http://schemas.openxmlformats.org/drawingml/2006/main" xmlns:r="http://schemas.openxmlformats.org/officeDocument/2006/relationships" xmlns:p="http://schemas.openxmlformats.org/presentationml/2006/main">
   <p:cSld>
     <p:spTree>
@@ -28834,7 +31458,7 @@
             <a:pPr defTabSz="1088421">
               <a:buFontTx/>
               <a:buBlip>
-                <a:blip r:embed="rId2"/>
+                <a:blip r:embed="rId3"/>
               </a:buBlip>
             </a:pPr>
             <a:fld id="{104FC826-72BB-4AF1-BA01-A94F7396A7DC}" type="slidenum">
@@ -28842,10 +31466,10 @@
               <a:pPr defTabSz="1088421">
                 <a:buFontTx/>
                 <a:buBlip>
-                  <a:blip r:embed="rId2"/>
+                  <a:blip r:embed="rId3"/>
                 </a:buBlip>
               </a:pPr>
-              <a:t>4</a:t>
+              <a:t>6</a:t>
             </a:fld>
             <a:endParaRPr lang="en-US" dirty="0"/>
           </a:p>
@@ -29170,7 +31794,7 @@
 </p:sld>
 </file>
 
-<file path=ppt/slides/slide5.xml><?xml version="1.0" encoding="utf-8"?>
+<file path=ppt/slides/slide7.xml><?xml version="1.0" encoding="utf-8"?>
 <p:sld xmlns:a="http://schemas.openxmlformats.org/drawingml/2006/main" xmlns:r="http://schemas.openxmlformats.org/officeDocument/2006/relationships" xmlns:p="http://schemas.openxmlformats.org/presentationml/2006/main">
   <p:cSld>
     <p:spTree>
@@ -29239,7 +31863,7 @@
             <a:pPr defTabSz="1088421">
               <a:buFontTx/>
               <a:buBlip>
-                <a:blip r:embed="rId2"/>
+                <a:blip r:embed="rId3"/>
               </a:buBlip>
             </a:pPr>
             <a:fld id="{104FC826-72BB-4AF1-BA01-A94F7396A7DC}" type="slidenum">
@@ -29247,10 +31871,10 @@
               <a:pPr defTabSz="1088421">
                 <a:buFontTx/>
                 <a:buBlip>
-                  <a:blip r:embed="rId2"/>
+                  <a:blip r:embed="rId3"/>
                 </a:buBlip>
               </a:pPr>
-              <a:t>5</a:t>
+              <a:t>7</a:t>
             </a:fld>
             <a:endParaRPr lang="en-US" dirty="0"/>
           </a:p>
@@ -29609,683 +32233,6 @@
 </p:sld>
 </file>
 
-<file path=ppt/slides/slide6.xml><?xml version="1.0" encoding="utf-8"?>
-<p:sld xmlns:a="http://schemas.openxmlformats.org/drawingml/2006/main" xmlns:r="http://schemas.openxmlformats.org/officeDocument/2006/relationships" xmlns:p="http://schemas.openxmlformats.org/presentationml/2006/main">
-  <p:cSld>
-    <p:spTree>
-      <p:nvGrpSpPr>
-        <p:cNvPr id="1" name=""/>
-        <p:cNvGrpSpPr/>
-        <p:nvPr/>
-      </p:nvGrpSpPr>
-      <p:grpSpPr>
-        <a:xfrm>
-          <a:off x="0" y="0"/>
-          <a:ext cx="0" cy="0"/>
-          <a:chOff x="0" y="0"/>
-          <a:chExt cx="0" cy="0"/>
-        </a:xfrm>
-      </p:grpSpPr>
-      <p:sp>
-        <p:nvSpPr>
-          <p:cNvPr id="2" name="Footer Placeholder 1">
-            <a:extLst>
-              <a:ext uri="{FF2B5EF4-FFF2-40B4-BE49-F238E27FC236}">
-                <a16:creationId xmlns:a16="http://schemas.microsoft.com/office/drawing/2014/main" id="{AF9160EE-13E5-6335-B7F2-ED5967066DF3}"/>
-              </a:ext>
-            </a:extLst>
-          </p:cNvPr>
-          <p:cNvSpPr>
-            <a:spLocks noGrp="1"/>
-          </p:cNvSpPr>
-          <p:nvPr>
-            <p:ph type="ftr" sz="quarter" idx="18"/>
-          </p:nvPr>
-        </p:nvSpPr>
-        <p:spPr/>
-        <p:txBody>
-          <a:bodyPr/>
-          <a:lstStyle/>
-          <a:p>
-            <a:r>
-              <a:rPr lang="en-US" dirty="0"/>
-              <a:t>Confidential | Authorized </a:t>
-            </a:r>
-          </a:p>
-        </p:txBody>
-      </p:sp>
-      <p:sp>
-        <p:nvSpPr>
-          <p:cNvPr id="3" name="Slide Number Placeholder 2">
-            <a:extLst>
-              <a:ext uri="{FF2B5EF4-FFF2-40B4-BE49-F238E27FC236}">
-                <a16:creationId xmlns:a16="http://schemas.microsoft.com/office/drawing/2014/main" id="{06AD4A69-354B-44C5-58C5-6A48D93CD6F4}"/>
-              </a:ext>
-            </a:extLst>
-          </p:cNvPr>
-          <p:cNvSpPr>
-            <a:spLocks noGrp="1"/>
-          </p:cNvSpPr>
-          <p:nvPr>
-            <p:ph type="sldNum" sz="quarter" idx="19"/>
-          </p:nvPr>
-        </p:nvSpPr>
-        <p:spPr/>
-        <p:txBody>
-          <a:bodyPr/>
-          <a:lstStyle/>
-          <a:p>
-            <a:pPr defTabSz="1088421">
-              <a:buFontTx/>
-              <a:buBlip>
-                <a:blip r:embed="rId2"/>
-              </a:buBlip>
-            </a:pPr>
-            <a:fld id="{104FC826-72BB-4AF1-BA01-A94F7396A7DC}" type="slidenum">
-              <a:rPr lang="en-US" smtClean="0"/>
-              <a:pPr defTabSz="1088421">
-                <a:buFontTx/>
-                <a:buBlip>
-                  <a:blip r:embed="rId2"/>
-                </a:buBlip>
-              </a:pPr>
-              <a:t>6</a:t>
-            </a:fld>
-            <a:endParaRPr lang="en-US" dirty="0"/>
-          </a:p>
-        </p:txBody>
-      </p:sp>
-      <p:sp>
-        <p:nvSpPr>
-          <p:cNvPr id="4" name="Content Placeholder 3">
-            <a:extLst>
-              <a:ext uri="{FF2B5EF4-FFF2-40B4-BE49-F238E27FC236}">
-                <a16:creationId xmlns:a16="http://schemas.microsoft.com/office/drawing/2014/main" id="{D8F9F141-4033-5CA9-222D-E0CB2EAD2391}"/>
-              </a:ext>
-            </a:extLst>
-          </p:cNvPr>
-          <p:cNvSpPr>
-            <a:spLocks noGrp="1"/>
-          </p:cNvSpPr>
-          <p:nvPr>
-            <p:ph idx="1"/>
-          </p:nvPr>
-        </p:nvSpPr>
-        <p:spPr/>
-        <p:txBody>
-          <a:bodyPr>
-            <a:normAutofit/>
-          </a:bodyPr>
-          <a:lstStyle/>
-          <a:p>
-            <a:r>
-              <a:rPr lang="en-US" sz="2800" dirty="0"/>
-              <a:t>Benchmarks</a:t>
-            </a:r>
-          </a:p>
-          <a:p>
-            <a:pPr lvl="1"/>
-            <a:r>
-              <a:rPr lang="en-GB" sz="2800" b="0" dirty="0">
-                <a:solidFill>
-                  <a:srgbClr val="569CD6"/>
-                </a:solidFill>
-                <a:effectLst/>
-              </a:rPr>
-              <a:t>func</a:t>
-            </a:r>
-            <a:r>
-              <a:rPr lang="en-GB" sz="2800" b="0" dirty="0">
-                <a:solidFill>
-                  <a:srgbClr val="CCCCCC"/>
-                </a:solidFill>
-                <a:effectLst/>
-              </a:rPr>
-              <a:t> </a:t>
-            </a:r>
-            <a:r>
-              <a:rPr lang="en-GB" sz="2800" b="0" dirty="0">
-                <a:solidFill>
-                  <a:srgbClr val="DCDCAA"/>
-                </a:solidFill>
-                <a:effectLst/>
-              </a:rPr>
-              <a:t>BenchmarkXXX</a:t>
-            </a:r>
-            <a:r>
-              <a:rPr lang="en-GB" sz="2800" b="0" dirty="0">
-                <a:solidFill>
-                  <a:srgbClr val="CCCCCC"/>
-                </a:solidFill>
-                <a:effectLst/>
-              </a:rPr>
-              <a:t>(b </a:t>
-            </a:r>
-            <a:r>
-              <a:rPr lang="en-GB" sz="2800" b="0" dirty="0">
-                <a:solidFill>
-                  <a:srgbClr val="D4D4D4"/>
-                </a:solidFill>
-                <a:effectLst/>
-              </a:rPr>
-              <a:t>*</a:t>
-            </a:r>
-            <a:r>
-              <a:rPr lang="en-GB" sz="2800" b="0" dirty="0">
-                <a:solidFill>
-                  <a:srgbClr val="CCCCCC"/>
-                </a:solidFill>
-                <a:effectLst/>
-              </a:rPr>
-              <a:t>testing.B)</a:t>
-            </a:r>
-          </a:p>
-          <a:p>
-            <a:pPr lvl="1"/>
-            <a:r>
-              <a:rPr lang="en-US" sz="2800" dirty="0"/>
-              <a:t>All tests are run prior to benchmarks.</a:t>
-            </a:r>
-            <a:endParaRPr lang="en-GB" sz="2800" b="0" dirty="0">
-              <a:solidFill>
-                <a:srgbClr val="CCCCCC"/>
-              </a:solidFill>
-              <a:effectLst/>
-            </a:endParaRPr>
-          </a:p>
-          <a:p>
-            <a:pPr lvl="1"/>
-            <a:r>
-              <a:rPr lang="en-US" sz="2800" dirty="0"/>
-              <a:t>The testing runner executes each benchmark function several times, increasing b.N on each run until it collects a precise measurement.</a:t>
-            </a:r>
-          </a:p>
-          <a:p>
-            <a:pPr lvl="1"/>
-            <a:r>
-              <a:rPr lang="en-GB" sz="2800" b="0" dirty="0">
-                <a:effectLst/>
-              </a:rPr>
-              <a:t>go test -bench=BenchmarkXXX -cpuprofile cpuprofile.out</a:t>
-            </a:r>
-          </a:p>
-          <a:p>
-            <a:pPr lvl="1"/>
-            <a:r>
-              <a:rPr lang="en-US" sz="2800" dirty="0"/>
-              <a:t>go test -run=^$ -bench=. | tee cpu.1</a:t>
-            </a:r>
-          </a:p>
-          <a:p>
-            <a:pPr lvl="1"/>
-            <a:r>
-              <a:rPr lang="en-US" sz="2800" dirty="0"/>
-              <a:t>go test -run=^$ -bench=. | tee cpu.2</a:t>
-            </a:r>
-          </a:p>
-          <a:p>
-            <a:pPr lvl="1"/>
-            <a:r>
-              <a:rPr lang="en-US" sz="2800" dirty="0"/>
-              <a:t>sudo apt install golang-</a:t>
-            </a:r>
-            <a:r>
-              <a:rPr lang="en-US" sz="2800" dirty="0" err="1"/>
-              <a:t>golang</a:t>
-            </a:r>
-            <a:r>
-              <a:rPr lang="en-US" sz="2800" dirty="0"/>
-              <a:t>-x-tools</a:t>
-            </a:r>
-          </a:p>
-          <a:p>
-            <a:pPr lvl="2"/>
-            <a:r>
-              <a:rPr lang="en-US" sz="2800" dirty="0" err="1"/>
-              <a:t>benchcmp</a:t>
-            </a:r>
-            <a:r>
-              <a:rPr lang="en-US" sz="2800" dirty="0"/>
-              <a:t> cpu.1 cpu.2</a:t>
-            </a:r>
-          </a:p>
-        </p:txBody>
-      </p:sp>
-      <p:sp>
-        <p:nvSpPr>
-          <p:cNvPr id="5" name="Title 4">
-            <a:extLst>
-              <a:ext uri="{FF2B5EF4-FFF2-40B4-BE49-F238E27FC236}">
-                <a16:creationId xmlns:a16="http://schemas.microsoft.com/office/drawing/2014/main" id="{AE137556-8DCF-3B2B-F290-C085FBF1E2E2}"/>
-              </a:ext>
-            </a:extLst>
-          </p:cNvPr>
-          <p:cNvSpPr>
-            <a:spLocks noGrp="1"/>
-          </p:cNvSpPr>
-          <p:nvPr>
-            <p:ph type="title"/>
-          </p:nvPr>
-        </p:nvSpPr>
-        <p:spPr/>
-        <p:txBody>
-          <a:bodyPr/>
-          <a:lstStyle/>
-          <a:p>
-            <a:r>
-              <a:rPr lang="en-US" dirty="0"/>
-              <a:t>Profiling using Benchmarks</a:t>
-            </a:r>
-            <a:endParaRPr lang="en-GB" dirty="0"/>
-          </a:p>
-        </p:txBody>
-      </p:sp>
-    </p:spTree>
-    <p:extLst>
-      <p:ext uri="{BB962C8B-B14F-4D97-AF65-F5344CB8AC3E}">
-        <p14:creationId xmlns:p14="http://schemas.microsoft.com/office/powerpoint/2010/main" val="4255840403"/>
-      </p:ext>
-    </p:extLst>
-  </p:cSld>
-  <p:clrMapOvr>
-    <a:masterClrMapping/>
-  </p:clrMapOvr>
-  <mc:AlternateContent xmlns:mc="http://schemas.openxmlformats.org/markup-compatibility/2006" xmlns:p14="http://schemas.microsoft.com/office/powerpoint/2010/main">
-    <mc:Choice Requires="p14">
-      <p:transition spd="med" p14:dur="700">
-        <p:fade/>
-      </p:transition>
-    </mc:Choice>
-    <mc:Fallback xmlns="">
-      <p:transition spd="med">
-        <p:fade/>
-      </p:transition>
-    </mc:Fallback>
-  </mc:AlternateContent>
-</p:sld>
-</file>
-
-<file path=ppt/slides/slide7.xml><?xml version="1.0" encoding="utf-8"?>
-<p:sld xmlns:a="http://schemas.openxmlformats.org/drawingml/2006/main" xmlns:r="http://schemas.openxmlformats.org/officeDocument/2006/relationships" xmlns:p="http://schemas.openxmlformats.org/presentationml/2006/main">
-  <p:cSld>
-    <p:spTree>
-      <p:nvGrpSpPr>
-        <p:cNvPr id="1" name=""/>
-        <p:cNvGrpSpPr/>
-        <p:nvPr/>
-      </p:nvGrpSpPr>
-      <p:grpSpPr>
-        <a:xfrm>
-          <a:off x="0" y="0"/>
-          <a:ext cx="0" cy="0"/>
-          <a:chOff x="0" y="0"/>
-          <a:chExt cx="0" cy="0"/>
-        </a:xfrm>
-      </p:grpSpPr>
-      <p:sp>
-        <p:nvSpPr>
-          <p:cNvPr id="2" name="Footer Placeholder 1">
-            <a:extLst>
-              <a:ext uri="{FF2B5EF4-FFF2-40B4-BE49-F238E27FC236}">
-                <a16:creationId xmlns:a16="http://schemas.microsoft.com/office/drawing/2014/main" id="{A3524227-2850-237D-3C57-8C1BC2175352}"/>
-              </a:ext>
-            </a:extLst>
-          </p:cNvPr>
-          <p:cNvSpPr>
-            <a:spLocks noGrp="1"/>
-          </p:cNvSpPr>
-          <p:nvPr>
-            <p:ph type="ftr" sz="quarter" idx="18"/>
-          </p:nvPr>
-        </p:nvSpPr>
-        <p:spPr/>
-        <p:txBody>
-          <a:bodyPr/>
-          <a:lstStyle/>
-          <a:p>
-            <a:r>
-              <a:rPr lang="en-US"/>
-              <a:t>Confidential | Authorized </a:t>
-            </a:r>
-            <a:endParaRPr lang="en-US" dirty="0"/>
-          </a:p>
-        </p:txBody>
-      </p:sp>
-      <p:sp>
-        <p:nvSpPr>
-          <p:cNvPr id="3" name="Slide Number Placeholder 2">
-            <a:extLst>
-              <a:ext uri="{FF2B5EF4-FFF2-40B4-BE49-F238E27FC236}">
-                <a16:creationId xmlns:a16="http://schemas.microsoft.com/office/drawing/2014/main" id="{26DA42BC-A16E-8844-5059-E6AF341EF420}"/>
-              </a:ext>
-            </a:extLst>
-          </p:cNvPr>
-          <p:cNvSpPr>
-            <a:spLocks noGrp="1"/>
-          </p:cNvSpPr>
-          <p:nvPr>
-            <p:ph type="sldNum" sz="quarter" idx="19"/>
-          </p:nvPr>
-        </p:nvSpPr>
-        <p:spPr/>
-        <p:txBody>
-          <a:bodyPr/>
-          <a:lstStyle/>
-          <a:p>
-            <a:pPr defTabSz="1088421">
-              <a:buFontTx/>
-              <a:buBlip>
-                <a:blip r:embed="rId2"/>
-              </a:buBlip>
-            </a:pPr>
-            <a:fld id="{104FC826-72BB-4AF1-BA01-A94F7396A7DC}" type="slidenum">
-              <a:rPr lang="en-US" smtClean="0"/>
-              <a:pPr defTabSz="1088421">
-                <a:buFontTx/>
-                <a:buBlip>
-                  <a:blip r:embed="rId2"/>
-                </a:buBlip>
-              </a:pPr>
-              <a:t>7</a:t>
-            </a:fld>
-            <a:endParaRPr lang="en-US" dirty="0"/>
-          </a:p>
-        </p:txBody>
-      </p:sp>
-      <p:sp>
-        <p:nvSpPr>
-          <p:cNvPr id="4" name="Content Placeholder 3">
-            <a:extLst>
-              <a:ext uri="{FF2B5EF4-FFF2-40B4-BE49-F238E27FC236}">
-                <a16:creationId xmlns:a16="http://schemas.microsoft.com/office/drawing/2014/main" id="{262BCE06-077E-F111-D8CA-179C10331C74}"/>
-              </a:ext>
-            </a:extLst>
-          </p:cNvPr>
-          <p:cNvSpPr>
-            <a:spLocks noGrp="1"/>
-          </p:cNvSpPr>
-          <p:nvPr>
-            <p:ph idx="1"/>
-          </p:nvPr>
-        </p:nvSpPr>
-        <p:spPr/>
-        <p:txBody>
-          <a:bodyPr/>
-          <a:lstStyle/>
-          <a:p>
-            <a:r>
-              <a:rPr lang="en-US" sz="2800" b="0" dirty="0">
-                <a:effectLst/>
-              </a:rPr>
-              <a:t>go tool </a:t>
-            </a:r>
-            <a:r>
-              <a:rPr lang="en-US" sz="2800" b="0" dirty="0" err="1">
-                <a:effectLst/>
-              </a:rPr>
-              <a:t>pprof</a:t>
-            </a:r>
-            <a:r>
-              <a:rPr lang="en-US" sz="2800" b="0" dirty="0">
-                <a:effectLst/>
-              </a:rPr>
-              <a:t> -http=:8080 </a:t>
-            </a:r>
-            <a:r>
-              <a:rPr lang="en-US" sz="2800" b="0" dirty="0" err="1">
-                <a:effectLst/>
-              </a:rPr>
-              <a:t>cpuprofile.out</a:t>
-            </a:r>
-            <a:endParaRPr lang="en-US" sz="2800" b="0" dirty="0">
-              <a:effectLst/>
-            </a:endParaRPr>
-          </a:p>
-          <a:p>
-            <a:r>
-              <a:rPr lang="en-US" sz="2800" b="0" dirty="0">
-                <a:effectLst/>
-              </a:rPr>
-              <a:t>go tool </a:t>
-            </a:r>
-            <a:r>
-              <a:rPr lang="en-US" sz="2800" b="0" dirty="0" err="1">
-                <a:effectLst/>
-              </a:rPr>
-              <a:t>pprof</a:t>
-            </a:r>
-            <a:r>
-              <a:rPr lang="en-US" sz="2800" b="0" dirty="0">
-                <a:effectLst/>
-              </a:rPr>
-              <a:t> </a:t>
-            </a:r>
-            <a:r>
-              <a:rPr lang="en-US" sz="2800" b="0" dirty="0" err="1">
-                <a:effectLst/>
-              </a:rPr>
-              <a:t>cpuprofile.out</a:t>
-            </a:r>
-            <a:endParaRPr lang="en-US" sz="2800" b="0" dirty="0">
-              <a:effectLst/>
-            </a:endParaRPr>
-          </a:p>
-          <a:p>
-            <a:pPr lvl="1"/>
-            <a:r>
-              <a:rPr lang="en-US" sz="2600" b="0" dirty="0">
-                <a:effectLst/>
-              </a:rPr>
-              <a:t>(</a:t>
-            </a:r>
-            <a:r>
-              <a:rPr lang="en-US" sz="2600" b="0" dirty="0" err="1">
-                <a:effectLst/>
-              </a:rPr>
-              <a:t>pprof</a:t>
-            </a:r>
-            <a:r>
-              <a:rPr lang="en-US" sz="2600" b="0" dirty="0">
-                <a:effectLst/>
-              </a:rPr>
-              <a:t>) help</a:t>
-            </a:r>
-          </a:p>
-          <a:p>
-            <a:pPr lvl="1"/>
-            <a:r>
-              <a:rPr lang="en-US" sz="2600" b="0" dirty="0">
-                <a:effectLst/>
-              </a:rPr>
-              <a:t>(</a:t>
-            </a:r>
-            <a:r>
-              <a:rPr lang="en-US" sz="2600" b="0" dirty="0" err="1">
-                <a:effectLst/>
-              </a:rPr>
-              <a:t>pprof</a:t>
-            </a:r>
-            <a:r>
-              <a:rPr lang="en-US" sz="2600" b="0" dirty="0">
-                <a:effectLst/>
-              </a:rPr>
-              <a:t>) top</a:t>
-            </a:r>
-          </a:p>
-          <a:p>
-            <a:pPr lvl="1"/>
-            <a:r>
-              <a:rPr lang="en-US" sz="2600" b="0" dirty="0">
-                <a:effectLst/>
-              </a:rPr>
-              <a:t>(</a:t>
-            </a:r>
-            <a:r>
-              <a:rPr lang="en-US" sz="2600" b="0" dirty="0" err="1">
-                <a:effectLst/>
-              </a:rPr>
-              <a:t>pprof</a:t>
-            </a:r>
-            <a:r>
-              <a:rPr lang="en-US" sz="2600" b="0" dirty="0">
-                <a:effectLst/>
-              </a:rPr>
-              <a:t>) tree</a:t>
-            </a:r>
-          </a:p>
-          <a:p>
-            <a:pPr lvl="1"/>
-            <a:r>
-              <a:rPr lang="en-US" sz="2600" b="0" dirty="0">
-                <a:effectLst/>
-              </a:rPr>
-              <a:t>(</a:t>
-            </a:r>
-            <a:r>
-              <a:rPr lang="en-US" sz="2600" b="0" dirty="0" err="1">
-                <a:effectLst/>
-              </a:rPr>
-              <a:t>pprof</a:t>
-            </a:r>
-            <a:r>
-              <a:rPr lang="en-US" sz="2600" b="0" dirty="0">
-                <a:effectLst/>
-              </a:rPr>
-              <a:t>) </a:t>
-            </a:r>
-            <a:r>
-              <a:rPr lang="en-US" sz="2600" b="0" dirty="0" err="1">
-                <a:effectLst/>
-              </a:rPr>
-              <a:t>png</a:t>
-            </a:r>
-            <a:endParaRPr lang="en-US" sz="2600" dirty="0"/>
-          </a:p>
-          <a:p>
-            <a:pPr lvl="1"/>
-            <a:r>
-              <a:rPr lang="en-US" sz="2600" b="0" dirty="0">
-                <a:effectLst/>
-              </a:rPr>
-              <a:t>(</a:t>
-            </a:r>
-            <a:r>
-              <a:rPr lang="en-US" sz="2600" b="0" dirty="0" err="1">
-                <a:effectLst/>
-              </a:rPr>
-              <a:t>pprof</a:t>
-            </a:r>
-            <a:r>
-              <a:rPr lang="en-US" sz="2600" b="0" dirty="0">
-                <a:effectLst/>
-              </a:rPr>
-              <a:t>) web</a:t>
-            </a:r>
-          </a:p>
-          <a:p>
-            <a:pPr lvl="1"/>
-            <a:r>
-              <a:rPr lang="en-US" sz="2600" b="0" dirty="0">
-                <a:effectLst/>
-              </a:rPr>
-              <a:t>(</a:t>
-            </a:r>
-            <a:r>
-              <a:rPr lang="en-US" sz="2600" b="0" dirty="0" err="1">
-                <a:effectLst/>
-              </a:rPr>
-              <a:t>pprof</a:t>
-            </a:r>
-            <a:r>
-              <a:rPr lang="en-US" sz="2600" b="0" dirty="0">
-                <a:effectLst/>
-              </a:rPr>
-              <a:t>) quit</a:t>
-            </a:r>
-          </a:p>
-          <a:p>
-            <a:r>
-              <a:rPr lang="en-US" sz="2800" b="0" dirty="0">
-                <a:effectLst/>
-              </a:rPr>
-              <a:t>go tool trace </a:t>
-            </a:r>
-            <a:r>
-              <a:rPr lang="en-US" sz="2800" b="0" dirty="0" err="1">
-                <a:effectLst/>
-              </a:rPr>
-              <a:t>traceprofile.out</a:t>
-            </a:r>
-            <a:endParaRPr lang="en-US" sz="2800" b="0" dirty="0">
-              <a:effectLst/>
-            </a:endParaRPr>
-          </a:p>
-          <a:p>
-            <a:pPr marL="0" indent="0">
-              <a:buNone/>
-            </a:pPr>
-            <a:endParaRPr lang="en-GB" dirty="0"/>
-          </a:p>
-        </p:txBody>
-      </p:sp>
-      <p:sp>
-        <p:nvSpPr>
-          <p:cNvPr id="5" name="Title 4">
-            <a:extLst>
-              <a:ext uri="{FF2B5EF4-FFF2-40B4-BE49-F238E27FC236}">
-                <a16:creationId xmlns:a16="http://schemas.microsoft.com/office/drawing/2014/main" id="{715D1433-D153-3C8E-6483-A60029349759}"/>
-              </a:ext>
-            </a:extLst>
-          </p:cNvPr>
-          <p:cNvSpPr>
-            <a:spLocks noGrp="1"/>
-          </p:cNvSpPr>
-          <p:nvPr>
-            <p:ph type="title"/>
-          </p:nvPr>
-        </p:nvSpPr>
-        <p:spPr/>
-        <p:txBody>
-          <a:bodyPr/>
-          <a:lstStyle/>
-          <a:p>
-            <a:r>
-              <a:rPr lang="en-US" dirty="0" err="1"/>
-              <a:t>Pprof</a:t>
-            </a:r>
-            <a:r>
-              <a:rPr lang="en-US" dirty="0"/>
-              <a:t> and trace usage</a:t>
-            </a:r>
-            <a:endParaRPr lang="en-GB" dirty="0"/>
-          </a:p>
-        </p:txBody>
-      </p:sp>
-    </p:spTree>
-    <p:extLst>
-      <p:ext uri="{BB962C8B-B14F-4D97-AF65-F5344CB8AC3E}">
-        <p14:creationId xmlns:p14="http://schemas.microsoft.com/office/powerpoint/2010/main" val="3163953615"/>
-      </p:ext>
-    </p:extLst>
-  </p:cSld>
-  <p:clrMapOvr>
-    <a:masterClrMapping/>
-  </p:clrMapOvr>
-  <mc:AlternateContent xmlns:mc="http://schemas.openxmlformats.org/markup-compatibility/2006" xmlns:p14="http://schemas.microsoft.com/office/powerpoint/2010/main">
-    <mc:Choice Requires="p14">
-      <p:transition spd="med" p14:dur="700">
-        <p:fade/>
-      </p:transition>
-    </mc:Choice>
-    <mc:Fallback xmlns="">
-      <p:transition spd="med">
-        <p:fade/>
-      </p:transition>
-    </mc:Fallback>
-  </mc:AlternateContent>
-</p:sld>
-</file>
-
 <file path=ppt/slides/slide8.xml><?xml version="1.0" encoding="utf-8"?>
 <p:sld xmlns:a="http://schemas.openxmlformats.org/drawingml/2006/main" xmlns:r="http://schemas.openxmlformats.org/officeDocument/2006/relationships" xmlns:p="http://schemas.openxmlformats.org/presentationml/2006/main">
   <p:cSld>
@@ -30308,7 +32255,7 @@
           <p:cNvPr id="2" name="Footer Placeholder 1">
             <a:extLst>
               <a:ext uri="{FF2B5EF4-FFF2-40B4-BE49-F238E27FC236}">
-                <a16:creationId xmlns:a16="http://schemas.microsoft.com/office/drawing/2014/main" id="{200714A0-BD76-9D53-8013-F92BB37B2E7F}"/>
+                <a16:creationId xmlns:a16="http://schemas.microsoft.com/office/drawing/2014/main" id="{AF9160EE-13E5-6335-B7F2-ED5967066DF3}"/>
               </a:ext>
             </a:extLst>
           </p:cNvPr>
@@ -30325,10 +32272,9 @@
           <a:lstStyle/>
           <a:p>
             <a:r>
-              <a:rPr lang="en-US"/>
+              <a:rPr lang="en-US" dirty="0"/>
               <a:t>Confidential | Authorized </a:t>
             </a:r>
-            <a:endParaRPr lang="en-US" dirty="0"/>
           </a:p>
         </p:txBody>
       </p:sp>
@@ -30337,7 +32283,7 @@
           <p:cNvPr id="3" name="Slide Number Placeholder 2">
             <a:extLst>
               <a:ext uri="{FF2B5EF4-FFF2-40B4-BE49-F238E27FC236}">
-                <a16:creationId xmlns:a16="http://schemas.microsoft.com/office/drawing/2014/main" id="{7A1F8A47-9F40-43A4-8A63-C19CAB7352BA}"/>
+                <a16:creationId xmlns:a16="http://schemas.microsoft.com/office/drawing/2014/main" id="{06AD4A69-354B-44C5-58C5-6A48D93CD6F4}"/>
               </a:ext>
             </a:extLst>
           </p:cNvPr>
@@ -30356,7 +32302,7 @@
             <a:pPr defTabSz="1088421">
               <a:buFontTx/>
               <a:buBlip>
-                <a:blip r:embed="rId2"/>
+                <a:blip r:embed="rId3"/>
               </a:buBlip>
             </a:pPr>
             <a:fld id="{104FC826-72BB-4AF1-BA01-A94F7396A7DC}" type="slidenum">
@@ -30364,7 +32310,7 @@
               <a:pPr defTabSz="1088421">
                 <a:buFontTx/>
                 <a:buBlip>
-                  <a:blip r:embed="rId2"/>
+                  <a:blip r:embed="rId3"/>
                 </a:buBlip>
               </a:pPr>
               <a:t>8</a:t>
@@ -30378,7 +32324,7 @@
           <p:cNvPr id="4" name="Content Placeholder 3">
             <a:extLst>
               <a:ext uri="{FF2B5EF4-FFF2-40B4-BE49-F238E27FC236}">
-                <a16:creationId xmlns:a16="http://schemas.microsoft.com/office/drawing/2014/main" id="{A5B25A63-838F-726E-A5F3-390A1EC5586D}"/>
+                <a16:creationId xmlns:a16="http://schemas.microsoft.com/office/drawing/2014/main" id="{D8F9F141-4033-5CA9-222D-E0CB2EAD2391}"/>
               </a:ext>
             </a:extLst>
           </p:cNvPr>
@@ -30391,34 +32337,141 @@
         </p:nvSpPr>
         <p:spPr/>
         <p:txBody>
-          <a:bodyPr/>
+          <a:bodyPr>
+            <a:normAutofit/>
+          </a:bodyPr>
           <a:lstStyle/>
           <a:p>
             <a:r>
-              <a:rPr lang="en-US" dirty="0" err="1"/>
-              <a:t>Goland</a:t>
-            </a:r>
-            <a:r>
-              <a:rPr lang="en-US" dirty="0"/>
-              <a:t> uses </a:t>
-            </a:r>
-            <a:r>
-              <a:rPr lang="en-US" dirty="0" err="1"/>
-              <a:t>pprof</a:t>
-            </a:r>
-            <a:r>
-              <a:rPr lang="en-US" dirty="0"/>
-              <a:t> under the covers</a:t>
-            </a:r>
-          </a:p>
-          <a:p>
-            <a:r>
-              <a:rPr lang="en-US" dirty="0"/>
-              <a:t>“Click on test file” -&gt; ”More Run/Debug” -&gt; “Profile With …”</a:t>
-            </a:r>
-          </a:p>
-          <a:p>
-            <a:endParaRPr lang="en-GB" dirty="0"/>
+              <a:rPr lang="en-US" sz="2800" dirty="0"/>
+              <a:t>Benchmarks</a:t>
+            </a:r>
+          </a:p>
+          <a:p>
+            <a:pPr lvl="1"/>
+            <a:r>
+              <a:rPr lang="en-GB" sz="2800" b="0" dirty="0">
+                <a:solidFill>
+                  <a:srgbClr val="569CD6"/>
+                </a:solidFill>
+                <a:effectLst/>
+              </a:rPr>
+              <a:t>func</a:t>
+            </a:r>
+            <a:r>
+              <a:rPr lang="en-GB" sz="2800" b="0" dirty="0">
+                <a:solidFill>
+                  <a:srgbClr val="CCCCCC"/>
+                </a:solidFill>
+                <a:effectLst/>
+              </a:rPr>
+              <a:t> </a:t>
+            </a:r>
+            <a:r>
+              <a:rPr lang="en-GB" sz="2800" b="0" dirty="0">
+                <a:solidFill>
+                  <a:srgbClr val="DCDCAA"/>
+                </a:solidFill>
+                <a:effectLst/>
+              </a:rPr>
+              <a:t>BenchmarkXXX</a:t>
+            </a:r>
+            <a:r>
+              <a:rPr lang="en-GB" sz="2800" b="0" dirty="0">
+                <a:solidFill>
+                  <a:srgbClr val="CCCCCC"/>
+                </a:solidFill>
+                <a:effectLst/>
+              </a:rPr>
+              <a:t>(b </a:t>
+            </a:r>
+            <a:r>
+              <a:rPr lang="en-GB" sz="2800" b="0" dirty="0">
+                <a:solidFill>
+                  <a:srgbClr val="D4D4D4"/>
+                </a:solidFill>
+                <a:effectLst/>
+              </a:rPr>
+              <a:t>*</a:t>
+            </a:r>
+            <a:r>
+              <a:rPr lang="en-GB" sz="2800" b="0" dirty="0">
+                <a:solidFill>
+                  <a:srgbClr val="CCCCCC"/>
+                </a:solidFill>
+                <a:effectLst/>
+              </a:rPr>
+              <a:t>testing.B)</a:t>
+            </a:r>
+          </a:p>
+          <a:p>
+            <a:pPr lvl="1"/>
+            <a:r>
+              <a:rPr lang="en-US" sz="2800" dirty="0"/>
+              <a:t>All tests are run prior to benchmarks.</a:t>
+            </a:r>
+            <a:endParaRPr lang="en-GB" sz="2800" b="0" dirty="0">
+              <a:solidFill>
+                <a:srgbClr val="CCCCCC"/>
+              </a:solidFill>
+              <a:effectLst/>
+            </a:endParaRPr>
+          </a:p>
+          <a:p>
+            <a:pPr lvl="1"/>
+            <a:r>
+              <a:rPr lang="en-US" sz="2800" dirty="0"/>
+              <a:t>The testing runner executes each benchmark function several times, increasing b.N on each run until it collects a precise measurement.</a:t>
+            </a:r>
+          </a:p>
+          <a:p>
+            <a:pPr lvl="1"/>
+            <a:r>
+              <a:rPr lang="en-GB" sz="2800" b="0" dirty="0">
+                <a:effectLst/>
+              </a:rPr>
+              <a:t>go test -bench=BenchmarkXXX -cpuprofile cpuprofile.out</a:t>
+            </a:r>
+          </a:p>
+          <a:p>
+            <a:pPr lvl="1"/>
+            <a:r>
+              <a:rPr lang="en-US" sz="2800" dirty="0"/>
+              <a:t>go test -run=^$ -bench=. | tee cpu.1</a:t>
+            </a:r>
+          </a:p>
+          <a:p>
+            <a:pPr lvl="1"/>
+            <a:r>
+              <a:rPr lang="en-US" sz="2800" dirty="0"/>
+              <a:t>go test -run=^$ -bench=. | tee cpu.2</a:t>
+            </a:r>
+          </a:p>
+          <a:p>
+            <a:pPr lvl="1"/>
+            <a:r>
+              <a:rPr lang="en-US" sz="2800" dirty="0"/>
+              <a:t>sudo apt install golang-</a:t>
+            </a:r>
+            <a:r>
+              <a:rPr lang="en-US" sz="2800" dirty="0" err="1"/>
+              <a:t>golang</a:t>
+            </a:r>
+            <a:r>
+              <a:rPr lang="en-US" sz="2800" dirty="0"/>
+              <a:t>-x-tools</a:t>
+            </a:r>
+          </a:p>
+          <a:p>
+            <a:pPr lvl="2"/>
+            <a:r>
+              <a:rPr lang="en-US" sz="2800" dirty="0" err="1"/>
+              <a:t>benchcmp</a:t>
+            </a:r>
+            <a:r>
+              <a:rPr lang="en-US" sz="2800" dirty="0"/>
+              <a:t> cpu.1 cpu.2</a:t>
+            </a:r>
           </a:p>
         </p:txBody>
       </p:sp>
@@ -30427,7 +32480,7 @@
           <p:cNvPr id="5" name="Title 4">
             <a:extLst>
               <a:ext uri="{FF2B5EF4-FFF2-40B4-BE49-F238E27FC236}">
-                <a16:creationId xmlns:a16="http://schemas.microsoft.com/office/drawing/2014/main" id="{CCE08579-8F9B-7788-2CDA-518D492D8B96}"/>
+                <a16:creationId xmlns:a16="http://schemas.microsoft.com/office/drawing/2014/main" id="{AE137556-8DCF-3B2B-F290-C085FBF1E2E2}"/>
               </a:ext>
             </a:extLst>
           </p:cNvPr>
@@ -30445,56 +32498,16 @@
           <a:p>
             <a:r>
               <a:rPr lang="en-US" dirty="0"/>
-              <a:t>Profiling tests with </a:t>
-            </a:r>
-            <a:r>
-              <a:rPr lang="en-US" dirty="0" err="1"/>
-              <a:t>Goland</a:t>
+              <a:t>Profiling using Benchmarks</a:t>
             </a:r>
             <a:endParaRPr lang="en-GB" dirty="0"/>
           </a:p>
         </p:txBody>
       </p:sp>
-      <p:pic>
-        <p:nvPicPr>
-          <p:cNvPr id="7" name="Picture 6" descr="A screenshot of a computer program&#10;&#10;Description automatically generated">
-            <a:extLst>
-              <a:ext uri="{FF2B5EF4-FFF2-40B4-BE49-F238E27FC236}">
-                <a16:creationId xmlns:a16="http://schemas.microsoft.com/office/drawing/2014/main" id="{708AEA45-BE07-3EBD-2CF5-E161A0154A2F}"/>
-              </a:ext>
-            </a:extLst>
-          </p:cNvPr>
-          <p:cNvPicPr>
-            <a:picLocks noChangeAspect="1"/>
-          </p:cNvPicPr>
-          <p:nvPr/>
-        </p:nvPicPr>
-        <p:blipFill>
-          <a:blip r:embed="rId3">
-            <a:extLst>
-              <a:ext uri="{28A0092B-C50C-407E-A947-70E740481C1C}">
-                <a14:useLocalDpi xmlns:a14="http://schemas.microsoft.com/office/drawing/2010/main" val="0"/>
-              </a:ext>
-            </a:extLst>
-          </a:blip>
-          <a:stretch>
-            <a:fillRect/>
-          </a:stretch>
-        </p:blipFill>
-        <p:spPr>
-          <a:xfrm>
-            <a:off x="381600" y="1943548"/>
-            <a:ext cx="8183902" cy="4191647"/>
-          </a:xfrm>
-          <a:prstGeom prst="rect">
-            <a:avLst/>
-          </a:prstGeom>
-        </p:spPr>
-      </p:pic>
     </p:spTree>
     <p:extLst>
       <p:ext uri="{BB962C8B-B14F-4D97-AF65-F5344CB8AC3E}">
-        <p14:creationId xmlns:p14="http://schemas.microsoft.com/office/powerpoint/2010/main" val="2764030272"/>
+        <p14:creationId xmlns:p14="http://schemas.microsoft.com/office/powerpoint/2010/main" val="4255840403"/>
       </p:ext>
     </p:extLst>
   </p:cSld>
@@ -30538,7 +32551,7 @@
           <p:cNvPr id="2" name="Footer Placeholder 1">
             <a:extLst>
               <a:ext uri="{FF2B5EF4-FFF2-40B4-BE49-F238E27FC236}">
-                <a16:creationId xmlns:a16="http://schemas.microsoft.com/office/drawing/2014/main" id="{04018728-81AE-98DC-7CD0-FBB4CEFA6AA2}"/>
+                <a16:creationId xmlns:a16="http://schemas.microsoft.com/office/drawing/2014/main" id="{A3524227-2850-237D-3C57-8C1BC2175352}"/>
               </a:ext>
             </a:extLst>
           </p:cNvPr>
@@ -30567,7 +32580,7 @@
           <p:cNvPr id="3" name="Slide Number Placeholder 2">
             <a:extLst>
               <a:ext uri="{FF2B5EF4-FFF2-40B4-BE49-F238E27FC236}">
-                <a16:creationId xmlns:a16="http://schemas.microsoft.com/office/drawing/2014/main" id="{D13529D0-B832-ACCF-FE30-33F7E41AE057}"/>
+                <a16:creationId xmlns:a16="http://schemas.microsoft.com/office/drawing/2014/main" id="{26DA42BC-A16E-8844-5059-E6AF341EF420}"/>
               </a:ext>
             </a:extLst>
           </p:cNvPr>
@@ -30586,7 +32599,7 @@
             <a:pPr defTabSz="1088421">
               <a:buFontTx/>
               <a:buBlip>
-                <a:blip r:embed="rId2"/>
+                <a:blip r:embed="rId3"/>
               </a:buBlip>
             </a:pPr>
             <a:fld id="{104FC826-72BB-4AF1-BA01-A94F7396A7DC}" type="slidenum">
@@ -30594,7 +32607,7 @@
               <a:pPr defTabSz="1088421">
                 <a:buFontTx/>
                 <a:buBlip>
-                  <a:blip r:embed="rId2"/>
+                  <a:blip r:embed="rId3"/>
                 </a:buBlip>
               </a:pPr>
               <a:t>9</a:t>
@@ -30608,7 +32621,7 @@
           <p:cNvPr id="4" name="Content Placeholder 3">
             <a:extLst>
               <a:ext uri="{FF2B5EF4-FFF2-40B4-BE49-F238E27FC236}">
-                <a16:creationId xmlns:a16="http://schemas.microsoft.com/office/drawing/2014/main" id="{9DF2E7E2-3CBD-7182-0BD2-8803E67331E3}"/>
+                <a16:creationId xmlns:a16="http://schemas.microsoft.com/office/drawing/2014/main" id="{262BCE06-077E-F111-D8CA-179C10331C74}"/>
               </a:ext>
             </a:extLst>
           </p:cNvPr>
@@ -30621,306 +32634,221 @@
         </p:nvSpPr>
         <p:spPr/>
         <p:txBody>
-          <a:bodyPr>
-            <a:normAutofit/>
-          </a:bodyPr>
+          <a:bodyPr/>
           <a:lstStyle/>
           <a:p>
             <a:r>
-              <a:rPr lang="en-GB" sz="2400" dirty="0"/>
-              <a:t>Profiles in </a:t>
-            </a:r>
-            <a:r>
-              <a:rPr lang="en-GB" sz="2400" b="0" dirty="0">
+              <a:rPr lang="en-US" sz="2800" b="0" dirty="0">
                 <a:effectLst/>
               </a:rPr>
-              <a:t>"runtime/</a:t>
-            </a:r>
-            <a:r>
-              <a:rPr lang="en-GB" sz="2400" b="0" dirty="0" err="1">
+              <a:t>go tool </a:t>
+            </a:r>
+            <a:r>
+              <a:rPr lang="en-US" sz="2800" b="0" dirty="0" err="1">
                 <a:effectLst/>
               </a:rPr>
               <a:t>pprof</a:t>
             </a:r>
             <a:r>
-              <a:rPr lang="en-GB" sz="2400" b="0" dirty="0">
+              <a:rPr lang="en-US" sz="2800" b="0" dirty="0">
                 <a:effectLst/>
               </a:rPr>
-              <a:t>“   // returns *</a:t>
-            </a:r>
-            <a:r>
-              <a:rPr lang="en-GB" sz="2400" b="0" dirty="0" err="1">
+              <a:t> -http=:8080 </a:t>
+            </a:r>
+            <a:r>
+              <a:rPr lang="en-US" sz="2800" b="0" dirty="0" err="1">
+                <a:effectLst/>
+              </a:rPr>
+              <a:t>cpuprofile.out</a:t>
+            </a:r>
+            <a:endParaRPr lang="en-US" sz="2800" b="0" dirty="0">
+              <a:effectLst/>
+            </a:endParaRPr>
+          </a:p>
+          <a:p>
+            <a:r>
+              <a:rPr lang="en-US" sz="2800" b="0" dirty="0">
+                <a:effectLst/>
+              </a:rPr>
+              <a:t>go tool </a:t>
+            </a:r>
+            <a:r>
+              <a:rPr lang="en-US" sz="2800" b="0" dirty="0" err="1">
                 <a:effectLst/>
               </a:rPr>
               <a:t>pprof</a:t>
             </a:r>
             <a:r>
-              <a:rPr lang="en-GB" sz="2400" b="0" dirty="0">
+              <a:rPr lang="en-US" sz="2800" b="0" dirty="0">
                 <a:effectLst/>
               </a:rPr>
-              <a:t> .Profile</a:t>
-            </a:r>
-            <a:endParaRPr lang="en-GB" sz="2400" dirty="0"/>
-          </a:p>
-          <a:p>
-            <a:pPr lvl="1"/>
-            <a:r>
-              <a:rPr lang="en-GB" sz="2400" b="0" dirty="0" err="1">
+              <a:t> </a:t>
+            </a:r>
+            <a:r>
+              <a:rPr lang="en-US" sz="2800" b="0" dirty="0" err="1">
                 <a:effectLst/>
               </a:rPr>
-              <a:t>pprof.Lookup</a:t>
-            </a:r>
-            <a:r>
-              <a:rPr lang="en-GB" sz="2400" b="0" dirty="0">
+              <a:t>cpuprofile.out</a:t>
+            </a:r>
+            <a:endParaRPr lang="en-US" sz="2800" b="0" dirty="0">
+              <a:effectLst/>
+            </a:endParaRPr>
+          </a:p>
+          <a:p>
+            <a:pPr lvl="1"/>
+            <a:r>
+              <a:rPr lang="en-US" sz="2600" b="0" dirty="0">
                 <a:effectLst/>
               </a:rPr>
-              <a:t>("goroutine").</a:t>
-            </a:r>
-            <a:r>
-              <a:rPr lang="en-GB" sz="2400" b="0" dirty="0" err="1">
-                <a:effectLst/>
-              </a:rPr>
-              <a:t>WriteTo</a:t>
-            </a:r>
-            <a:r>
-              <a:rPr lang="en-GB" sz="2400" b="0" dirty="0">
-                <a:effectLst/>
-              </a:rPr>
-              <a:t>(f, 0)</a:t>
-            </a:r>
-          </a:p>
-          <a:p>
-            <a:pPr lvl="1"/>
-            <a:r>
-              <a:rPr lang="en-GB" sz="2400" b="0" dirty="0" err="1">
-                <a:effectLst/>
-              </a:rPr>
-              <a:t>pprof.Lookup</a:t>
-            </a:r>
-            <a:r>
-              <a:rPr lang="en-GB" sz="2400" b="0" dirty="0">
-                <a:effectLst/>
-              </a:rPr>
-              <a:t>("</a:t>
-            </a:r>
-            <a:r>
-              <a:rPr lang="en-GB" sz="2400" dirty="0" err="1"/>
-              <a:t>threadcreate</a:t>
-            </a:r>
-            <a:r>
-              <a:rPr lang="en-GB" sz="2400" b="0" dirty="0">
-                <a:effectLst/>
-              </a:rPr>
-              <a:t>").</a:t>
-            </a:r>
-            <a:r>
-              <a:rPr lang="en-GB" sz="2400" b="0" dirty="0" err="1">
-                <a:effectLst/>
-              </a:rPr>
-              <a:t>WriteTo</a:t>
-            </a:r>
-            <a:r>
-              <a:rPr lang="en-GB" sz="2400" b="0" dirty="0">
-                <a:effectLst/>
-              </a:rPr>
-              <a:t>(f, 0)</a:t>
-            </a:r>
-          </a:p>
-          <a:p>
-            <a:pPr lvl="1"/>
-            <a:r>
-              <a:rPr lang="en-GB" sz="2400" b="0" dirty="0" err="1">
-                <a:effectLst/>
-              </a:rPr>
-              <a:t>pprof.Lookup</a:t>
-            </a:r>
-            <a:r>
-              <a:rPr lang="en-GB" sz="2400" b="0" dirty="0">
-                <a:effectLst/>
-              </a:rPr>
-              <a:t>("</a:t>
-            </a:r>
-            <a:r>
-              <a:rPr lang="en-GB" sz="2400" dirty="0"/>
-              <a:t>heap</a:t>
-            </a:r>
-            <a:r>
-              <a:rPr lang="en-GB" sz="2400" b="0" dirty="0">
-                <a:effectLst/>
-              </a:rPr>
-              <a:t>").</a:t>
-            </a:r>
-            <a:r>
-              <a:rPr lang="en-GB" sz="2400" b="0" dirty="0" err="1">
-                <a:effectLst/>
-              </a:rPr>
-              <a:t>WriteTo</a:t>
-            </a:r>
-            <a:r>
-              <a:rPr lang="en-GB" sz="2400" b="0" dirty="0">
-                <a:effectLst/>
-              </a:rPr>
-              <a:t>(f, 0)</a:t>
-            </a:r>
-          </a:p>
-          <a:p>
-            <a:pPr lvl="1"/>
-            <a:r>
-              <a:rPr lang="en-GB" sz="2400" b="0" dirty="0" err="1">
-                <a:effectLst/>
-              </a:rPr>
-              <a:t>pprof.Lookup</a:t>
-            </a:r>
-            <a:r>
-              <a:rPr lang="en-GB" sz="2400" b="0" dirty="0">
-                <a:effectLst/>
-              </a:rPr>
-              <a:t>("</a:t>
-            </a:r>
-            <a:r>
-              <a:rPr lang="en-GB" sz="2400" dirty="0" err="1"/>
-              <a:t>allocs</a:t>
-            </a:r>
-            <a:r>
-              <a:rPr lang="en-GB" sz="2400" b="0" dirty="0">
-                <a:effectLst/>
-              </a:rPr>
-              <a:t>").</a:t>
-            </a:r>
-            <a:r>
-              <a:rPr lang="en-GB" sz="2400" b="0" dirty="0" err="1">
-                <a:effectLst/>
-              </a:rPr>
-              <a:t>WriteTo</a:t>
-            </a:r>
-            <a:r>
-              <a:rPr lang="en-GB" sz="2400" b="0" dirty="0">
-                <a:effectLst/>
-              </a:rPr>
-              <a:t>(f, 0)</a:t>
-            </a:r>
-          </a:p>
-          <a:p>
-            <a:pPr lvl="1"/>
-            <a:r>
-              <a:rPr lang="en-GB" sz="2400" b="0" dirty="0" err="1">
-                <a:effectLst/>
-              </a:rPr>
-              <a:t>pprof.Lookup</a:t>
-            </a:r>
-            <a:r>
-              <a:rPr lang="en-GB" sz="2400" b="0" dirty="0">
-                <a:effectLst/>
-              </a:rPr>
-              <a:t>("block").</a:t>
-            </a:r>
-            <a:r>
-              <a:rPr lang="en-GB" sz="2400" b="0" dirty="0" err="1">
-                <a:effectLst/>
-              </a:rPr>
-              <a:t>WriteTo</a:t>
-            </a:r>
-            <a:r>
-              <a:rPr lang="en-GB" sz="2400" b="0" dirty="0">
-                <a:effectLst/>
-              </a:rPr>
-              <a:t>(f, 0)</a:t>
-            </a:r>
-          </a:p>
-          <a:p>
-            <a:pPr lvl="1"/>
-            <a:r>
-              <a:rPr lang="en-GB" sz="2400" b="0" dirty="0" err="1">
-                <a:effectLst/>
-              </a:rPr>
-              <a:t>pprof.Lookup</a:t>
-            </a:r>
-            <a:r>
-              <a:rPr lang="en-GB" sz="2400" b="0" dirty="0">
-                <a:effectLst/>
-              </a:rPr>
-              <a:t>("mutex").</a:t>
-            </a:r>
-            <a:r>
-              <a:rPr lang="en-GB" sz="2400" b="0" dirty="0" err="1">
-                <a:effectLst/>
-              </a:rPr>
-              <a:t>WriteTo</a:t>
-            </a:r>
-            <a:r>
-              <a:rPr lang="en-GB" sz="2400" b="0" dirty="0">
-                <a:effectLst/>
-              </a:rPr>
-              <a:t>(f, 0)</a:t>
-            </a:r>
-            <a:endParaRPr lang="en-GB" sz="2400" dirty="0"/>
-          </a:p>
-          <a:p>
-            <a:r>
-              <a:rPr lang="en-GB" sz="2400" dirty="0"/>
-              <a:t>Special functions in </a:t>
-            </a:r>
-            <a:r>
-              <a:rPr lang="en-GB" sz="2400" b="0" dirty="0">
-                <a:effectLst/>
-              </a:rPr>
-              <a:t>"runtime/</a:t>
-            </a:r>
-            <a:r>
-              <a:rPr lang="en-GB" sz="2400" b="0" dirty="0" err="1">
+              <a:t>(</a:t>
+            </a:r>
+            <a:r>
+              <a:rPr lang="en-US" sz="2600" b="0" dirty="0" err="1">
                 <a:effectLst/>
               </a:rPr>
               <a:t>pprof</a:t>
             </a:r>
             <a:r>
-              <a:rPr lang="en-GB" sz="2400" b="0" dirty="0">
+              <a:rPr lang="en-US" sz="2600" b="0" dirty="0">
                 <a:effectLst/>
               </a:rPr>
-              <a:t>"</a:t>
-            </a:r>
-            <a:endParaRPr lang="en-GB" sz="2400" dirty="0"/>
+              <a:t>) help</a:t>
+            </a:r>
           </a:p>
           <a:p>
             <a:pPr lvl="1"/>
             <a:r>
-              <a:rPr lang="en-GB" sz="2400" b="0" dirty="0" err="1">
+              <a:rPr lang="en-US" sz="2600" b="0" dirty="0">
                 <a:effectLst/>
               </a:rPr>
-              <a:t>pprof.StartCPUProfile</a:t>
-            </a:r>
-            <a:r>
-              <a:rPr lang="en-GB" sz="2400" b="0" dirty="0">
+              <a:t>(</a:t>
+            </a:r>
+            <a:r>
+              <a:rPr lang="en-US" sz="2600" b="0" dirty="0" err="1">
                 <a:effectLst/>
               </a:rPr>
-              <a:t>(f)  and </a:t>
-            </a:r>
-            <a:r>
-              <a:rPr lang="en-GB" sz="2400" b="0" dirty="0" err="1">
+              <a:t>pprof</a:t>
+            </a:r>
+            <a:r>
+              <a:rPr lang="en-US" sz="2600" b="0" dirty="0">
                 <a:effectLst/>
               </a:rPr>
-              <a:t>pprof.StopCPUProfile</a:t>
-            </a:r>
-            <a:r>
-              <a:rPr lang="en-GB" sz="2400" b="0" dirty="0">
+              <a:t>) top</a:t>
+            </a:r>
+          </a:p>
+          <a:p>
+            <a:pPr lvl="1"/>
+            <a:r>
+              <a:rPr lang="en-US" sz="2600" b="0" dirty="0">
                 <a:effectLst/>
               </a:rPr>
-              <a:t>()</a:t>
-            </a:r>
-          </a:p>
-          <a:p>
-            <a:pPr lvl="1"/>
-            <a:r>
-              <a:rPr lang="en-GB" sz="2400" b="0" dirty="0" err="1">
+              <a:t>(</a:t>
+            </a:r>
+            <a:r>
+              <a:rPr lang="en-US" sz="2600" b="0" dirty="0" err="1">
                 <a:effectLst/>
               </a:rPr>
-              <a:t>pprof.WriteHeapProfile</a:t>
-            </a:r>
-            <a:r>
-              <a:rPr lang="en-GB" sz="2400" b="0" dirty="0">
+              <a:t>pprof</a:t>
+            </a:r>
+            <a:r>
+              <a:rPr lang="en-US" sz="2600" b="0" dirty="0">
                 <a:effectLst/>
               </a:rPr>
-              <a:t>(f)</a:t>
-            </a:r>
+              <a:t>) tree</a:t>
+            </a:r>
+          </a:p>
+          <a:p>
+            <a:pPr lvl="1"/>
+            <a:r>
+              <a:rPr lang="en-US" sz="2600" b="0" dirty="0">
+                <a:effectLst/>
+              </a:rPr>
+              <a:t>(</a:t>
+            </a:r>
+            <a:r>
+              <a:rPr lang="en-US" sz="2600" b="0" dirty="0" err="1">
+                <a:effectLst/>
+              </a:rPr>
+              <a:t>pprof</a:t>
+            </a:r>
+            <a:r>
+              <a:rPr lang="en-US" sz="2600" b="0" dirty="0">
+                <a:effectLst/>
+              </a:rPr>
+              <a:t>) </a:t>
+            </a:r>
+            <a:r>
+              <a:rPr lang="en-US" sz="2600" b="0" dirty="0" err="1">
+                <a:effectLst/>
+              </a:rPr>
+              <a:t>png</a:t>
+            </a:r>
+            <a:endParaRPr lang="en-US" sz="2600" dirty="0"/>
+          </a:p>
+          <a:p>
+            <a:pPr lvl="1"/>
+            <a:r>
+              <a:rPr lang="en-US" sz="2600" b="0" dirty="0">
+                <a:effectLst/>
+              </a:rPr>
+              <a:t>(</a:t>
+            </a:r>
+            <a:r>
+              <a:rPr lang="en-US" sz="2600" b="0" dirty="0" err="1">
+                <a:effectLst/>
+              </a:rPr>
+              <a:t>pprof</a:t>
+            </a:r>
+            <a:r>
+              <a:rPr lang="en-US" sz="2600" b="0" dirty="0">
+                <a:effectLst/>
+              </a:rPr>
+              <a:t>) web</a:t>
+            </a:r>
+          </a:p>
+          <a:p>
+            <a:pPr lvl="1"/>
+            <a:r>
+              <a:rPr lang="en-US" sz="2600" b="0" dirty="0">
+                <a:effectLst/>
+              </a:rPr>
+              <a:t>(</a:t>
+            </a:r>
+            <a:r>
+              <a:rPr lang="en-US" sz="2600" b="0" dirty="0" err="1">
+                <a:effectLst/>
+              </a:rPr>
+              <a:t>pprof</a:t>
+            </a:r>
+            <a:r>
+              <a:rPr lang="en-US" sz="2600" b="0" dirty="0">
+                <a:effectLst/>
+              </a:rPr>
+              <a:t>) quit</a:t>
+            </a:r>
+          </a:p>
+          <a:p>
+            <a:r>
+              <a:rPr lang="en-US" sz="2800" b="0" dirty="0">
+                <a:effectLst/>
+              </a:rPr>
+              <a:t>go tool trace </a:t>
+            </a:r>
+            <a:r>
+              <a:rPr lang="en-US" sz="2800" b="0" dirty="0" err="1">
+                <a:effectLst/>
+              </a:rPr>
+              <a:t>traceprofile.out</a:t>
+            </a:r>
+            <a:endParaRPr lang="en-US" sz="2800" b="0" dirty="0">
+              <a:effectLst/>
+            </a:endParaRPr>
+          </a:p>
+          <a:p>
+            <a:pPr marL="0" indent="0">
+              <a:buNone/>
+            </a:pPr>
+            <a:endParaRPr lang="en-GB" dirty="0"/>
           </a:p>
         </p:txBody>
       </p:sp>
@@ -30929,7 +32857,7 @@
           <p:cNvPr id="5" name="Title 4">
             <a:extLst>
               <a:ext uri="{FF2B5EF4-FFF2-40B4-BE49-F238E27FC236}">
-                <a16:creationId xmlns:a16="http://schemas.microsoft.com/office/drawing/2014/main" id="{89EE10FD-3F9C-58BB-3850-E81694DF8D6C}"/>
+                <a16:creationId xmlns:a16="http://schemas.microsoft.com/office/drawing/2014/main" id="{715D1433-D153-3C8E-6483-A60029349759}"/>
               </a:ext>
             </a:extLst>
           </p:cNvPr>
@@ -30946,8 +32874,12 @@
           <a:lstStyle/>
           <a:p>
             <a:r>
+              <a:rPr lang="en-US" dirty="0" err="1"/>
+              <a:t>Pprof</a:t>
+            </a:r>
+            <a:r>
               <a:rPr lang="en-US" dirty="0"/>
-              <a:t>Embedding profile creation</a:t>
+              <a:t> and trace usage</a:t>
             </a:r>
             <a:endParaRPr lang="en-GB" dirty="0"/>
           </a:p>
@@ -30956,7 +32888,7 @@
     </p:spTree>
     <p:extLst>
       <p:ext uri="{BB962C8B-B14F-4D97-AF65-F5344CB8AC3E}">
-        <p14:creationId xmlns:p14="http://schemas.microsoft.com/office/powerpoint/2010/main" val="1640591542"/>
+        <p14:creationId xmlns:p14="http://schemas.microsoft.com/office/powerpoint/2010/main" val="3163953615"/>
       </p:ext>
     </p:extLst>
   </p:cSld>
